--- a/Presentation.pptx
+++ b/Presentation.pptx
@@ -5,15 +5,16 @@
     <p:sldMasterId id="2147483648" r:id="rId1"/>
   </p:sldMasterIdLst>
   <p:notesMasterIdLst>
-    <p:notesMasterId r:id="rId8"/>
+    <p:notesMasterId r:id="rId9"/>
   </p:notesMasterIdLst>
   <p:sldIdLst>
     <p:sldId id="256" r:id="rId2"/>
     <p:sldId id="259" r:id="rId3"/>
     <p:sldId id="257" r:id="rId4"/>
-    <p:sldId id="258" r:id="rId5"/>
-    <p:sldId id="260" r:id="rId6"/>
-    <p:sldId id="261" r:id="rId7"/>
+    <p:sldId id="262" r:id="rId5"/>
+    <p:sldId id="261" r:id="rId6"/>
+    <p:sldId id="258" r:id="rId7"/>
+    <p:sldId id="260" r:id="rId8"/>
   </p:sldIdLst>
   <p:sldSz cx="12192000" cy="6858000"/>
   <p:notesSz cx="6858000" cy="9144000"/>
@@ -537,7 +538,7 @@
           <a:p>
             <a:fld id="{B21569F0-9D9D-4D8E-B80F-641893386181}" type="slidenum">
               <a:rPr lang="en-US" smtClean="0"/>
-              <a:t>6</a:t>
+              <a:t>5</a:t>
             </a:fld>
             <a:endParaRPr lang="en-US"/>
           </a:p>
@@ -5501,6 +5502,4133 @@
           <p:cNvPr id="2" name="Title 1">
             <a:extLst>
               <a:ext uri="{FF2B5EF4-FFF2-40B4-BE49-F238E27FC236}">
+                <a16:creationId xmlns:a16="http://schemas.microsoft.com/office/drawing/2014/main" id="{52E39B99-728C-4528-AE96-200E5369C2D5}"/>
+              </a:ext>
+            </a:extLst>
+          </p:cNvPr>
+          <p:cNvSpPr>
+            <a:spLocks noGrp="1"/>
+          </p:cNvSpPr>
+          <p:nvPr>
+            <p:ph type="title"/>
+          </p:nvPr>
+        </p:nvSpPr>
+        <p:spPr/>
+        <p:txBody>
+          <a:bodyPr/>
+          <a:lstStyle/>
+          <a:p>
+            <a:endParaRPr lang="en-US"/>
+          </a:p>
+        </p:txBody>
+      </p:sp>
+      <p:sp>
+        <p:nvSpPr>
+          <p:cNvPr id="3" name="Content Placeholder 2">
+            <a:extLst>
+              <a:ext uri="{FF2B5EF4-FFF2-40B4-BE49-F238E27FC236}">
+                <a16:creationId xmlns:a16="http://schemas.microsoft.com/office/drawing/2014/main" id="{CD0AADBC-15BD-4083-BEF2-CDD9260E3D45}"/>
+              </a:ext>
+            </a:extLst>
+          </p:cNvPr>
+          <p:cNvSpPr>
+            <a:spLocks noGrp="1"/>
+          </p:cNvSpPr>
+          <p:nvPr>
+            <p:ph idx="1"/>
+          </p:nvPr>
+        </p:nvSpPr>
+        <p:spPr/>
+        <p:txBody>
+          <a:bodyPr/>
+          <a:lstStyle/>
+          <a:p>
+            <a:r>
+              <a:rPr lang="en-US" dirty="0"/>
+              <a:t>2 major releases</a:t>
+            </a:r>
+          </a:p>
+          <a:p>
+            <a:r>
+              <a:rPr lang="en-US" dirty="0"/>
+              <a:t>7 iterations</a:t>
+            </a:r>
+          </a:p>
+          <a:p>
+            <a:pPr lvl="1"/>
+            <a:r>
+              <a:rPr lang="en-US" dirty="0"/>
+              <a:t>1 x inception</a:t>
+            </a:r>
+          </a:p>
+          <a:p>
+            <a:pPr lvl="1"/>
+            <a:r>
+              <a:rPr lang="en-US" dirty="0"/>
+              <a:t>2 x elaboration</a:t>
+            </a:r>
+          </a:p>
+          <a:p>
+            <a:pPr lvl="1"/>
+            <a:r>
+              <a:rPr lang="en-US" dirty="0"/>
+              <a:t>3 x construction</a:t>
+            </a:r>
+          </a:p>
+          <a:p>
+            <a:pPr lvl="1"/>
+            <a:r>
+              <a:rPr lang="en-US" dirty="0"/>
+              <a:t>1 x transition</a:t>
+            </a:r>
+          </a:p>
+        </p:txBody>
+      </p:sp>
+    </p:spTree>
+    <p:extLst>
+      <p:ext uri="{BB962C8B-B14F-4D97-AF65-F5344CB8AC3E}">
+        <p14:creationId xmlns:p14="http://schemas.microsoft.com/office/powerpoint/2010/main" val="980523535"/>
+      </p:ext>
+    </p:extLst>
+  </p:cSld>
+  <p:clrMapOvr>
+    <a:masterClrMapping/>
+  </p:clrMapOvr>
+</p:sld>
+</file>
+
+<file path=ppt/slides/slide5.xml><?xml version="1.0" encoding="utf-8"?>
+<p:sld xmlns:a="http://schemas.openxmlformats.org/drawingml/2006/main" xmlns:r="http://schemas.openxmlformats.org/officeDocument/2006/relationships" xmlns:p="http://schemas.openxmlformats.org/presentationml/2006/main">
+  <p:cSld>
+    <p:spTree>
+      <p:nvGrpSpPr>
+        <p:cNvPr id="1" name=""/>
+        <p:cNvGrpSpPr/>
+        <p:nvPr/>
+      </p:nvGrpSpPr>
+      <p:grpSpPr>
+        <a:xfrm>
+          <a:off x="0" y="0"/>
+          <a:ext cx="0" cy="0"/>
+          <a:chOff x="0" y="0"/>
+          <a:chExt cx="0" cy="0"/>
+        </a:xfrm>
+      </p:grpSpPr>
+      <p:sp>
+        <p:nvSpPr>
+          <p:cNvPr id="2" name="Title 1">
+            <a:extLst>
+              <a:ext uri="{FF2B5EF4-FFF2-40B4-BE49-F238E27FC236}">
+                <a16:creationId xmlns:a16="http://schemas.microsoft.com/office/drawing/2014/main" id="{96792EF4-C471-4759-8A80-BAB3D5328CF8}"/>
+              </a:ext>
+            </a:extLst>
+          </p:cNvPr>
+          <p:cNvSpPr>
+            <a:spLocks noGrp="1"/>
+          </p:cNvSpPr>
+          <p:nvPr>
+            <p:ph type="title"/>
+          </p:nvPr>
+        </p:nvSpPr>
+        <p:spPr/>
+        <p:txBody>
+          <a:bodyPr/>
+          <a:lstStyle/>
+          <a:p>
+            <a:r>
+              <a:rPr lang="en-US" dirty="0"/>
+              <a:t>Plan for the software releases</a:t>
+            </a:r>
+          </a:p>
+        </p:txBody>
+      </p:sp>
+      <p:graphicFrame>
+        <p:nvGraphicFramePr>
+          <p:cNvPr id="4" name="Content Placeholder 3">
+            <a:extLst>
+              <a:ext uri="{FF2B5EF4-FFF2-40B4-BE49-F238E27FC236}">
+                <a16:creationId xmlns:a16="http://schemas.microsoft.com/office/drawing/2014/main" id="{F37A617C-2154-40C2-BD4D-3C1581635F11}"/>
+              </a:ext>
+            </a:extLst>
+          </p:cNvPr>
+          <p:cNvGraphicFramePr>
+            <a:graphicFrameLocks noGrp="1"/>
+          </p:cNvGraphicFramePr>
+          <p:nvPr>
+            <p:ph idx="1"/>
+            <p:extLst>
+              <p:ext uri="{D42A27DB-BD31-4B8C-83A1-F6EECF244321}">
+                <p14:modId xmlns:p14="http://schemas.microsoft.com/office/powerpoint/2010/main" val="374326212"/>
+              </p:ext>
+            </p:extLst>
+          </p:nvPr>
+        </p:nvGraphicFramePr>
+        <p:xfrm>
+          <a:off x="2141417" y="1608481"/>
+          <a:ext cx="8088921" cy="5105814"/>
+        </p:xfrm>
+        <a:graphic>
+          <a:graphicData uri="http://schemas.openxmlformats.org/drawingml/2006/table">
+            <a:tbl>
+              <a:tblPr/>
+              <a:tblGrid>
+                <a:gridCol w="2263146">
+                  <a:extLst>
+                    <a:ext uri="{9D8B030D-6E8A-4147-A177-3AD203B41FA5}">
+                      <a16:colId xmlns:a16="http://schemas.microsoft.com/office/drawing/2014/main" val="1494273192"/>
+                    </a:ext>
+                  </a:extLst>
+                </a:gridCol>
+                <a:gridCol w="963662">
+                  <a:extLst>
+                    <a:ext uri="{9D8B030D-6E8A-4147-A177-3AD203B41FA5}">
+                      <a16:colId xmlns:a16="http://schemas.microsoft.com/office/drawing/2014/main" val="3015806665"/>
+                    </a:ext>
+                  </a:extLst>
+                </a:gridCol>
+                <a:gridCol w="1956527">
+                  <a:extLst>
+                    <a:ext uri="{9D8B030D-6E8A-4147-A177-3AD203B41FA5}">
+                      <a16:colId xmlns:a16="http://schemas.microsoft.com/office/drawing/2014/main" val="3274051043"/>
+                    </a:ext>
+                  </a:extLst>
+                </a:gridCol>
+                <a:gridCol w="2905586">
+                  <a:extLst>
+                    <a:ext uri="{9D8B030D-6E8A-4147-A177-3AD203B41FA5}">
+                      <a16:colId xmlns:a16="http://schemas.microsoft.com/office/drawing/2014/main" val="2505522465"/>
+                    </a:ext>
+                  </a:extLst>
+                </a:gridCol>
+              </a:tblGrid>
+              <a:tr h="160703">
+                <a:tc>
+                  <a:txBody>
+                    <a:bodyPr/>
+                    <a:lstStyle/>
+                    <a:p>
+                      <a:pPr algn="ctr" rtl="0" fontAlgn="t">
+                        <a:spcBef>
+                          <a:spcPts val="0"/>
+                        </a:spcBef>
+                        <a:spcAft>
+                          <a:spcPts val="600"/>
+                        </a:spcAft>
+                      </a:pPr>
+                      <a:r>
+                        <a:rPr lang="en-US" sz="800" b="1" i="0" u="none" strike="noStrike">
+                          <a:solidFill>
+                            <a:srgbClr val="000000"/>
+                          </a:solidFill>
+                          <a:effectLst/>
+                          <a:latin typeface="Arial" panose="020B0604020202020204" pitchFamily="34" charset="0"/>
+                        </a:rPr>
+                        <a:t>Need</a:t>
+                      </a:r>
+                      <a:endParaRPr lang="en-US" sz="800">
+                        <a:effectLst/>
+                      </a:endParaRPr>
+                    </a:p>
+                  </a:txBody>
+                  <a:tcPr marL="29617" marR="29617" marT="18543" marB="18543">
+                    <a:lnL w="9525" cap="flat" cmpd="sng" algn="ctr">
+                      <a:solidFill>
+                        <a:srgbClr val="000000"/>
+                      </a:solidFill>
+                      <a:prstDash val="solid"/>
+                      <a:round/>
+                      <a:headEnd type="none" w="med" len="med"/>
+                      <a:tailEnd type="none" w="med" len="med"/>
+                    </a:lnL>
+                    <a:lnR w="9525" cap="flat" cmpd="sng" algn="ctr">
+                      <a:solidFill>
+                        <a:srgbClr val="000000"/>
+                      </a:solidFill>
+                      <a:prstDash val="solid"/>
+                      <a:round/>
+                      <a:headEnd type="none" w="med" len="med"/>
+                      <a:tailEnd type="none" w="med" len="med"/>
+                    </a:lnR>
+                    <a:lnT w="9525" cap="flat" cmpd="sng" algn="ctr">
+                      <a:solidFill>
+                        <a:srgbClr val="000000"/>
+                      </a:solidFill>
+                      <a:prstDash val="solid"/>
+                      <a:round/>
+                      <a:headEnd type="none" w="med" len="med"/>
+                      <a:tailEnd type="none" w="med" len="med"/>
+                    </a:lnT>
+                    <a:lnB w="9525" cap="flat" cmpd="sng" algn="ctr">
+                      <a:solidFill>
+                        <a:srgbClr val="000000"/>
+                      </a:solidFill>
+                      <a:prstDash val="solid"/>
+                      <a:round/>
+                      <a:headEnd type="none" w="med" len="med"/>
+                      <a:tailEnd type="none" w="med" len="med"/>
+                    </a:lnB>
+                  </a:tcPr>
+                </a:tc>
+                <a:tc>
+                  <a:txBody>
+                    <a:bodyPr/>
+                    <a:lstStyle/>
+                    <a:p>
+                      <a:pPr algn="ctr" rtl="0" fontAlgn="t">
+                        <a:spcBef>
+                          <a:spcPts val="0"/>
+                        </a:spcBef>
+                        <a:spcAft>
+                          <a:spcPts val="600"/>
+                        </a:spcAft>
+                      </a:pPr>
+                      <a:r>
+                        <a:rPr lang="en-US" sz="800" b="1" i="0" u="none" strike="noStrike">
+                          <a:solidFill>
+                            <a:srgbClr val="000000"/>
+                          </a:solidFill>
+                          <a:effectLst/>
+                          <a:latin typeface="Arial" panose="020B0604020202020204" pitchFamily="34" charset="0"/>
+                        </a:rPr>
+                        <a:t>Priority</a:t>
+                      </a:r>
+                      <a:endParaRPr lang="en-US" sz="800">
+                        <a:effectLst/>
+                      </a:endParaRPr>
+                    </a:p>
+                  </a:txBody>
+                  <a:tcPr marL="29617" marR="29617" marT="18543" marB="18543">
+                    <a:lnL w="9525" cap="flat" cmpd="sng" algn="ctr">
+                      <a:solidFill>
+                        <a:srgbClr val="000000"/>
+                      </a:solidFill>
+                      <a:prstDash val="solid"/>
+                      <a:round/>
+                      <a:headEnd type="none" w="med" len="med"/>
+                      <a:tailEnd type="none" w="med" len="med"/>
+                    </a:lnL>
+                    <a:lnR w="9525" cap="flat" cmpd="sng" algn="ctr">
+                      <a:solidFill>
+                        <a:srgbClr val="000000"/>
+                      </a:solidFill>
+                      <a:prstDash val="solid"/>
+                      <a:round/>
+                      <a:headEnd type="none" w="med" len="med"/>
+                      <a:tailEnd type="none" w="med" len="med"/>
+                    </a:lnR>
+                    <a:lnT w="9525" cap="flat" cmpd="sng" algn="ctr">
+                      <a:solidFill>
+                        <a:srgbClr val="000000"/>
+                      </a:solidFill>
+                      <a:prstDash val="solid"/>
+                      <a:round/>
+                      <a:headEnd type="none" w="med" len="med"/>
+                      <a:tailEnd type="none" w="med" len="med"/>
+                    </a:lnT>
+                    <a:lnB w="9525" cap="flat" cmpd="sng" algn="ctr">
+                      <a:solidFill>
+                        <a:srgbClr val="000000"/>
+                      </a:solidFill>
+                      <a:prstDash val="solid"/>
+                      <a:round/>
+                      <a:headEnd type="none" w="med" len="med"/>
+                      <a:tailEnd type="none" w="med" len="med"/>
+                    </a:lnB>
+                  </a:tcPr>
+                </a:tc>
+                <a:tc>
+                  <a:txBody>
+                    <a:bodyPr/>
+                    <a:lstStyle/>
+                    <a:p>
+                      <a:pPr algn="ctr" rtl="0" fontAlgn="t">
+                        <a:spcBef>
+                          <a:spcPts val="0"/>
+                        </a:spcBef>
+                        <a:spcAft>
+                          <a:spcPts val="600"/>
+                        </a:spcAft>
+                      </a:pPr>
+                      <a:r>
+                        <a:rPr lang="en-US" sz="800" b="1" i="0" u="none" strike="noStrike">
+                          <a:solidFill>
+                            <a:srgbClr val="000000"/>
+                          </a:solidFill>
+                          <a:effectLst/>
+                          <a:latin typeface="Arial" panose="020B0604020202020204" pitchFamily="34" charset="0"/>
+                        </a:rPr>
+                        <a:t>Features</a:t>
+                      </a:r>
+                      <a:endParaRPr lang="en-US" sz="800">
+                        <a:effectLst/>
+                      </a:endParaRPr>
+                    </a:p>
+                  </a:txBody>
+                  <a:tcPr marL="29617" marR="29617" marT="18543" marB="18543">
+                    <a:lnL w="9525" cap="flat" cmpd="sng" algn="ctr">
+                      <a:solidFill>
+                        <a:srgbClr val="000000"/>
+                      </a:solidFill>
+                      <a:prstDash val="solid"/>
+                      <a:round/>
+                      <a:headEnd type="none" w="med" len="med"/>
+                      <a:tailEnd type="none" w="med" len="med"/>
+                    </a:lnL>
+                    <a:lnR w="9525" cap="flat" cmpd="sng" algn="ctr">
+                      <a:solidFill>
+                        <a:srgbClr val="000000"/>
+                      </a:solidFill>
+                      <a:prstDash val="solid"/>
+                      <a:round/>
+                      <a:headEnd type="none" w="med" len="med"/>
+                      <a:tailEnd type="none" w="med" len="med"/>
+                    </a:lnR>
+                    <a:lnT w="9525" cap="flat" cmpd="sng" algn="ctr">
+                      <a:solidFill>
+                        <a:srgbClr val="000000"/>
+                      </a:solidFill>
+                      <a:prstDash val="solid"/>
+                      <a:round/>
+                      <a:headEnd type="none" w="med" len="med"/>
+                      <a:tailEnd type="none" w="med" len="med"/>
+                    </a:lnT>
+                    <a:lnB w="9525" cap="flat" cmpd="sng" algn="ctr">
+                      <a:solidFill>
+                        <a:srgbClr val="000000"/>
+                      </a:solidFill>
+                      <a:prstDash val="solid"/>
+                      <a:round/>
+                      <a:headEnd type="none" w="med" len="med"/>
+                      <a:tailEnd type="none" w="med" len="med"/>
+                    </a:lnB>
+                  </a:tcPr>
+                </a:tc>
+                <a:tc>
+                  <a:txBody>
+                    <a:bodyPr/>
+                    <a:lstStyle/>
+                    <a:p>
+                      <a:pPr algn="ctr" rtl="0" fontAlgn="t">
+                        <a:spcBef>
+                          <a:spcPts val="0"/>
+                        </a:spcBef>
+                        <a:spcAft>
+                          <a:spcPts val="600"/>
+                        </a:spcAft>
+                      </a:pPr>
+                      <a:r>
+                        <a:rPr lang="en-US" sz="800" b="1" i="0" u="none" strike="noStrike">
+                          <a:solidFill>
+                            <a:srgbClr val="000000"/>
+                          </a:solidFill>
+                          <a:effectLst/>
+                          <a:latin typeface="Arial" panose="020B0604020202020204" pitchFamily="34" charset="0"/>
+                        </a:rPr>
+                        <a:t>Planned Release</a:t>
+                      </a:r>
+                      <a:endParaRPr lang="en-US" sz="800">
+                        <a:effectLst/>
+                      </a:endParaRPr>
+                    </a:p>
+                  </a:txBody>
+                  <a:tcPr marL="29617" marR="29617" marT="18543" marB="18543">
+                    <a:lnL w="9525" cap="flat" cmpd="sng" algn="ctr">
+                      <a:solidFill>
+                        <a:srgbClr val="000000"/>
+                      </a:solidFill>
+                      <a:prstDash val="solid"/>
+                      <a:round/>
+                      <a:headEnd type="none" w="med" len="med"/>
+                      <a:tailEnd type="none" w="med" len="med"/>
+                    </a:lnL>
+                    <a:lnR w="9525" cap="flat" cmpd="sng" algn="ctr">
+                      <a:solidFill>
+                        <a:srgbClr val="000000"/>
+                      </a:solidFill>
+                      <a:prstDash val="solid"/>
+                      <a:round/>
+                      <a:headEnd type="none" w="med" len="med"/>
+                      <a:tailEnd type="none" w="med" len="med"/>
+                    </a:lnR>
+                    <a:lnT w="9525" cap="flat" cmpd="sng" algn="ctr">
+                      <a:solidFill>
+                        <a:srgbClr val="000000"/>
+                      </a:solidFill>
+                      <a:prstDash val="solid"/>
+                      <a:round/>
+                      <a:headEnd type="none" w="med" len="med"/>
+                      <a:tailEnd type="none" w="med" len="med"/>
+                    </a:lnT>
+                    <a:lnB w="9525" cap="flat" cmpd="sng" algn="ctr">
+                      <a:solidFill>
+                        <a:srgbClr val="000000"/>
+                      </a:solidFill>
+                      <a:prstDash val="solid"/>
+                      <a:round/>
+                      <a:headEnd type="none" w="med" len="med"/>
+                      <a:tailEnd type="none" w="med" len="med"/>
+                    </a:lnB>
+                  </a:tcPr>
+                </a:tc>
+                <a:extLst>
+                  <a:ext uri="{0D108BD9-81ED-4DB2-BD59-A6C34878D82A}">
+                    <a16:rowId xmlns:a16="http://schemas.microsoft.com/office/drawing/2014/main" val="1131871328"/>
+                  </a:ext>
+                </a:extLst>
+              </a:tr>
+              <a:tr h="222512">
+                <a:tc>
+                  <a:txBody>
+                    <a:bodyPr/>
+                    <a:lstStyle/>
+                    <a:p>
+                      <a:pPr algn="ctr" rtl="0" fontAlgn="t">
+                        <a:spcBef>
+                          <a:spcPts val="0"/>
+                        </a:spcBef>
+                        <a:spcAft>
+                          <a:spcPts val="600"/>
+                        </a:spcAft>
+                      </a:pPr>
+                      <a:r>
+                        <a:rPr lang="en-US" sz="800" b="0" i="0" u="none" strike="noStrike">
+                          <a:solidFill>
+                            <a:srgbClr val="000000"/>
+                          </a:solidFill>
+                          <a:effectLst/>
+                          <a:latin typeface="Arial" panose="020B0604020202020204" pitchFamily="34" charset="0"/>
+                        </a:rPr>
+                        <a:t>User Profile </a:t>
+                      </a:r>
+                      <a:endParaRPr lang="en-US" sz="800">
+                        <a:effectLst/>
+                      </a:endParaRPr>
+                    </a:p>
+                  </a:txBody>
+                  <a:tcPr marL="29617" marR="29617" marT="18543" marB="18543">
+                    <a:lnL w="9525" cap="flat" cmpd="sng" algn="ctr">
+                      <a:solidFill>
+                        <a:srgbClr val="000000"/>
+                      </a:solidFill>
+                      <a:prstDash val="solid"/>
+                      <a:round/>
+                      <a:headEnd type="none" w="med" len="med"/>
+                      <a:tailEnd type="none" w="med" len="med"/>
+                    </a:lnL>
+                    <a:lnR w="9525" cap="flat" cmpd="sng" algn="ctr">
+                      <a:solidFill>
+                        <a:srgbClr val="000000"/>
+                      </a:solidFill>
+                      <a:prstDash val="solid"/>
+                      <a:round/>
+                      <a:headEnd type="none" w="med" len="med"/>
+                      <a:tailEnd type="none" w="med" len="med"/>
+                    </a:lnR>
+                    <a:lnT w="9525" cap="flat" cmpd="sng" algn="ctr">
+                      <a:solidFill>
+                        <a:srgbClr val="000000"/>
+                      </a:solidFill>
+                      <a:prstDash val="solid"/>
+                      <a:round/>
+                      <a:headEnd type="none" w="med" len="med"/>
+                      <a:tailEnd type="none" w="med" len="med"/>
+                    </a:lnT>
+                    <a:lnB w="9525" cap="flat" cmpd="sng" algn="ctr">
+                      <a:solidFill>
+                        <a:srgbClr val="000000"/>
+                      </a:solidFill>
+                      <a:prstDash val="solid"/>
+                      <a:round/>
+                      <a:headEnd type="none" w="med" len="med"/>
+                      <a:tailEnd type="none" w="med" len="med"/>
+                    </a:lnB>
+                  </a:tcPr>
+                </a:tc>
+                <a:tc>
+                  <a:txBody>
+                    <a:bodyPr/>
+                    <a:lstStyle/>
+                    <a:p>
+                      <a:pPr algn="ctr" rtl="0" fontAlgn="t">
+                        <a:spcBef>
+                          <a:spcPts val="0"/>
+                        </a:spcBef>
+                        <a:spcAft>
+                          <a:spcPts val="600"/>
+                        </a:spcAft>
+                      </a:pPr>
+                      <a:br>
+                        <a:rPr lang="en-US" sz="800">
+                          <a:effectLst/>
+                        </a:rPr>
+                      </a:br>
+                      <a:r>
+                        <a:rPr lang="en-US" sz="800" b="0" i="0" u="none" strike="noStrike">
+                          <a:solidFill>
+                            <a:srgbClr val="000000"/>
+                          </a:solidFill>
+                          <a:effectLst/>
+                          <a:latin typeface="Arial" panose="020B0604020202020204" pitchFamily="34" charset="0"/>
+                        </a:rPr>
+                        <a:t>High</a:t>
+                      </a:r>
+                      <a:endParaRPr lang="en-US" sz="800">
+                        <a:effectLst/>
+                      </a:endParaRPr>
+                    </a:p>
+                  </a:txBody>
+                  <a:tcPr marL="29617" marR="29617" marT="18543" marB="18543">
+                    <a:lnL w="9525" cap="flat" cmpd="sng" algn="ctr">
+                      <a:solidFill>
+                        <a:srgbClr val="000000"/>
+                      </a:solidFill>
+                      <a:prstDash val="solid"/>
+                      <a:round/>
+                      <a:headEnd type="none" w="med" len="med"/>
+                      <a:tailEnd type="none" w="med" len="med"/>
+                    </a:lnL>
+                    <a:lnR w="9525" cap="flat" cmpd="sng" algn="ctr">
+                      <a:solidFill>
+                        <a:srgbClr val="000000"/>
+                      </a:solidFill>
+                      <a:prstDash val="solid"/>
+                      <a:round/>
+                      <a:headEnd type="none" w="med" len="med"/>
+                      <a:tailEnd type="none" w="med" len="med"/>
+                    </a:lnR>
+                    <a:lnT w="9525" cap="flat" cmpd="sng" algn="ctr">
+                      <a:solidFill>
+                        <a:srgbClr val="000000"/>
+                      </a:solidFill>
+                      <a:prstDash val="solid"/>
+                      <a:round/>
+                      <a:headEnd type="none" w="med" len="med"/>
+                      <a:tailEnd type="none" w="med" len="med"/>
+                    </a:lnT>
+                    <a:lnB w="9525" cap="flat" cmpd="sng" algn="ctr">
+                      <a:solidFill>
+                        <a:srgbClr val="000000"/>
+                      </a:solidFill>
+                      <a:prstDash val="solid"/>
+                      <a:round/>
+                      <a:headEnd type="none" w="med" len="med"/>
+                      <a:tailEnd type="none" w="med" len="med"/>
+                    </a:lnB>
+                  </a:tcPr>
+                </a:tc>
+                <a:tc>
+                  <a:txBody>
+                    <a:bodyPr/>
+                    <a:lstStyle/>
+                    <a:p>
+                      <a:pPr algn="ctr" rtl="0" fontAlgn="t">
+                        <a:spcBef>
+                          <a:spcPts val="0"/>
+                        </a:spcBef>
+                        <a:spcAft>
+                          <a:spcPts val="600"/>
+                        </a:spcAft>
+                      </a:pPr>
+                      <a:r>
+                        <a:rPr lang="en-US" sz="800" b="0" i="0" u="none" strike="noStrike">
+                          <a:solidFill>
+                            <a:srgbClr val="000000"/>
+                          </a:solidFill>
+                          <a:effectLst/>
+                          <a:latin typeface="Arial" panose="020B0604020202020204" pitchFamily="34" charset="0"/>
+                        </a:rPr>
+                        <a:t>Enter Name, Email, Avatar and Username</a:t>
+                      </a:r>
+                      <a:endParaRPr lang="en-US" sz="800">
+                        <a:effectLst/>
+                      </a:endParaRPr>
+                    </a:p>
+                  </a:txBody>
+                  <a:tcPr marL="29617" marR="29617" marT="18543" marB="18543">
+                    <a:lnL w="9525" cap="flat" cmpd="sng" algn="ctr">
+                      <a:solidFill>
+                        <a:srgbClr val="000000"/>
+                      </a:solidFill>
+                      <a:prstDash val="solid"/>
+                      <a:round/>
+                      <a:headEnd type="none" w="med" len="med"/>
+                      <a:tailEnd type="none" w="med" len="med"/>
+                    </a:lnL>
+                    <a:lnR w="9525" cap="flat" cmpd="sng" algn="ctr">
+                      <a:solidFill>
+                        <a:srgbClr val="000000"/>
+                      </a:solidFill>
+                      <a:prstDash val="solid"/>
+                      <a:round/>
+                      <a:headEnd type="none" w="med" len="med"/>
+                      <a:tailEnd type="none" w="med" len="med"/>
+                    </a:lnR>
+                    <a:lnT w="9525" cap="flat" cmpd="sng" algn="ctr">
+                      <a:solidFill>
+                        <a:srgbClr val="000000"/>
+                      </a:solidFill>
+                      <a:prstDash val="solid"/>
+                      <a:round/>
+                      <a:headEnd type="none" w="med" len="med"/>
+                      <a:tailEnd type="none" w="med" len="med"/>
+                    </a:lnT>
+                    <a:lnB w="9525" cap="flat" cmpd="sng" algn="ctr">
+                      <a:solidFill>
+                        <a:srgbClr val="000000"/>
+                      </a:solidFill>
+                      <a:prstDash val="solid"/>
+                      <a:round/>
+                      <a:headEnd type="none" w="med" len="med"/>
+                      <a:tailEnd type="none" w="med" len="med"/>
+                    </a:lnB>
+                  </a:tcPr>
+                </a:tc>
+                <a:tc>
+                  <a:txBody>
+                    <a:bodyPr/>
+                    <a:lstStyle/>
+                    <a:p>
+                      <a:pPr algn="ctr" rtl="0" fontAlgn="t">
+                        <a:spcBef>
+                          <a:spcPts val="1200"/>
+                        </a:spcBef>
+                        <a:spcAft>
+                          <a:spcPts val="1200"/>
+                        </a:spcAft>
+                      </a:pPr>
+                      <a:r>
+                        <a:rPr lang="en-US" sz="800" b="0" i="0" u="none" strike="noStrike">
+                          <a:solidFill>
+                            <a:srgbClr val="000000"/>
+                          </a:solidFill>
+                          <a:effectLst/>
+                          <a:latin typeface="Arial" panose="020B0604020202020204" pitchFamily="34" charset="0"/>
+                        </a:rPr>
+                        <a:t>Release 1</a:t>
+                      </a:r>
+                      <a:endParaRPr lang="en-US" sz="800">
+                        <a:effectLst/>
+                      </a:endParaRPr>
+                    </a:p>
+                  </a:txBody>
+                  <a:tcPr marL="29617" marR="29617" marT="18543" marB="18543">
+                    <a:lnL w="9525" cap="flat" cmpd="sng" algn="ctr">
+                      <a:solidFill>
+                        <a:srgbClr val="000000"/>
+                      </a:solidFill>
+                      <a:prstDash val="solid"/>
+                      <a:round/>
+                      <a:headEnd type="none" w="med" len="med"/>
+                      <a:tailEnd type="none" w="med" len="med"/>
+                    </a:lnL>
+                    <a:lnR w="9525" cap="flat" cmpd="sng" algn="ctr">
+                      <a:solidFill>
+                        <a:srgbClr val="000000"/>
+                      </a:solidFill>
+                      <a:prstDash val="solid"/>
+                      <a:round/>
+                      <a:headEnd type="none" w="med" len="med"/>
+                      <a:tailEnd type="none" w="med" len="med"/>
+                    </a:lnR>
+                    <a:lnT w="9525" cap="flat" cmpd="sng" algn="ctr">
+                      <a:solidFill>
+                        <a:srgbClr val="000000"/>
+                      </a:solidFill>
+                      <a:prstDash val="solid"/>
+                      <a:round/>
+                      <a:headEnd type="none" w="med" len="med"/>
+                      <a:tailEnd type="none" w="med" len="med"/>
+                    </a:lnT>
+                    <a:lnB w="9525" cap="flat" cmpd="sng" algn="ctr">
+                      <a:solidFill>
+                        <a:srgbClr val="000000"/>
+                      </a:solidFill>
+                      <a:prstDash val="solid"/>
+                      <a:round/>
+                      <a:headEnd type="none" w="med" len="med"/>
+                      <a:tailEnd type="none" w="med" len="med"/>
+                    </a:lnB>
+                  </a:tcPr>
+                </a:tc>
+                <a:extLst>
+                  <a:ext uri="{0D108BD9-81ED-4DB2-BD59-A6C34878D82A}">
+                    <a16:rowId xmlns:a16="http://schemas.microsoft.com/office/drawing/2014/main" val="2828793430"/>
+                  </a:ext>
+                </a:extLst>
+              </a:tr>
+              <a:tr h="778791">
+                <a:tc>
+                  <a:txBody>
+                    <a:bodyPr/>
+                    <a:lstStyle/>
+                    <a:p>
+                      <a:pPr algn="ctr" rtl="0" fontAlgn="t">
+                        <a:spcBef>
+                          <a:spcPts val="0"/>
+                        </a:spcBef>
+                        <a:spcAft>
+                          <a:spcPts val="600"/>
+                        </a:spcAft>
+                      </a:pPr>
+                      <a:r>
+                        <a:rPr lang="en-US" sz="800" b="0" i="0" u="none" strike="noStrike">
+                          <a:solidFill>
+                            <a:srgbClr val="000000"/>
+                          </a:solidFill>
+                          <a:effectLst/>
+                          <a:latin typeface="Arial" panose="020B0604020202020204" pitchFamily="34" charset="0"/>
+                        </a:rPr>
+                        <a:t>Recipe</a:t>
+                      </a:r>
+                      <a:endParaRPr lang="en-US" sz="800">
+                        <a:effectLst/>
+                      </a:endParaRPr>
+                    </a:p>
+                  </a:txBody>
+                  <a:tcPr marL="29617" marR="29617" marT="18543" marB="18543">
+                    <a:lnL w="9525" cap="flat" cmpd="sng" algn="ctr">
+                      <a:solidFill>
+                        <a:srgbClr val="000000"/>
+                      </a:solidFill>
+                      <a:prstDash val="solid"/>
+                      <a:round/>
+                      <a:headEnd type="none" w="med" len="med"/>
+                      <a:tailEnd type="none" w="med" len="med"/>
+                    </a:lnL>
+                    <a:lnR w="9525" cap="flat" cmpd="sng" algn="ctr">
+                      <a:solidFill>
+                        <a:srgbClr val="000000"/>
+                      </a:solidFill>
+                      <a:prstDash val="solid"/>
+                      <a:round/>
+                      <a:headEnd type="none" w="med" len="med"/>
+                      <a:tailEnd type="none" w="med" len="med"/>
+                    </a:lnR>
+                    <a:lnT w="9525" cap="flat" cmpd="sng" algn="ctr">
+                      <a:solidFill>
+                        <a:srgbClr val="000000"/>
+                      </a:solidFill>
+                      <a:prstDash val="solid"/>
+                      <a:round/>
+                      <a:headEnd type="none" w="med" len="med"/>
+                      <a:tailEnd type="none" w="med" len="med"/>
+                    </a:lnT>
+                    <a:lnB w="9525" cap="flat" cmpd="sng" algn="ctr">
+                      <a:solidFill>
+                        <a:srgbClr val="000000"/>
+                      </a:solidFill>
+                      <a:prstDash val="solid"/>
+                      <a:round/>
+                      <a:headEnd type="none" w="med" len="med"/>
+                      <a:tailEnd type="none" w="med" len="med"/>
+                    </a:lnB>
+                  </a:tcPr>
+                </a:tc>
+                <a:tc>
+                  <a:txBody>
+                    <a:bodyPr/>
+                    <a:lstStyle/>
+                    <a:p>
+                      <a:pPr algn="ctr" rtl="0" fontAlgn="t">
+                        <a:spcBef>
+                          <a:spcPts val="0"/>
+                        </a:spcBef>
+                        <a:spcAft>
+                          <a:spcPts val="600"/>
+                        </a:spcAft>
+                      </a:pPr>
+                      <a:r>
+                        <a:rPr lang="en-US" sz="800" b="0" i="0" u="none" strike="noStrike">
+                          <a:solidFill>
+                            <a:srgbClr val="000000"/>
+                          </a:solidFill>
+                          <a:effectLst/>
+                          <a:latin typeface="Arial" panose="020B0604020202020204" pitchFamily="34" charset="0"/>
+                        </a:rPr>
+                        <a:t>High</a:t>
+                      </a:r>
+                      <a:endParaRPr lang="en-US" sz="800">
+                        <a:effectLst/>
+                      </a:endParaRPr>
+                    </a:p>
+                  </a:txBody>
+                  <a:tcPr marL="29617" marR="29617" marT="18543" marB="18543">
+                    <a:lnL w="9525" cap="flat" cmpd="sng" algn="ctr">
+                      <a:solidFill>
+                        <a:srgbClr val="000000"/>
+                      </a:solidFill>
+                      <a:prstDash val="solid"/>
+                      <a:round/>
+                      <a:headEnd type="none" w="med" len="med"/>
+                      <a:tailEnd type="none" w="med" len="med"/>
+                    </a:lnL>
+                    <a:lnR w="9525" cap="flat" cmpd="sng" algn="ctr">
+                      <a:solidFill>
+                        <a:srgbClr val="000000"/>
+                      </a:solidFill>
+                      <a:prstDash val="solid"/>
+                      <a:round/>
+                      <a:headEnd type="none" w="med" len="med"/>
+                      <a:tailEnd type="none" w="med" len="med"/>
+                    </a:lnR>
+                    <a:lnT w="9525" cap="flat" cmpd="sng" algn="ctr">
+                      <a:solidFill>
+                        <a:srgbClr val="000000"/>
+                      </a:solidFill>
+                      <a:prstDash val="solid"/>
+                      <a:round/>
+                      <a:headEnd type="none" w="med" len="med"/>
+                      <a:tailEnd type="none" w="med" len="med"/>
+                    </a:lnT>
+                    <a:lnB w="9525" cap="flat" cmpd="sng" algn="ctr">
+                      <a:solidFill>
+                        <a:srgbClr val="000000"/>
+                      </a:solidFill>
+                      <a:prstDash val="solid"/>
+                      <a:round/>
+                      <a:headEnd type="none" w="med" len="med"/>
+                      <a:tailEnd type="none" w="med" len="med"/>
+                    </a:lnB>
+                  </a:tcPr>
+                </a:tc>
+                <a:tc>
+                  <a:txBody>
+                    <a:bodyPr/>
+                    <a:lstStyle/>
+                    <a:p>
+                      <a:pPr algn="ctr" rtl="0" fontAlgn="t">
+                        <a:spcBef>
+                          <a:spcPts val="0"/>
+                        </a:spcBef>
+                        <a:spcAft>
+                          <a:spcPts val="600"/>
+                        </a:spcAft>
+                      </a:pPr>
+                      <a:r>
+                        <a:rPr lang="en-US" sz="800" b="0" i="0" u="none" strike="noStrike">
+                          <a:solidFill>
+                            <a:srgbClr val="000000"/>
+                          </a:solidFill>
+                          <a:effectLst/>
+                          <a:latin typeface="Arial" panose="020B0604020202020204" pitchFamily="34" charset="0"/>
+                        </a:rPr>
+                        <a:t>Photo Upload.</a:t>
+                      </a:r>
+                      <a:endParaRPr lang="en-US" sz="800">
+                        <a:effectLst/>
+                      </a:endParaRPr>
+                    </a:p>
+                    <a:p>
+                      <a:pPr algn="ctr" rtl="0" fontAlgn="t">
+                        <a:spcBef>
+                          <a:spcPts val="0"/>
+                        </a:spcBef>
+                        <a:spcAft>
+                          <a:spcPts val="600"/>
+                        </a:spcAft>
+                      </a:pPr>
+                      <a:r>
+                        <a:rPr lang="en-US" sz="800" b="0" i="0" u="none" strike="noStrike">
+                          <a:solidFill>
+                            <a:srgbClr val="000000"/>
+                          </a:solidFill>
+                          <a:effectLst/>
+                          <a:latin typeface="Arial" panose="020B0604020202020204" pitchFamily="34" charset="0"/>
+                        </a:rPr>
+                        <a:t>Entering Recipe Description. </a:t>
+                      </a:r>
+                      <a:endParaRPr lang="en-US" sz="800">
+                        <a:effectLst/>
+                      </a:endParaRPr>
+                    </a:p>
+                    <a:p>
+                      <a:pPr algn="ctr" rtl="0" fontAlgn="t">
+                        <a:spcBef>
+                          <a:spcPts val="0"/>
+                        </a:spcBef>
+                        <a:spcAft>
+                          <a:spcPts val="600"/>
+                        </a:spcAft>
+                      </a:pPr>
+                      <a:r>
+                        <a:rPr lang="en-US" sz="800" b="0" i="0" u="none" strike="noStrike">
+                          <a:solidFill>
+                            <a:srgbClr val="000000"/>
+                          </a:solidFill>
+                          <a:effectLst/>
+                          <a:latin typeface="Arial" panose="020B0604020202020204" pitchFamily="34" charset="0"/>
+                        </a:rPr>
+                        <a:t>Adding Ingredients</a:t>
+                      </a:r>
+                      <a:endParaRPr lang="en-US" sz="800">
+                        <a:effectLst/>
+                      </a:endParaRPr>
+                    </a:p>
+                    <a:p>
+                      <a:pPr algn="ctr" rtl="0" fontAlgn="t">
+                        <a:spcBef>
+                          <a:spcPts val="0"/>
+                        </a:spcBef>
+                        <a:spcAft>
+                          <a:spcPts val="600"/>
+                        </a:spcAft>
+                      </a:pPr>
+                      <a:r>
+                        <a:rPr lang="en-US" sz="800" b="0" i="0" u="none" strike="noStrike">
+                          <a:solidFill>
+                            <a:srgbClr val="000000"/>
+                          </a:solidFill>
+                          <a:effectLst/>
+                          <a:latin typeface="Arial" panose="020B0604020202020204" pitchFamily="34" charset="0"/>
+                        </a:rPr>
+                        <a:t>Modify the Recipe </a:t>
+                      </a:r>
+                      <a:endParaRPr lang="en-US" sz="800">
+                        <a:effectLst/>
+                      </a:endParaRPr>
+                    </a:p>
+                    <a:p>
+                      <a:pPr algn="ctr" rtl="0" fontAlgn="t">
+                        <a:spcBef>
+                          <a:spcPts val="0"/>
+                        </a:spcBef>
+                        <a:spcAft>
+                          <a:spcPts val="600"/>
+                        </a:spcAft>
+                      </a:pPr>
+                      <a:r>
+                        <a:rPr lang="en-US" sz="800" b="0" i="0" u="none" strike="noStrike">
+                          <a:solidFill>
+                            <a:srgbClr val="000000"/>
+                          </a:solidFill>
+                          <a:effectLst/>
+                          <a:latin typeface="Arial" panose="020B0604020202020204" pitchFamily="34" charset="0"/>
+                        </a:rPr>
+                        <a:t>Display Recipe Details</a:t>
+                      </a:r>
+                      <a:endParaRPr lang="en-US" sz="800">
+                        <a:effectLst/>
+                      </a:endParaRPr>
+                    </a:p>
+                  </a:txBody>
+                  <a:tcPr marL="29617" marR="29617" marT="18543" marB="18543">
+                    <a:lnL w="9525" cap="flat" cmpd="sng" algn="ctr">
+                      <a:solidFill>
+                        <a:srgbClr val="000000"/>
+                      </a:solidFill>
+                      <a:prstDash val="solid"/>
+                      <a:round/>
+                      <a:headEnd type="none" w="med" len="med"/>
+                      <a:tailEnd type="none" w="med" len="med"/>
+                    </a:lnL>
+                    <a:lnR w="9525" cap="flat" cmpd="sng" algn="ctr">
+                      <a:solidFill>
+                        <a:srgbClr val="000000"/>
+                      </a:solidFill>
+                      <a:prstDash val="solid"/>
+                      <a:round/>
+                      <a:headEnd type="none" w="med" len="med"/>
+                      <a:tailEnd type="none" w="med" len="med"/>
+                    </a:lnR>
+                    <a:lnT w="9525" cap="flat" cmpd="sng" algn="ctr">
+                      <a:solidFill>
+                        <a:srgbClr val="000000"/>
+                      </a:solidFill>
+                      <a:prstDash val="solid"/>
+                      <a:round/>
+                      <a:headEnd type="none" w="med" len="med"/>
+                      <a:tailEnd type="none" w="med" len="med"/>
+                    </a:lnT>
+                    <a:lnB w="9525" cap="flat" cmpd="sng" algn="ctr">
+                      <a:solidFill>
+                        <a:srgbClr val="000000"/>
+                      </a:solidFill>
+                      <a:prstDash val="solid"/>
+                      <a:round/>
+                      <a:headEnd type="none" w="med" len="med"/>
+                      <a:tailEnd type="none" w="med" len="med"/>
+                    </a:lnB>
+                  </a:tcPr>
+                </a:tc>
+                <a:tc>
+                  <a:txBody>
+                    <a:bodyPr/>
+                    <a:lstStyle/>
+                    <a:p>
+                      <a:pPr algn="ctr" rtl="0" fontAlgn="t">
+                        <a:spcBef>
+                          <a:spcPts val="1200"/>
+                        </a:spcBef>
+                        <a:spcAft>
+                          <a:spcPts val="1200"/>
+                        </a:spcAft>
+                      </a:pPr>
+                      <a:r>
+                        <a:rPr lang="en-US" sz="800" b="0" i="0" u="none" strike="noStrike">
+                          <a:solidFill>
+                            <a:srgbClr val="000000"/>
+                          </a:solidFill>
+                          <a:effectLst/>
+                          <a:latin typeface="Arial" panose="020B0604020202020204" pitchFamily="34" charset="0"/>
+                        </a:rPr>
+                        <a:t>Release 1</a:t>
+                      </a:r>
+                      <a:endParaRPr lang="en-US" sz="800">
+                        <a:effectLst/>
+                      </a:endParaRPr>
+                    </a:p>
+                  </a:txBody>
+                  <a:tcPr marL="29617" marR="29617" marT="18543" marB="18543">
+                    <a:lnL w="9525" cap="flat" cmpd="sng" algn="ctr">
+                      <a:solidFill>
+                        <a:srgbClr val="000000"/>
+                      </a:solidFill>
+                      <a:prstDash val="solid"/>
+                      <a:round/>
+                      <a:headEnd type="none" w="med" len="med"/>
+                      <a:tailEnd type="none" w="med" len="med"/>
+                    </a:lnL>
+                    <a:lnR w="9525" cap="flat" cmpd="sng" algn="ctr">
+                      <a:solidFill>
+                        <a:srgbClr val="000000"/>
+                      </a:solidFill>
+                      <a:prstDash val="solid"/>
+                      <a:round/>
+                      <a:headEnd type="none" w="med" len="med"/>
+                      <a:tailEnd type="none" w="med" len="med"/>
+                    </a:lnR>
+                    <a:lnT w="9525" cap="flat" cmpd="sng" algn="ctr">
+                      <a:solidFill>
+                        <a:srgbClr val="000000"/>
+                      </a:solidFill>
+                      <a:prstDash val="solid"/>
+                      <a:round/>
+                      <a:headEnd type="none" w="med" len="med"/>
+                      <a:tailEnd type="none" w="med" len="med"/>
+                    </a:lnT>
+                    <a:lnB w="9525" cap="flat" cmpd="sng" algn="ctr">
+                      <a:solidFill>
+                        <a:srgbClr val="000000"/>
+                      </a:solidFill>
+                      <a:prstDash val="solid"/>
+                      <a:round/>
+                      <a:headEnd type="none" w="med" len="med"/>
+                      <a:tailEnd type="none" w="med" len="med"/>
+                    </a:lnB>
+                  </a:tcPr>
+                </a:tc>
+                <a:extLst>
+                  <a:ext uri="{0D108BD9-81ED-4DB2-BD59-A6C34878D82A}">
+                    <a16:rowId xmlns:a16="http://schemas.microsoft.com/office/drawing/2014/main" val="2219917614"/>
+                  </a:ext>
+                </a:extLst>
+              </a:tr>
+              <a:tr h="222512">
+                <a:tc>
+                  <a:txBody>
+                    <a:bodyPr/>
+                    <a:lstStyle/>
+                    <a:p>
+                      <a:pPr algn="ctr" rtl="0" fontAlgn="t">
+                        <a:spcBef>
+                          <a:spcPts val="0"/>
+                        </a:spcBef>
+                        <a:spcAft>
+                          <a:spcPts val="600"/>
+                        </a:spcAft>
+                      </a:pPr>
+                      <a:r>
+                        <a:rPr lang="en-US" sz="800" b="0" i="0" u="none" strike="noStrike">
+                          <a:solidFill>
+                            <a:srgbClr val="000000"/>
+                          </a:solidFill>
+                          <a:effectLst/>
+                          <a:latin typeface="Arial" panose="020B0604020202020204" pitchFamily="34" charset="0"/>
+                        </a:rPr>
+                        <a:t>Flow Page </a:t>
+                      </a:r>
+                      <a:endParaRPr lang="en-US" sz="800">
+                        <a:effectLst/>
+                      </a:endParaRPr>
+                    </a:p>
+                  </a:txBody>
+                  <a:tcPr marL="29617" marR="29617" marT="18543" marB="18543">
+                    <a:lnL w="9525" cap="flat" cmpd="sng" algn="ctr">
+                      <a:solidFill>
+                        <a:srgbClr val="000000"/>
+                      </a:solidFill>
+                      <a:prstDash val="solid"/>
+                      <a:round/>
+                      <a:headEnd type="none" w="med" len="med"/>
+                      <a:tailEnd type="none" w="med" len="med"/>
+                    </a:lnL>
+                    <a:lnR w="9525" cap="flat" cmpd="sng" algn="ctr">
+                      <a:solidFill>
+                        <a:srgbClr val="000000"/>
+                      </a:solidFill>
+                      <a:prstDash val="solid"/>
+                      <a:round/>
+                      <a:headEnd type="none" w="med" len="med"/>
+                      <a:tailEnd type="none" w="med" len="med"/>
+                    </a:lnR>
+                    <a:lnT w="9525" cap="flat" cmpd="sng" algn="ctr">
+                      <a:solidFill>
+                        <a:srgbClr val="000000"/>
+                      </a:solidFill>
+                      <a:prstDash val="solid"/>
+                      <a:round/>
+                      <a:headEnd type="none" w="med" len="med"/>
+                      <a:tailEnd type="none" w="med" len="med"/>
+                    </a:lnT>
+                    <a:lnB w="9525" cap="flat" cmpd="sng" algn="ctr">
+                      <a:solidFill>
+                        <a:srgbClr val="000000"/>
+                      </a:solidFill>
+                      <a:prstDash val="solid"/>
+                      <a:round/>
+                      <a:headEnd type="none" w="med" len="med"/>
+                      <a:tailEnd type="none" w="med" len="med"/>
+                    </a:lnB>
+                  </a:tcPr>
+                </a:tc>
+                <a:tc>
+                  <a:txBody>
+                    <a:bodyPr/>
+                    <a:lstStyle/>
+                    <a:p>
+                      <a:pPr algn="ctr" rtl="0" fontAlgn="t">
+                        <a:spcBef>
+                          <a:spcPts val="0"/>
+                        </a:spcBef>
+                        <a:spcAft>
+                          <a:spcPts val="600"/>
+                        </a:spcAft>
+                      </a:pPr>
+                      <a:r>
+                        <a:rPr lang="en-US" sz="800" b="0" i="0" u="none" strike="noStrike">
+                          <a:solidFill>
+                            <a:srgbClr val="000000"/>
+                          </a:solidFill>
+                          <a:effectLst/>
+                          <a:latin typeface="Arial" panose="020B0604020202020204" pitchFamily="34" charset="0"/>
+                        </a:rPr>
+                        <a:t>High</a:t>
+                      </a:r>
+                      <a:endParaRPr lang="en-US" sz="800">
+                        <a:effectLst/>
+                      </a:endParaRPr>
+                    </a:p>
+                  </a:txBody>
+                  <a:tcPr marL="29617" marR="29617" marT="18543" marB="18543">
+                    <a:lnL w="9525" cap="flat" cmpd="sng" algn="ctr">
+                      <a:solidFill>
+                        <a:srgbClr val="000000"/>
+                      </a:solidFill>
+                      <a:prstDash val="solid"/>
+                      <a:round/>
+                      <a:headEnd type="none" w="med" len="med"/>
+                      <a:tailEnd type="none" w="med" len="med"/>
+                    </a:lnL>
+                    <a:lnR w="9525" cap="flat" cmpd="sng" algn="ctr">
+                      <a:solidFill>
+                        <a:srgbClr val="000000"/>
+                      </a:solidFill>
+                      <a:prstDash val="solid"/>
+                      <a:round/>
+                      <a:headEnd type="none" w="med" len="med"/>
+                      <a:tailEnd type="none" w="med" len="med"/>
+                    </a:lnR>
+                    <a:lnT w="9525" cap="flat" cmpd="sng" algn="ctr">
+                      <a:solidFill>
+                        <a:srgbClr val="000000"/>
+                      </a:solidFill>
+                      <a:prstDash val="solid"/>
+                      <a:round/>
+                      <a:headEnd type="none" w="med" len="med"/>
+                      <a:tailEnd type="none" w="med" len="med"/>
+                    </a:lnT>
+                    <a:lnB w="9525" cap="flat" cmpd="sng" algn="ctr">
+                      <a:solidFill>
+                        <a:srgbClr val="000000"/>
+                      </a:solidFill>
+                      <a:prstDash val="solid"/>
+                      <a:round/>
+                      <a:headEnd type="none" w="med" len="med"/>
+                      <a:tailEnd type="none" w="med" len="med"/>
+                    </a:lnB>
+                  </a:tcPr>
+                </a:tc>
+                <a:tc>
+                  <a:txBody>
+                    <a:bodyPr/>
+                    <a:lstStyle/>
+                    <a:p>
+                      <a:pPr algn="ctr" rtl="0" fontAlgn="t">
+                        <a:spcBef>
+                          <a:spcPts val="0"/>
+                        </a:spcBef>
+                        <a:spcAft>
+                          <a:spcPts val="600"/>
+                        </a:spcAft>
+                      </a:pPr>
+                      <a:r>
+                        <a:rPr lang="en-US" sz="800" b="0" i="0" u="none" strike="noStrike">
+                          <a:solidFill>
+                            <a:srgbClr val="000000"/>
+                          </a:solidFill>
+                          <a:effectLst/>
+                          <a:latin typeface="Arial" panose="020B0604020202020204" pitchFamily="34" charset="0"/>
+                        </a:rPr>
+                        <a:t>Show a set number of recipes </a:t>
+                      </a:r>
+                      <a:endParaRPr lang="en-US" sz="800">
+                        <a:effectLst/>
+                      </a:endParaRPr>
+                    </a:p>
+                  </a:txBody>
+                  <a:tcPr marL="29617" marR="29617" marT="18543" marB="18543">
+                    <a:lnL w="9525" cap="flat" cmpd="sng" algn="ctr">
+                      <a:solidFill>
+                        <a:srgbClr val="000000"/>
+                      </a:solidFill>
+                      <a:prstDash val="solid"/>
+                      <a:round/>
+                      <a:headEnd type="none" w="med" len="med"/>
+                      <a:tailEnd type="none" w="med" len="med"/>
+                    </a:lnL>
+                    <a:lnR w="9525" cap="flat" cmpd="sng" algn="ctr">
+                      <a:solidFill>
+                        <a:srgbClr val="000000"/>
+                      </a:solidFill>
+                      <a:prstDash val="solid"/>
+                      <a:round/>
+                      <a:headEnd type="none" w="med" len="med"/>
+                      <a:tailEnd type="none" w="med" len="med"/>
+                    </a:lnR>
+                    <a:lnT w="9525" cap="flat" cmpd="sng" algn="ctr">
+                      <a:solidFill>
+                        <a:srgbClr val="000000"/>
+                      </a:solidFill>
+                      <a:prstDash val="solid"/>
+                      <a:round/>
+                      <a:headEnd type="none" w="med" len="med"/>
+                      <a:tailEnd type="none" w="med" len="med"/>
+                    </a:lnT>
+                    <a:lnB w="9525" cap="flat" cmpd="sng" algn="ctr">
+                      <a:solidFill>
+                        <a:srgbClr val="000000"/>
+                      </a:solidFill>
+                      <a:prstDash val="solid"/>
+                      <a:round/>
+                      <a:headEnd type="none" w="med" len="med"/>
+                      <a:tailEnd type="none" w="med" len="med"/>
+                    </a:lnB>
+                  </a:tcPr>
+                </a:tc>
+                <a:tc>
+                  <a:txBody>
+                    <a:bodyPr/>
+                    <a:lstStyle/>
+                    <a:p>
+                      <a:pPr algn="ctr" rtl="0" fontAlgn="t">
+                        <a:spcBef>
+                          <a:spcPts val="1200"/>
+                        </a:spcBef>
+                        <a:spcAft>
+                          <a:spcPts val="1200"/>
+                        </a:spcAft>
+                      </a:pPr>
+                      <a:r>
+                        <a:rPr lang="en-US" sz="800" b="0" i="0" u="none" strike="noStrike">
+                          <a:solidFill>
+                            <a:srgbClr val="000000"/>
+                          </a:solidFill>
+                          <a:effectLst/>
+                          <a:latin typeface="Arial" panose="020B0604020202020204" pitchFamily="34" charset="0"/>
+                        </a:rPr>
+                        <a:t>Release 1</a:t>
+                      </a:r>
+                      <a:endParaRPr lang="en-US" sz="800">
+                        <a:effectLst/>
+                      </a:endParaRPr>
+                    </a:p>
+                  </a:txBody>
+                  <a:tcPr marL="29617" marR="29617" marT="18543" marB="18543">
+                    <a:lnL w="9525" cap="flat" cmpd="sng" algn="ctr">
+                      <a:solidFill>
+                        <a:srgbClr val="000000"/>
+                      </a:solidFill>
+                      <a:prstDash val="solid"/>
+                      <a:round/>
+                      <a:headEnd type="none" w="med" len="med"/>
+                      <a:tailEnd type="none" w="med" len="med"/>
+                    </a:lnL>
+                    <a:lnR w="9525" cap="flat" cmpd="sng" algn="ctr">
+                      <a:solidFill>
+                        <a:srgbClr val="000000"/>
+                      </a:solidFill>
+                      <a:prstDash val="solid"/>
+                      <a:round/>
+                      <a:headEnd type="none" w="med" len="med"/>
+                      <a:tailEnd type="none" w="med" len="med"/>
+                    </a:lnR>
+                    <a:lnT w="9525" cap="flat" cmpd="sng" algn="ctr">
+                      <a:solidFill>
+                        <a:srgbClr val="000000"/>
+                      </a:solidFill>
+                      <a:prstDash val="solid"/>
+                      <a:round/>
+                      <a:headEnd type="none" w="med" len="med"/>
+                      <a:tailEnd type="none" w="med" len="med"/>
+                    </a:lnT>
+                    <a:lnB w="9525" cap="flat" cmpd="sng" algn="ctr">
+                      <a:solidFill>
+                        <a:srgbClr val="000000"/>
+                      </a:solidFill>
+                      <a:prstDash val="solid"/>
+                      <a:round/>
+                      <a:headEnd type="none" w="med" len="med"/>
+                      <a:tailEnd type="none" w="med" len="med"/>
+                    </a:lnB>
+                  </a:tcPr>
+                </a:tc>
+                <a:extLst>
+                  <a:ext uri="{0D108BD9-81ED-4DB2-BD59-A6C34878D82A}">
+                    <a16:rowId xmlns:a16="http://schemas.microsoft.com/office/drawing/2014/main" val="2421748552"/>
+                  </a:ext>
+                </a:extLst>
+              </a:tr>
+              <a:tr h="686077">
+                <a:tc>
+                  <a:txBody>
+                    <a:bodyPr/>
+                    <a:lstStyle/>
+                    <a:p>
+                      <a:pPr algn="ctr" rtl="0" fontAlgn="t">
+                        <a:spcBef>
+                          <a:spcPts val="0"/>
+                        </a:spcBef>
+                        <a:spcAft>
+                          <a:spcPts val="600"/>
+                        </a:spcAft>
+                      </a:pPr>
+                      <a:r>
+                        <a:rPr lang="en-US" sz="800" b="0" i="0" u="none" strike="noStrike" dirty="0">
+                          <a:solidFill>
+                            <a:srgbClr val="000000"/>
+                          </a:solidFill>
+                          <a:effectLst/>
+                          <a:latin typeface="Arial" panose="020B0604020202020204" pitchFamily="34" charset="0"/>
+                        </a:rPr>
+                        <a:t>Admin Features</a:t>
+                      </a:r>
+                      <a:endParaRPr lang="en-US" sz="800" dirty="0">
+                        <a:effectLst/>
+                      </a:endParaRPr>
+                    </a:p>
+                  </a:txBody>
+                  <a:tcPr marL="29617" marR="29617" marT="18543" marB="18543">
+                    <a:lnL w="9525" cap="flat" cmpd="sng" algn="ctr">
+                      <a:solidFill>
+                        <a:srgbClr val="000000"/>
+                      </a:solidFill>
+                      <a:prstDash val="solid"/>
+                      <a:round/>
+                      <a:headEnd type="none" w="med" len="med"/>
+                      <a:tailEnd type="none" w="med" len="med"/>
+                    </a:lnL>
+                    <a:lnR w="9525" cap="flat" cmpd="sng" algn="ctr">
+                      <a:solidFill>
+                        <a:srgbClr val="000000"/>
+                      </a:solidFill>
+                      <a:prstDash val="solid"/>
+                      <a:round/>
+                      <a:headEnd type="none" w="med" len="med"/>
+                      <a:tailEnd type="none" w="med" len="med"/>
+                    </a:lnR>
+                    <a:lnT w="9525" cap="flat" cmpd="sng" algn="ctr">
+                      <a:solidFill>
+                        <a:srgbClr val="000000"/>
+                      </a:solidFill>
+                      <a:prstDash val="solid"/>
+                      <a:round/>
+                      <a:headEnd type="none" w="med" len="med"/>
+                      <a:tailEnd type="none" w="med" len="med"/>
+                    </a:lnT>
+                    <a:lnB w="9525" cap="flat" cmpd="sng" algn="ctr">
+                      <a:solidFill>
+                        <a:srgbClr val="000000"/>
+                      </a:solidFill>
+                      <a:prstDash val="solid"/>
+                      <a:round/>
+                      <a:headEnd type="none" w="med" len="med"/>
+                      <a:tailEnd type="none" w="med" len="med"/>
+                    </a:lnB>
+                  </a:tcPr>
+                </a:tc>
+                <a:tc>
+                  <a:txBody>
+                    <a:bodyPr/>
+                    <a:lstStyle/>
+                    <a:p>
+                      <a:pPr algn="ctr" rtl="0" fontAlgn="t">
+                        <a:spcBef>
+                          <a:spcPts val="0"/>
+                        </a:spcBef>
+                        <a:spcAft>
+                          <a:spcPts val="600"/>
+                        </a:spcAft>
+                      </a:pPr>
+                      <a:r>
+                        <a:rPr lang="en-US" sz="800" b="0" i="0" u="none" strike="noStrike">
+                          <a:solidFill>
+                            <a:srgbClr val="000000"/>
+                          </a:solidFill>
+                          <a:effectLst/>
+                          <a:latin typeface="Arial" panose="020B0604020202020204" pitchFamily="34" charset="0"/>
+                        </a:rPr>
+                        <a:t>Medium</a:t>
+                      </a:r>
+                      <a:endParaRPr lang="en-US" sz="800">
+                        <a:effectLst/>
+                      </a:endParaRPr>
+                    </a:p>
+                  </a:txBody>
+                  <a:tcPr marL="29617" marR="29617" marT="18543" marB="18543">
+                    <a:lnL w="9525" cap="flat" cmpd="sng" algn="ctr">
+                      <a:solidFill>
+                        <a:srgbClr val="000000"/>
+                      </a:solidFill>
+                      <a:prstDash val="solid"/>
+                      <a:round/>
+                      <a:headEnd type="none" w="med" len="med"/>
+                      <a:tailEnd type="none" w="med" len="med"/>
+                    </a:lnL>
+                    <a:lnR w="9525" cap="flat" cmpd="sng" algn="ctr">
+                      <a:solidFill>
+                        <a:srgbClr val="000000"/>
+                      </a:solidFill>
+                      <a:prstDash val="solid"/>
+                      <a:round/>
+                      <a:headEnd type="none" w="med" len="med"/>
+                      <a:tailEnd type="none" w="med" len="med"/>
+                    </a:lnR>
+                    <a:lnT w="9525" cap="flat" cmpd="sng" algn="ctr">
+                      <a:solidFill>
+                        <a:srgbClr val="000000"/>
+                      </a:solidFill>
+                      <a:prstDash val="solid"/>
+                      <a:round/>
+                      <a:headEnd type="none" w="med" len="med"/>
+                      <a:tailEnd type="none" w="med" len="med"/>
+                    </a:lnT>
+                    <a:lnB w="9525" cap="flat" cmpd="sng" algn="ctr">
+                      <a:solidFill>
+                        <a:srgbClr val="000000"/>
+                      </a:solidFill>
+                      <a:prstDash val="solid"/>
+                      <a:round/>
+                      <a:headEnd type="none" w="med" len="med"/>
+                      <a:tailEnd type="none" w="med" len="med"/>
+                    </a:lnB>
+                  </a:tcPr>
+                </a:tc>
+                <a:tc>
+                  <a:txBody>
+                    <a:bodyPr/>
+                    <a:lstStyle/>
+                    <a:p>
+                      <a:pPr algn="ctr" rtl="0" fontAlgn="t">
+                        <a:spcBef>
+                          <a:spcPts val="0"/>
+                        </a:spcBef>
+                        <a:spcAft>
+                          <a:spcPts val="600"/>
+                        </a:spcAft>
+                      </a:pPr>
+                      <a:r>
+                        <a:rPr lang="en-US" sz="800" b="0" i="0" u="none" strike="noStrike">
+                          <a:solidFill>
+                            <a:srgbClr val="000000"/>
+                          </a:solidFill>
+                          <a:effectLst/>
+                          <a:latin typeface="Arial" panose="020B0604020202020204" pitchFamily="34" charset="0"/>
+                        </a:rPr>
+                        <a:t>Predefine admin users</a:t>
+                      </a:r>
+                      <a:endParaRPr lang="en-US" sz="800">
+                        <a:effectLst/>
+                      </a:endParaRPr>
+                    </a:p>
+                    <a:p>
+                      <a:pPr algn="ctr" rtl="0" fontAlgn="t">
+                        <a:spcBef>
+                          <a:spcPts val="0"/>
+                        </a:spcBef>
+                        <a:spcAft>
+                          <a:spcPts val="600"/>
+                        </a:spcAft>
+                      </a:pPr>
+                      <a:r>
+                        <a:rPr lang="en-US" sz="800" b="0" i="0" u="none" strike="noStrike">
+                          <a:solidFill>
+                            <a:srgbClr val="000000"/>
+                          </a:solidFill>
+                          <a:effectLst/>
+                          <a:latin typeface="Arial" panose="020B0604020202020204" pitchFamily="34" charset="0"/>
+                        </a:rPr>
+                        <a:t>Create an admin user</a:t>
+                      </a:r>
+                      <a:endParaRPr lang="en-US" sz="800">
+                        <a:effectLst/>
+                      </a:endParaRPr>
+                    </a:p>
+                    <a:p>
+                      <a:pPr algn="ctr" rtl="0" fontAlgn="t">
+                        <a:spcBef>
+                          <a:spcPts val="0"/>
+                        </a:spcBef>
+                        <a:spcAft>
+                          <a:spcPts val="600"/>
+                        </a:spcAft>
+                      </a:pPr>
+                      <a:r>
+                        <a:rPr lang="en-US" sz="800" b="0" i="0" u="none" strike="noStrike">
+                          <a:solidFill>
+                            <a:srgbClr val="000000"/>
+                          </a:solidFill>
+                          <a:effectLst/>
+                          <a:latin typeface="Arial" panose="020B0604020202020204" pitchFamily="34" charset="0"/>
+                        </a:rPr>
+                        <a:t>Edit user</a:t>
+                      </a:r>
+                      <a:endParaRPr lang="en-US" sz="800">
+                        <a:effectLst/>
+                      </a:endParaRPr>
+                    </a:p>
+                    <a:p>
+                      <a:pPr algn="ctr" rtl="0" fontAlgn="t">
+                        <a:spcBef>
+                          <a:spcPts val="0"/>
+                        </a:spcBef>
+                        <a:spcAft>
+                          <a:spcPts val="600"/>
+                        </a:spcAft>
+                      </a:pPr>
+                      <a:r>
+                        <a:rPr lang="en-US" sz="800" b="0" i="0" u="none" strike="noStrike">
+                          <a:solidFill>
+                            <a:srgbClr val="000000"/>
+                          </a:solidFill>
+                          <a:effectLst/>
+                          <a:latin typeface="Arial" panose="020B0604020202020204" pitchFamily="34" charset="0"/>
+                        </a:rPr>
+                        <a:t>Delete user</a:t>
+                      </a:r>
+                      <a:endParaRPr lang="en-US" sz="800">
+                        <a:effectLst/>
+                      </a:endParaRPr>
+                    </a:p>
+                    <a:p>
+                      <a:pPr algn="ctr" rtl="0" fontAlgn="t">
+                        <a:spcBef>
+                          <a:spcPts val="0"/>
+                        </a:spcBef>
+                        <a:spcAft>
+                          <a:spcPts val="600"/>
+                        </a:spcAft>
+                      </a:pPr>
+                      <a:r>
+                        <a:rPr lang="en-US" sz="800" b="0" i="0" u="none" strike="noStrike">
+                          <a:solidFill>
+                            <a:srgbClr val="000000"/>
+                          </a:solidFill>
+                          <a:effectLst/>
+                          <a:latin typeface="Arial" panose="020B0604020202020204" pitchFamily="34" charset="0"/>
+                        </a:rPr>
+                        <a:t>Edit recipe</a:t>
+                      </a:r>
+                      <a:endParaRPr lang="en-US" sz="800">
+                        <a:effectLst/>
+                      </a:endParaRPr>
+                    </a:p>
+                    <a:p>
+                      <a:pPr algn="ctr" rtl="0" fontAlgn="t">
+                        <a:spcBef>
+                          <a:spcPts val="0"/>
+                        </a:spcBef>
+                        <a:spcAft>
+                          <a:spcPts val="600"/>
+                        </a:spcAft>
+                      </a:pPr>
+                      <a:r>
+                        <a:rPr lang="en-US" sz="800" b="0" i="0" u="none" strike="noStrike">
+                          <a:solidFill>
+                            <a:srgbClr val="000000"/>
+                          </a:solidFill>
+                          <a:effectLst/>
+                          <a:latin typeface="Arial" panose="020B0604020202020204" pitchFamily="34" charset="0"/>
+                        </a:rPr>
+                        <a:t>Delete recipe</a:t>
+                      </a:r>
+                      <a:endParaRPr lang="en-US" sz="800">
+                        <a:effectLst/>
+                      </a:endParaRPr>
+                    </a:p>
+                  </a:txBody>
+                  <a:tcPr marL="29617" marR="29617" marT="18543" marB="18543">
+                    <a:lnL w="9525" cap="flat" cmpd="sng" algn="ctr">
+                      <a:solidFill>
+                        <a:srgbClr val="000000"/>
+                      </a:solidFill>
+                      <a:prstDash val="solid"/>
+                      <a:round/>
+                      <a:headEnd type="none" w="med" len="med"/>
+                      <a:tailEnd type="none" w="med" len="med"/>
+                    </a:lnL>
+                    <a:lnR w="9525" cap="flat" cmpd="sng" algn="ctr">
+                      <a:solidFill>
+                        <a:srgbClr val="000000"/>
+                      </a:solidFill>
+                      <a:prstDash val="solid"/>
+                      <a:round/>
+                      <a:headEnd type="none" w="med" len="med"/>
+                      <a:tailEnd type="none" w="med" len="med"/>
+                    </a:lnR>
+                    <a:lnT w="9525" cap="flat" cmpd="sng" algn="ctr">
+                      <a:solidFill>
+                        <a:srgbClr val="000000"/>
+                      </a:solidFill>
+                      <a:prstDash val="solid"/>
+                      <a:round/>
+                      <a:headEnd type="none" w="med" len="med"/>
+                      <a:tailEnd type="none" w="med" len="med"/>
+                    </a:lnT>
+                    <a:lnB w="9525" cap="flat" cmpd="sng" algn="ctr">
+                      <a:solidFill>
+                        <a:srgbClr val="000000"/>
+                      </a:solidFill>
+                      <a:prstDash val="solid"/>
+                      <a:round/>
+                      <a:headEnd type="none" w="med" len="med"/>
+                      <a:tailEnd type="none" w="med" len="med"/>
+                    </a:lnB>
+                  </a:tcPr>
+                </a:tc>
+                <a:tc>
+                  <a:txBody>
+                    <a:bodyPr/>
+                    <a:lstStyle/>
+                    <a:p>
+                      <a:pPr algn="ctr" rtl="0" fontAlgn="t">
+                        <a:spcBef>
+                          <a:spcPts val="1200"/>
+                        </a:spcBef>
+                        <a:spcAft>
+                          <a:spcPts val="1200"/>
+                        </a:spcAft>
+                      </a:pPr>
+                      <a:r>
+                        <a:rPr lang="en-US" sz="800" b="0" i="0" u="none" strike="noStrike">
+                          <a:solidFill>
+                            <a:srgbClr val="000000"/>
+                          </a:solidFill>
+                          <a:effectLst/>
+                          <a:latin typeface="Arial" panose="020B0604020202020204" pitchFamily="34" charset="0"/>
+                        </a:rPr>
+                        <a:t>Release 1</a:t>
+                      </a:r>
+                      <a:endParaRPr lang="en-US" sz="800">
+                        <a:effectLst/>
+                      </a:endParaRPr>
+                    </a:p>
+                  </a:txBody>
+                  <a:tcPr marL="29617" marR="29617" marT="18543" marB="18543">
+                    <a:lnL w="9525" cap="flat" cmpd="sng" algn="ctr">
+                      <a:solidFill>
+                        <a:srgbClr val="000000"/>
+                      </a:solidFill>
+                      <a:prstDash val="solid"/>
+                      <a:round/>
+                      <a:headEnd type="none" w="med" len="med"/>
+                      <a:tailEnd type="none" w="med" len="med"/>
+                    </a:lnL>
+                    <a:lnR w="9525" cap="flat" cmpd="sng" algn="ctr">
+                      <a:solidFill>
+                        <a:srgbClr val="000000"/>
+                      </a:solidFill>
+                      <a:prstDash val="solid"/>
+                      <a:round/>
+                      <a:headEnd type="none" w="med" len="med"/>
+                      <a:tailEnd type="none" w="med" len="med"/>
+                    </a:lnR>
+                    <a:lnT w="9525" cap="flat" cmpd="sng" algn="ctr">
+                      <a:solidFill>
+                        <a:srgbClr val="000000"/>
+                      </a:solidFill>
+                      <a:prstDash val="solid"/>
+                      <a:round/>
+                      <a:headEnd type="none" w="med" len="med"/>
+                      <a:tailEnd type="none" w="med" len="med"/>
+                    </a:lnT>
+                    <a:lnB w="9525" cap="flat" cmpd="sng" algn="ctr">
+                      <a:solidFill>
+                        <a:srgbClr val="000000"/>
+                      </a:solidFill>
+                      <a:prstDash val="solid"/>
+                      <a:round/>
+                      <a:headEnd type="none" w="med" len="med"/>
+                      <a:tailEnd type="none" w="med" len="med"/>
+                    </a:lnB>
+                  </a:tcPr>
+                </a:tc>
+                <a:extLst>
+                  <a:ext uri="{0D108BD9-81ED-4DB2-BD59-A6C34878D82A}">
+                    <a16:rowId xmlns:a16="http://schemas.microsoft.com/office/drawing/2014/main" val="133112136"/>
+                  </a:ext>
+                </a:extLst>
+              </a:tr>
+              <a:tr h="160703">
+                <a:tc>
+                  <a:txBody>
+                    <a:bodyPr/>
+                    <a:lstStyle/>
+                    <a:p>
+                      <a:pPr algn="ctr" rtl="0" fontAlgn="t">
+                        <a:spcBef>
+                          <a:spcPts val="0"/>
+                        </a:spcBef>
+                        <a:spcAft>
+                          <a:spcPts val="600"/>
+                        </a:spcAft>
+                      </a:pPr>
+                      <a:r>
+                        <a:rPr lang="en-US" sz="800" b="0" i="0" u="none" strike="noStrike">
+                          <a:solidFill>
+                            <a:srgbClr val="000000"/>
+                          </a:solidFill>
+                          <a:effectLst/>
+                          <a:latin typeface="Arial" panose="020B0604020202020204" pitchFamily="34" charset="0"/>
+                        </a:rPr>
+                        <a:t>Interacting with a recipe (Comment)</a:t>
+                      </a:r>
+                      <a:endParaRPr lang="en-US" sz="800">
+                        <a:effectLst/>
+                      </a:endParaRPr>
+                    </a:p>
+                  </a:txBody>
+                  <a:tcPr marL="29617" marR="29617" marT="18543" marB="18543">
+                    <a:lnL w="9525" cap="flat" cmpd="sng" algn="ctr">
+                      <a:solidFill>
+                        <a:srgbClr val="000000"/>
+                      </a:solidFill>
+                      <a:prstDash val="solid"/>
+                      <a:round/>
+                      <a:headEnd type="none" w="med" len="med"/>
+                      <a:tailEnd type="none" w="med" len="med"/>
+                    </a:lnL>
+                    <a:lnR w="9525" cap="flat" cmpd="sng" algn="ctr">
+                      <a:solidFill>
+                        <a:srgbClr val="000000"/>
+                      </a:solidFill>
+                      <a:prstDash val="solid"/>
+                      <a:round/>
+                      <a:headEnd type="none" w="med" len="med"/>
+                      <a:tailEnd type="none" w="med" len="med"/>
+                    </a:lnR>
+                    <a:lnT w="9525" cap="flat" cmpd="sng" algn="ctr">
+                      <a:solidFill>
+                        <a:srgbClr val="000000"/>
+                      </a:solidFill>
+                      <a:prstDash val="solid"/>
+                      <a:round/>
+                      <a:headEnd type="none" w="med" len="med"/>
+                      <a:tailEnd type="none" w="med" len="med"/>
+                    </a:lnT>
+                    <a:lnB w="9525" cap="flat" cmpd="sng" algn="ctr">
+                      <a:solidFill>
+                        <a:srgbClr val="000000"/>
+                      </a:solidFill>
+                      <a:prstDash val="solid"/>
+                      <a:round/>
+                      <a:headEnd type="none" w="med" len="med"/>
+                      <a:tailEnd type="none" w="med" len="med"/>
+                    </a:lnB>
+                  </a:tcPr>
+                </a:tc>
+                <a:tc>
+                  <a:txBody>
+                    <a:bodyPr/>
+                    <a:lstStyle/>
+                    <a:p>
+                      <a:pPr algn="ctr" rtl="0" fontAlgn="t">
+                        <a:spcBef>
+                          <a:spcPts val="0"/>
+                        </a:spcBef>
+                        <a:spcAft>
+                          <a:spcPts val="600"/>
+                        </a:spcAft>
+                      </a:pPr>
+                      <a:r>
+                        <a:rPr lang="en-US" sz="800" b="0" i="0" u="none" strike="noStrike">
+                          <a:solidFill>
+                            <a:srgbClr val="000000"/>
+                          </a:solidFill>
+                          <a:effectLst/>
+                          <a:latin typeface="Arial" panose="020B0604020202020204" pitchFamily="34" charset="0"/>
+                        </a:rPr>
+                        <a:t>Low</a:t>
+                      </a:r>
+                      <a:endParaRPr lang="en-US" sz="800">
+                        <a:effectLst/>
+                      </a:endParaRPr>
+                    </a:p>
+                  </a:txBody>
+                  <a:tcPr marL="29617" marR="29617" marT="18543" marB="18543">
+                    <a:lnL w="9525" cap="flat" cmpd="sng" algn="ctr">
+                      <a:solidFill>
+                        <a:srgbClr val="000000"/>
+                      </a:solidFill>
+                      <a:prstDash val="solid"/>
+                      <a:round/>
+                      <a:headEnd type="none" w="med" len="med"/>
+                      <a:tailEnd type="none" w="med" len="med"/>
+                    </a:lnL>
+                    <a:lnR w="9525" cap="flat" cmpd="sng" algn="ctr">
+                      <a:solidFill>
+                        <a:srgbClr val="000000"/>
+                      </a:solidFill>
+                      <a:prstDash val="solid"/>
+                      <a:round/>
+                      <a:headEnd type="none" w="med" len="med"/>
+                      <a:tailEnd type="none" w="med" len="med"/>
+                    </a:lnR>
+                    <a:lnT w="9525" cap="flat" cmpd="sng" algn="ctr">
+                      <a:solidFill>
+                        <a:srgbClr val="000000"/>
+                      </a:solidFill>
+                      <a:prstDash val="solid"/>
+                      <a:round/>
+                      <a:headEnd type="none" w="med" len="med"/>
+                      <a:tailEnd type="none" w="med" len="med"/>
+                    </a:lnT>
+                    <a:lnB w="9525" cap="flat" cmpd="sng" algn="ctr">
+                      <a:solidFill>
+                        <a:srgbClr val="000000"/>
+                      </a:solidFill>
+                      <a:prstDash val="solid"/>
+                      <a:round/>
+                      <a:headEnd type="none" w="med" len="med"/>
+                      <a:tailEnd type="none" w="med" len="med"/>
+                    </a:lnB>
+                  </a:tcPr>
+                </a:tc>
+                <a:tc>
+                  <a:txBody>
+                    <a:bodyPr/>
+                    <a:lstStyle/>
+                    <a:p>
+                      <a:pPr algn="ctr" rtl="0" fontAlgn="t">
+                        <a:spcBef>
+                          <a:spcPts val="0"/>
+                        </a:spcBef>
+                        <a:spcAft>
+                          <a:spcPts val="600"/>
+                        </a:spcAft>
+                      </a:pPr>
+                      <a:r>
+                        <a:rPr lang="en-US" sz="800" b="0" i="0" u="none" strike="noStrike">
+                          <a:solidFill>
+                            <a:srgbClr val="000000"/>
+                          </a:solidFill>
+                          <a:effectLst/>
+                          <a:latin typeface="Arial" panose="020B0604020202020204" pitchFamily="34" charset="0"/>
+                        </a:rPr>
+                        <a:t>Comment on a     Recipe</a:t>
+                      </a:r>
+                      <a:endParaRPr lang="en-US" sz="800">
+                        <a:effectLst/>
+                      </a:endParaRPr>
+                    </a:p>
+                  </a:txBody>
+                  <a:tcPr marL="29617" marR="29617" marT="18543" marB="18543">
+                    <a:lnL w="9525" cap="flat" cmpd="sng" algn="ctr">
+                      <a:solidFill>
+                        <a:srgbClr val="000000"/>
+                      </a:solidFill>
+                      <a:prstDash val="solid"/>
+                      <a:round/>
+                      <a:headEnd type="none" w="med" len="med"/>
+                      <a:tailEnd type="none" w="med" len="med"/>
+                    </a:lnL>
+                    <a:lnR w="9525" cap="flat" cmpd="sng" algn="ctr">
+                      <a:solidFill>
+                        <a:srgbClr val="000000"/>
+                      </a:solidFill>
+                      <a:prstDash val="solid"/>
+                      <a:round/>
+                      <a:headEnd type="none" w="med" len="med"/>
+                      <a:tailEnd type="none" w="med" len="med"/>
+                    </a:lnR>
+                    <a:lnT w="9525" cap="flat" cmpd="sng" algn="ctr">
+                      <a:solidFill>
+                        <a:srgbClr val="000000"/>
+                      </a:solidFill>
+                      <a:prstDash val="solid"/>
+                      <a:round/>
+                      <a:headEnd type="none" w="med" len="med"/>
+                      <a:tailEnd type="none" w="med" len="med"/>
+                    </a:lnT>
+                    <a:lnB w="9525" cap="flat" cmpd="sng" algn="ctr">
+                      <a:solidFill>
+                        <a:srgbClr val="000000"/>
+                      </a:solidFill>
+                      <a:prstDash val="solid"/>
+                      <a:round/>
+                      <a:headEnd type="none" w="med" len="med"/>
+                      <a:tailEnd type="none" w="med" len="med"/>
+                    </a:lnB>
+                  </a:tcPr>
+                </a:tc>
+                <a:tc>
+                  <a:txBody>
+                    <a:bodyPr/>
+                    <a:lstStyle/>
+                    <a:p>
+                      <a:pPr algn="ctr" rtl="0" fontAlgn="t">
+                        <a:spcBef>
+                          <a:spcPts val="1200"/>
+                        </a:spcBef>
+                        <a:spcAft>
+                          <a:spcPts val="1200"/>
+                        </a:spcAft>
+                      </a:pPr>
+                      <a:r>
+                        <a:rPr lang="en-US" sz="800" b="0" i="0" u="none" strike="noStrike">
+                          <a:solidFill>
+                            <a:srgbClr val="000000"/>
+                          </a:solidFill>
+                          <a:effectLst/>
+                          <a:latin typeface="Arial" panose="020B0604020202020204" pitchFamily="34" charset="0"/>
+                        </a:rPr>
+                        <a:t>Release 2</a:t>
+                      </a:r>
+                      <a:endParaRPr lang="en-US" sz="800">
+                        <a:effectLst/>
+                      </a:endParaRPr>
+                    </a:p>
+                  </a:txBody>
+                  <a:tcPr marL="29617" marR="29617" marT="18543" marB="18543">
+                    <a:lnL w="9525" cap="flat" cmpd="sng" algn="ctr">
+                      <a:solidFill>
+                        <a:srgbClr val="000000"/>
+                      </a:solidFill>
+                      <a:prstDash val="solid"/>
+                      <a:round/>
+                      <a:headEnd type="none" w="med" len="med"/>
+                      <a:tailEnd type="none" w="med" len="med"/>
+                    </a:lnL>
+                    <a:lnR w="9525" cap="flat" cmpd="sng" algn="ctr">
+                      <a:solidFill>
+                        <a:srgbClr val="000000"/>
+                      </a:solidFill>
+                      <a:prstDash val="solid"/>
+                      <a:round/>
+                      <a:headEnd type="none" w="med" len="med"/>
+                      <a:tailEnd type="none" w="med" len="med"/>
+                    </a:lnR>
+                    <a:lnT w="9525" cap="flat" cmpd="sng" algn="ctr">
+                      <a:solidFill>
+                        <a:srgbClr val="000000"/>
+                      </a:solidFill>
+                      <a:prstDash val="solid"/>
+                      <a:round/>
+                      <a:headEnd type="none" w="med" len="med"/>
+                      <a:tailEnd type="none" w="med" len="med"/>
+                    </a:lnT>
+                    <a:lnB w="9525" cap="flat" cmpd="sng" algn="ctr">
+                      <a:solidFill>
+                        <a:srgbClr val="000000"/>
+                      </a:solidFill>
+                      <a:prstDash val="solid"/>
+                      <a:round/>
+                      <a:headEnd type="none" w="med" len="med"/>
+                      <a:tailEnd type="none" w="med" len="med"/>
+                    </a:lnB>
+                  </a:tcPr>
+                </a:tc>
+                <a:extLst>
+                  <a:ext uri="{0D108BD9-81ED-4DB2-BD59-A6C34878D82A}">
+                    <a16:rowId xmlns:a16="http://schemas.microsoft.com/office/drawing/2014/main" val="114682715"/>
+                  </a:ext>
+                </a:extLst>
+              </a:tr>
+              <a:tr h="407938">
+                <a:tc>
+                  <a:txBody>
+                    <a:bodyPr/>
+                    <a:lstStyle/>
+                    <a:p>
+                      <a:pPr algn="ctr" rtl="0" fontAlgn="t">
+                        <a:spcBef>
+                          <a:spcPts val="0"/>
+                        </a:spcBef>
+                        <a:spcAft>
+                          <a:spcPts val="600"/>
+                        </a:spcAft>
+                      </a:pPr>
+                      <a:r>
+                        <a:rPr lang="en-US" sz="800" b="0" i="0" u="none" strike="noStrike">
+                          <a:solidFill>
+                            <a:srgbClr val="000000"/>
+                          </a:solidFill>
+                          <a:effectLst/>
+                          <a:latin typeface="Arial" panose="020B0604020202020204" pitchFamily="34" charset="0"/>
+                        </a:rPr>
+                        <a:t>Cost Calculation</a:t>
+                      </a:r>
+                      <a:endParaRPr lang="en-US" sz="800">
+                        <a:effectLst/>
+                      </a:endParaRPr>
+                    </a:p>
+                  </a:txBody>
+                  <a:tcPr marL="29617" marR="29617" marT="18543" marB="18543">
+                    <a:lnL w="9525" cap="flat" cmpd="sng" algn="ctr">
+                      <a:solidFill>
+                        <a:srgbClr val="000000"/>
+                      </a:solidFill>
+                      <a:prstDash val="solid"/>
+                      <a:round/>
+                      <a:headEnd type="none" w="med" len="med"/>
+                      <a:tailEnd type="none" w="med" len="med"/>
+                    </a:lnL>
+                    <a:lnR w="9525" cap="flat" cmpd="sng" algn="ctr">
+                      <a:solidFill>
+                        <a:srgbClr val="000000"/>
+                      </a:solidFill>
+                      <a:prstDash val="solid"/>
+                      <a:round/>
+                      <a:headEnd type="none" w="med" len="med"/>
+                      <a:tailEnd type="none" w="med" len="med"/>
+                    </a:lnR>
+                    <a:lnT w="9525" cap="flat" cmpd="sng" algn="ctr">
+                      <a:solidFill>
+                        <a:srgbClr val="000000"/>
+                      </a:solidFill>
+                      <a:prstDash val="solid"/>
+                      <a:round/>
+                      <a:headEnd type="none" w="med" len="med"/>
+                      <a:tailEnd type="none" w="med" len="med"/>
+                    </a:lnT>
+                    <a:lnB w="9525" cap="flat" cmpd="sng" algn="ctr">
+                      <a:solidFill>
+                        <a:srgbClr val="000000"/>
+                      </a:solidFill>
+                      <a:prstDash val="solid"/>
+                      <a:round/>
+                      <a:headEnd type="none" w="med" len="med"/>
+                      <a:tailEnd type="none" w="med" len="med"/>
+                    </a:lnB>
+                  </a:tcPr>
+                </a:tc>
+                <a:tc>
+                  <a:txBody>
+                    <a:bodyPr/>
+                    <a:lstStyle/>
+                    <a:p>
+                      <a:pPr algn="ctr" rtl="0" fontAlgn="t">
+                        <a:spcBef>
+                          <a:spcPts val="0"/>
+                        </a:spcBef>
+                        <a:spcAft>
+                          <a:spcPts val="600"/>
+                        </a:spcAft>
+                      </a:pPr>
+                      <a:r>
+                        <a:rPr lang="en-US" sz="800" b="0" i="0" u="none" strike="noStrike">
+                          <a:solidFill>
+                            <a:srgbClr val="000000"/>
+                          </a:solidFill>
+                          <a:effectLst/>
+                          <a:latin typeface="Arial" panose="020B0604020202020204" pitchFamily="34" charset="0"/>
+                        </a:rPr>
+                        <a:t>Medium</a:t>
+                      </a:r>
+                      <a:endParaRPr lang="en-US" sz="800">
+                        <a:effectLst/>
+                      </a:endParaRPr>
+                    </a:p>
+                  </a:txBody>
+                  <a:tcPr marL="29617" marR="29617" marT="18543" marB="18543">
+                    <a:lnL w="9525" cap="flat" cmpd="sng" algn="ctr">
+                      <a:solidFill>
+                        <a:srgbClr val="000000"/>
+                      </a:solidFill>
+                      <a:prstDash val="solid"/>
+                      <a:round/>
+                      <a:headEnd type="none" w="med" len="med"/>
+                      <a:tailEnd type="none" w="med" len="med"/>
+                    </a:lnL>
+                    <a:lnR w="9525" cap="flat" cmpd="sng" algn="ctr">
+                      <a:solidFill>
+                        <a:srgbClr val="000000"/>
+                      </a:solidFill>
+                      <a:prstDash val="solid"/>
+                      <a:round/>
+                      <a:headEnd type="none" w="med" len="med"/>
+                      <a:tailEnd type="none" w="med" len="med"/>
+                    </a:lnR>
+                    <a:lnT w="9525" cap="flat" cmpd="sng" algn="ctr">
+                      <a:solidFill>
+                        <a:srgbClr val="000000"/>
+                      </a:solidFill>
+                      <a:prstDash val="solid"/>
+                      <a:round/>
+                      <a:headEnd type="none" w="med" len="med"/>
+                      <a:tailEnd type="none" w="med" len="med"/>
+                    </a:lnT>
+                    <a:lnB w="9525" cap="flat" cmpd="sng" algn="ctr">
+                      <a:solidFill>
+                        <a:srgbClr val="000000"/>
+                      </a:solidFill>
+                      <a:prstDash val="solid"/>
+                      <a:round/>
+                      <a:headEnd type="none" w="med" len="med"/>
+                      <a:tailEnd type="none" w="med" len="med"/>
+                    </a:lnB>
+                  </a:tcPr>
+                </a:tc>
+                <a:tc>
+                  <a:txBody>
+                    <a:bodyPr/>
+                    <a:lstStyle/>
+                    <a:p>
+                      <a:pPr algn="ctr" rtl="0" fontAlgn="t">
+                        <a:spcBef>
+                          <a:spcPts val="0"/>
+                        </a:spcBef>
+                        <a:spcAft>
+                          <a:spcPts val="600"/>
+                        </a:spcAft>
+                      </a:pPr>
+                      <a:r>
+                        <a:rPr lang="en-US" sz="800" b="0" i="0" u="none" strike="noStrike">
+                          <a:solidFill>
+                            <a:srgbClr val="000000"/>
+                          </a:solidFill>
+                          <a:effectLst/>
+                          <a:latin typeface="Arial" panose="020B0604020202020204" pitchFamily="34" charset="0"/>
+                        </a:rPr>
+                        <a:t>Use marketplace API’s to retrieve ingredient prices </a:t>
+                      </a:r>
+                      <a:endParaRPr lang="en-US" sz="800">
+                        <a:effectLst/>
+                      </a:endParaRPr>
+                    </a:p>
+                  </a:txBody>
+                  <a:tcPr marL="29617" marR="29617" marT="18543" marB="18543">
+                    <a:lnL w="9525" cap="flat" cmpd="sng" algn="ctr">
+                      <a:solidFill>
+                        <a:srgbClr val="000000"/>
+                      </a:solidFill>
+                      <a:prstDash val="solid"/>
+                      <a:round/>
+                      <a:headEnd type="none" w="med" len="med"/>
+                      <a:tailEnd type="none" w="med" len="med"/>
+                    </a:lnL>
+                    <a:lnR w="9525" cap="flat" cmpd="sng" algn="ctr">
+                      <a:solidFill>
+                        <a:srgbClr val="000000"/>
+                      </a:solidFill>
+                      <a:prstDash val="solid"/>
+                      <a:round/>
+                      <a:headEnd type="none" w="med" len="med"/>
+                      <a:tailEnd type="none" w="med" len="med"/>
+                    </a:lnR>
+                    <a:lnT w="9525" cap="flat" cmpd="sng" algn="ctr">
+                      <a:solidFill>
+                        <a:srgbClr val="000000"/>
+                      </a:solidFill>
+                      <a:prstDash val="solid"/>
+                      <a:round/>
+                      <a:headEnd type="none" w="med" len="med"/>
+                      <a:tailEnd type="none" w="med" len="med"/>
+                    </a:lnT>
+                    <a:lnB w="9525" cap="flat" cmpd="sng" algn="ctr">
+                      <a:solidFill>
+                        <a:srgbClr val="000000"/>
+                      </a:solidFill>
+                      <a:prstDash val="solid"/>
+                      <a:round/>
+                      <a:headEnd type="none" w="med" len="med"/>
+                      <a:tailEnd type="none" w="med" len="med"/>
+                    </a:lnB>
+                  </a:tcPr>
+                </a:tc>
+                <a:tc>
+                  <a:txBody>
+                    <a:bodyPr/>
+                    <a:lstStyle/>
+                    <a:p>
+                      <a:pPr algn="ctr" rtl="0" fontAlgn="t">
+                        <a:spcBef>
+                          <a:spcPts val="1200"/>
+                        </a:spcBef>
+                        <a:spcAft>
+                          <a:spcPts val="1200"/>
+                        </a:spcAft>
+                      </a:pPr>
+                      <a:r>
+                        <a:rPr lang="en-US" sz="800" b="0" i="0" u="none" strike="noStrike">
+                          <a:solidFill>
+                            <a:srgbClr val="000000"/>
+                          </a:solidFill>
+                          <a:effectLst/>
+                          <a:latin typeface="Arial" panose="020B0604020202020204" pitchFamily="34" charset="0"/>
+                        </a:rPr>
+                        <a:t>Release 2</a:t>
+                      </a:r>
+                      <a:endParaRPr lang="en-US" sz="800">
+                        <a:effectLst/>
+                      </a:endParaRPr>
+                    </a:p>
+                  </a:txBody>
+                  <a:tcPr marL="29617" marR="29617" marT="18543" marB="18543">
+                    <a:lnL w="9525" cap="flat" cmpd="sng" algn="ctr">
+                      <a:solidFill>
+                        <a:srgbClr val="000000"/>
+                      </a:solidFill>
+                      <a:prstDash val="solid"/>
+                      <a:round/>
+                      <a:headEnd type="none" w="med" len="med"/>
+                      <a:tailEnd type="none" w="med" len="med"/>
+                    </a:lnL>
+                    <a:lnR w="9525" cap="flat" cmpd="sng" algn="ctr">
+                      <a:solidFill>
+                        <a:srgbClr val="000000"/>
+                      </a:solidFill>
+                      <a:prstDash val="solid"/>
+                      <a:round/>
+                      <a:headEnd type="none" w="med" len="med"/>
+                      <a:tailEnd type="none" w="med" len="med"/>
+                    </a:lnR>
+                    <a:lnT w="9525" cap="flat" cmpd="sng" algn="ctr">
+                      <a:solidFill>
+                        <a:srgbClr val="000000"/>
+                      </a:solidFill>
+                      <a:prstDash val="solid"/>
+                      <a:round/>
+                      <a:headEnd type="none" w="med" len="med"/>
+                      <a:tailEnd type="none" w="med" len="med"/>
+                    </a:lnT>
+                    <a:lnB w="9525" cap="flat" cmpd="sng" algn="ctr">
+                      <a:solidFill>
+                        <a:srgbClr val="000000"/>
+                      </a:solidFill>
+                      <a:prstDash val="solid"/>
+                      <a:round/>
+                      <a:headEnd type="none" w="med" len="med"/>
+                      <a:tailEnd type="none" w="med" len="med"/>
+                    </a:lnB>
+                  </a:tcPr>
+                </a:tc>
+                <a:extLst>
+                  <a:ext uri="{0D108BD9-81ED-4DB2-BD59-A6C34878D82A}">
+                    <a16:rowId xmlns:a16="http://schemas.microsoft.com/office/drawing/2014/main" val="1501624070"/>
+                  </a:ext>
+                </a:extLst>
+              </a:tr>
+              <a:tr h="271959">
+                <a:tc>
+                  <a:txBody>
+                    <a:bodyPr/>
+                    <a:lstStyle/>
+                    <a:p>
+                      <a:pPr algn="ctr" rtl="0" fontAlgn="t">
+                        <a:spcBef>
+                          <a:spcPts val="0"/>
+                        </a:spcBef>
+                        <a:spcAft>
+                          <a:spcPts val="600"/>
+                        </a:spcAft>
+                      </a:pPr>
+                      <a:r>
+                        <a:rPr lang="en-US" sz="800" b="0" i="0" u="none" strike="noStrike">
+                          <a:solidFill>
+                            <a:srgbClr val="000000"/>
+                          </a:solidFill>
+                          <a:effectLst/>
+                          <a:latin typeface="Arial" panose="020B0604020202020204" pitchFamily="34" charset="0"/>
+                        </a:rPr>
+                        <a:t>Rating a Recipe</a:t>
+                      </a:r>
+                      <a:endParaRPr lang="en-US" sz="800">
+                        <a:effectLst/>
+                      </a:endParaRPr>
+                    </a:p>
+                  </a:txBody>
+                  <a:tcPr marL="29617" marR="29617" marT="18543" marB="18543">
+                    <a:lnL w="9525" cap="flat" cmpd="sng" algn="ctr">
+                      <a:solidFill>
+                        <a:srgbClr val="000000"/>
+                      </a:solidFill>
+                      <a:prstDash val="solid"/>
+                      <a:round/>
+                      <a:headEnd type="none" w="med" len="med"/>
+                      <a:tailEnd type="none" w="med" len="med"/>
+                    </a:lnL>
+                    <a:lnR w="9525" cap="flat" cmpd="sng" algn="ctr">
+                      <a:solidFill>
+                        <a:srgbClr val="000000"/>
+                      </a:solidFill>
+                      <a:prstDash val="solid"/>
+                      <a:round/>
+                      <a:headEnd type="none" w="med" len="med"/>
+                      <a:tailEnd type="none" w="med" len="med"/>
+                    </a:lnR>
+                    <a:lnT w="9525" cap="flat" cmpd="sng" algn="ctr">
+                      <a:solidFill>
+                        <a:srgbClr val="000000"/>
+                      </a:solidFill>
+                      <a:prstDash val="solid"/>
+                      <a:round/>
+                      <a:headEnd type="none" w="med" len="med"/>
+                      <a:tailEnd type="none" w="med" len="med"/>
+                    </a:lnT>
+                    <a:lnB w="9525" cap="flat" cmpd="sng" algn="ctr">
+                      <a:solidFill>
+                        <a:srgbClr val="000000"/>
+                      </a:solidFill>
+                      <a:prstDash val="solid"/>
+                      <a:round/>
+                      <a:headEnd type="none" w="med" len="med"/>
+                      <a:tailEnd type="none" w="med" len="med"/>
+                    </a:lnB>
+                  </a:tcPr>
+                </a:tc>
+                <a:tc>
+                  <a:txBody>
+                    <a:bodyPr/>
+                    <a:lstStyle/>
+                    <a:p>
+                      <a:pPr algn="ctr" rtl="0" fontAlgn="t">
+                        <a:spcBef>
+                          <a:spcPts val="0"/>
+                        </a:spcBef>
+                        <a:spcAft>
+                          <a:spcPts val="600"/>
+                        </a:spcAft>
+                      </a:pPr>
+                      <a:br>
+                        <a:rPr lang="en-US" sz="800">
+                          <a:effectLst/>
+                        </a:rPr>
+                      </a:br>
+                      <a:r>
+                        <a:rPr lang="en-US" sz="800" b="0" i="0" u="none" strike="noStrike">
+                          <a:solidFill>
+                            <a:srgbClr val="000000"/>
+                          </a:solidFill>
+                          <a:effectLst/>
+                          <a:latin typeface="Arial" panose="020B0604020202020204" pitchFamily="34" charset="0"/>
+                        </a:rPr>
+                        <a:t>Medium</a:t>
+                      </a:r>
+                      <a:endParaRPr lang="en-US" sz="800">
+                        <a:effectLst/>
+                      </a:endParaRPr>
+                    </a:p>
+                  </a:txBody>
+                  <a:tcPr marL="29617" marR="29617" marT="18543" marB="18543">
+                    <a:lnL w="9525" cap="flat" cmpd="sng" algn="ctr">
+                      <a:solidFill>
+                        <a:srgbClr val="000000"/>
+                      </a:solidFill>
+                      <a:prstDash val="solid"/>
+                      <a:round/>
+                      <a:headEnd type="none" w="med" len="med"/>
+                      <a:tailEnd type="none" w="med" len="med"/>
+                    </a:lnL>
+                    <a:lnR w="9525" cap="flat" cmpd="sng" algn="ctr">
+                      <a:solidFill>
+                        <a:srgbClr val="000000"/>
+                      </a:solidFill>
+                      <a:prstDash val="solid"/>
+                      <a:round/>
+                      <a:headEnd type="none" w="med" len="med"/>
+                      <a:tailEnd type="none" w="med" len="med"/>
+                    </a:lnR>
+                    <a:lnT w="9525" cap="flat" cmpd="sng" algn="ctr">
+                      <a:solidFill>
+                        <a:srgbClr val="000000"/>
+                      </a:solidFill>
+                      <a:prstDash val="solid"/>
+                      <a:round/>
+                      <a:headEnd type="none" w="med" len="med"/>
+                      <a:tailEnd type="none" w="med" len="med"/>
+                    </a:lnT>
+                    <a:lnB w="9525" cap="flat" cmpd="sng" algn="ctr">
+                      <a:solidFill>
+                        <a:srgbClr val="000000"/>
+                      </a:solidFill>
+                      <a:prstDash val="solid"/>
+                      <a:round/>
+                      <a:headEnd type="none" w="med" len="med"/>
+                      <a:tailEnd type="none" w="med" len="med"/>
+                    </a:lnB>
+                  </a:tcPr>
+                </a:tc>
+                <a:tc>
+                  <a:txBody>
+                    <a:bodyPr/>
+                    <a:lstStyle/>
+                    <a:p>
+                      <a:pPr algn="ctr" rtl="0" fontAlgn="t">
+                        <a:spcBef>
+                          <a:spcPts val="0"/>
+                        </a:spcBef>
+                        <a:spcAft>
+                          <a:spcPts val="600"/>
+                        </a:spcAft>
+                      </a:pPr>
+                      <a:r>
+                        <a:rPr lang="en-US" sz="800" b="0" i="0" u="none" strike="noStrike">
+                          <a:solidFill>
+                            <a:srgbClr val="000000"/>
+                          </a:solidFill>
+                          <a:effectLst/>
+                          <a:latin typeface="Arial" panose="020B0604020202020204" pitchFamily="34" charset="0"/>
+                        </a:rPr>
+                        <a:t>Rate the Taste, Ease of Prep.</a:t>
+                      </a:r>
+                      <a:endParaRPr lang="en-US" sz="800">
+                        <a:effectLst/>
+                      </a:endParaRPr>
+                    </a:p>
+                  </a:txBody>
+                  <a:tcPr marL="29617" marR="29617" marT="18543" marB="18543">
+                    <a:lnL w="9525" cap="flat" cmpd="sng" algn="ctr">
+                      <a:solidFill>
+                        <a:srgbClr val="000000"/>
+                      </a:solidFill>
+                      <a:prstDash val="solid"/>
+                      <a:round/>
+                      <a:headEnd type="none" w="med" len="med"/>
+                      <a:tailEnd type="none" w="med" len="med"/>
+                    </a:lnL>
+                    <a:lnR w="9525" cap="flat" cmpd="sng" algn="ctr">
+                      <a:solidFill>
+                        <a:srgbClr val="000000"/>
+                      </a:solidFill>
+                      <a:prstDash val="solid"/>
+                      <a:round/>
+                      <a:headEnd type="none" w="med" len="med"/>
+                      <a:tailEnd type="none" w="med" len="med"/>
+                    </a:lnR>
+                    <a:lnT w="9525" cap="flat" cmpd="sng" algn="ctr">
+                      <a:solidFill>
+                        <a:srgbClr val="000000"/>
+                      </a:solidFill>
+                      <a:prstDash val="solid"/>
+                      <a:round/>
+                      <a:headEnd type="none" w="med" len="med"/>
+                      <a:tailEnd type="none" w="med" len="med"/>
+                    </a:lnT>
+                    <a:lnB w="9525" cap="flat" cmpd="sng" algn="ctr">
+                      <a:solidFill>
+                        <a:srgbClr val="000000"/>
+                      </a:solidFill>
+                      <a:prstDash val="solid"/>
+                      <a:round/>
+                      <a:headEnd type="none" w="med" len="med"/>
+                      <a:tailEnd type="none" w="med" len="med"/>
+                    </a:lnB>
+                  </a:tcPr>
+                </a:tc>
+                <a:tc>
+                  <a:txBody>
+                    <a:bodyPr/>
+                    <a:lstStyle/>
+                    <a:p>
+                      <a:pPr algn="ctr" rtl="0" fontAlgn="t">
+                        <a:spcBef>
+                          <a:spcPts val="1200"/>
+                        </a:spcBef>
+                        <a:spcAft>
+                          <a:spcPts val="1200"/>
+                        </a:spcAft>
+                      </a:pPr>
+                      <a:r>
+                        <a:rPr lang="en-US" sz="800" b="0" i="0" u="none" strike="noStrike">
+                          <a:solidFill>
+                            <a:srgbClr val="000000"/>
+                          </a:solidFill>
+                          <a:effectLst/>
+                          <a:latin typeface="Arial" panose="020B0604020202020204" pitchFamily="34" charset="0"/>
+                        </a:rPr>
+                        <a:t>Release 2</a:t>
+                      </a:r>
+                      <a:endParaRPr lang="en-US" sz="800">
+                        <a:effectLst/>
+                      </a:endParaRPr>
+                    </a:p>
+                  </a:txBody>
+                  <a:tcPr marL="29617" marR="29617" marT="18543" marB="18543">
+                    <a:lnL w="9525" cap="flat" cmpd="sng" algn="ctr">
+                      <a:solidFill>
+                        <a:srgbClr val="000000"/>
+                      </a:solidFill>
+                      <a:prstDash val="solid"/>
+                      <a:round/>
+                      <a:headEnd type="none" w="med" len="med"/>
+                      <a:tailEnd type="none" w="med" len="med"/>
+                    </a:lnL>
+                    <a:lnR w="9525" cap="flat" cmpd="sng" algn="ctr">
+                      <a:solidFill>
+                        <a:srgbClr val="000000"/>
+                      </a:solidFill>
+                      <a:prstDash val="solid"/>
+                      <a:round/>
+                      <a:headEnd type="none" w="med" len="med"/>
+                      <a:tailEnd type="none" w="med" len="med"/>
+                    </a:lnR>
+                    <a:lnT w="9525" cap="flat" cmpd="sng" algn="ctr">
+                      <a:solidFill>
+                        <a:srgbClr val="000000"/>
+                      </a:solidFill>
+                      <a:prstDash val="solid"/>
+                      <a:round/>
+                      <a:headEnd type="none" w="med" len="med"/>
+                      <a:tailEnd type="none" w="med" len="med"/>
+                    </a:lnT>
+                    <a:lnB w="9525" cap="flat" cmpd="sng" algn="ctr">
+                      <a:solidFill>
+                        <a:srgbClr val="000000"/>
+                      </a:solidFill>
+                      <a:prstDash val="solid"/>
+                      <a:round/>
+                      <a:headEnd type="none" w="med" len="med"/>
+                      <a:tailEnd type="none" w="med" len="med"/>
+                    </a:lnB>
+                  </a:tcPr>
+                </a:tc>
+                <a:extLst>
+                  <a:ext uri="{0D108BD9-81ED-4DB2-BD59-A6C34878D82A}">
+                    <a16:rowId xmlns:a16="http://schemas.microsoft.com/office/drawing/2014/main" val="1612411414"/>
+                  </a:ext>
+                </a:extLst>
+              </a:tr>
+              <a:tr h="271959">
+                <a:tc>
+                  <a:txBody>
+                    <a:bodyPr/>
+                    <a:lstStyle/>
+                    <a:p>
+                      <a:pPr algn="ctr" rtl="0" fontAlgn="t">
+                        <a:spcBef>
+                          <a:spcPts val="0"/>
+                        </a:spcBef>
+                        <a:spcAft>
+                          <a:spcPts val="600"/>
+                        </a:spcAft>
+                      </a:pPr>
+                      <a:r>
+                        <a:rPr lang="en-US" sz="800" b="0" i="0" u="none" strike="noStrike">
+                          <a:solidFill>
+                            <a:srgbClr val="000000"/>
+                          </a:solidFill>
+                          <a:effectLst/>
+                          <a:latin typeface="Arial" panose="020B0604020202020204" pitchFamily="34" charset="0"/>
+                        </a:rPr>
+                        <a:t>Search and Filter through Recipes</a:t>
+                      </a:r>
+                      <a:endParaRPr lang="en-US" sz="800">
+                        <a:effectLst/>
+                      </a:endParaRPr>
+                    </a:p>
+                  </a:txBody>
+                  <a:tcPr marL="29617" marR="29617" marT="18543" marB="18543">
+                    <a:lnL w="9525" cap="flat" cmpd="sng" algn="ctr">
+                      <a:solidFill>
+                        <a:srgbClr val="000000"/>
+                      </a:solidFill>
+                      <a:prstDash val="solid"/>
+                      <a:round/>
+                      <a:headEnd type="none" w="med" len="med"/>
+                      <a:tailEnd type="none" w="med" len="med"/>
+                    </a:lnL>
+                    <a:lnR w="9525" cap="flat" cmpd="sng" algn="ctr">
+                      <a:solidFill>
+                        <a:srgbClr val="000000"/>
+                      </a:solidFill>
+                      <a:prstDash val="solid"/>
+                      <a:round/>
+                      <a:headEnd type="none" w="med" len="med"/>
+                      <a:tailEnd type="none" w="med" len="med"/>
+                    </a:lnR>
+                    <a:lnT w="9525" cap="flat" cmpd="sng" algn="ctr">
+                      <a:solidFill>
+                        <a:srgbClr val="000000"/>
+                      </a:solidFill>
+                      <a:prstDash val="solid"/>
+                      <a:round/>
+                      <a:headEnd type="none" w="med" len="med"/>
+                      <a:tailEnd type="none" w="med" len="med"/>
+                    </a:lnT>
+                    <a:lnB w="9525" cap="flat" cmpd="sng" algn="ctr">
+                      <a:solidFill>
+                        <a:srgbClr val="000000"/>
+                      </a:solidFill>
+                      <a:prstDash val="solid"/>
+                      <a:round/>
+                      <a:headEnd type="none" w="med" len="med"/>
+                      <a:tailEnd type="none" w="med" len="med"/>
+                    </a:lnB>
+                  </a:tcPr>
+                </a:tc>
+                <a:tc>
+                  <a:txBody>
+                    <a:bodyPr/>
+                    <a:lstStyle/>
+                    <a:p>
+                      <a:pPr algn="ctr" rtl="0" fontAlgn="t">
+                        <a:spcBef>
+                          <a:spcPts val="0"/>
+                        </a:spcBef>
+                        <a:spcAft>
+                          <a:spcPts val="600"/>
+                        </a:spcAft>
+                      </a:pPr>
+                      <a:br>
+                        <a:rPr lang="en-US" sz="800">
+                          <a:effectLst/>
+                        </a:rPr>
+                      </a:br>
+                      <a:r>
+                        <a:rPr lang="en-US" sz="800" b="0" i="0" u="none" strike="noStrike">
+                          <a:solidFill>
+                            <a:srgbClr val="000000"/>
+                          </a:solidFill>
+                          <a:effectLst/>
+                          <a:latin typeface="Arial" panose="020B0604020202020204" pitchFamily="34" charset="0"/>
+                        </a:rPr>
+                        <a:t>Medium</a:t>
+                      </a:r>
+                      <a:endParaRPr lang="en-US" sz="800">
+                        <a:effectLst/>
+                      </a:endParaRPr>
+                    </a:p>
+                  </a:txBody>
+                  <a:tcPr marL="29617" marR="29617" marT="18543" marB="18543">
+                    <a:lnL w="9525" cap="flat" cmpd="sng" algn="ctr">
+                      <a:solidFill>
+                        <a:srgbClr val="000000"/>
+                      </a:solidFill>
+                      <a:prstDash val="solid"/>
+                      <a:round/>
+                      <a:headEnd type="none" w="med" len="med"/>
+                      <a:tailEnd type="none" w="med" len="med"/>
+                    </a:lnL>
+                    <a:lnR w="9525" cap="flat" cmpd="sng" algn="ctr">
+                      <a:solidFill>
+                        <a:srgbClr val="000000"/>
+                      </a:solidFill>
+                      <a:prstDash val="solid"/>
+                      <a:round/>
+                      <a:headEnd type="none" w="med" len="med"/>
+                      <a:tailEnd type="none" w="med" len="med"/>
+                    </a:lnR>
+                    <a:lnT w="9525" cap="flat" cmpd="sng" algn="ctr">
+                      <a:solidFill>
+                        <a:srgbClr val="000000"/>
+                      </a:solidFill>
+                      <a:prstDash val="solid"/>
+                      <a:round/>
+                      <a:headEnd type="none" w="med" len="med"/>
+                      <a:tailEnd type="none" w="med" len="med"/>
+                    </a:lnT>
+                    <a:lnB w="9525" cap="flat" cmpd="sng" algn="ctr">
+                      <a:solidFill>
+                        <a:srgbClr val="000000"/>
+                      </a:solidFill>
+                      <a:prstDash val="solid"/>
+                      <a:round/>
+                      <a:headEnd type="none" w="med" len="med"/>
+                      <a:tailEnd type="none" w="med" len="med"/>
+                    </a:lnB>
+                  </a:tcPr>
+                </a:tc>
+                <a:tc>
+                  <a:txBody>
+                    <a:bodyPr/>
+                    <a:lstStyle/>
+                    <a:p>
+                      <a:pPr algn="ctr" rtl="0" fontAlgn="t">
+                        <a:spcBef>
+                          <a:spcPts val="0"/>
+                        </a:spcBef>
+                        <a:spcAft>
+                          <a:spcPts val="600"/>
+                        </a:spcAft>
+                      </a:pPr>
+                      <a:r>
+                        <a:rPr lang="en-US" sz="800" b="0" i="0" u="none" strike="noStrike">
+                          <a:solidFill>
+                            <a:srgbClr val="000000"/>
+                          </a:solidFill>
+                          <a:effectLst/>
+                          <a:latin typeface="Arial" panose="020B0604020202020204" pitchFamily="34" charset="0"/>
+                        </a:rPr>
+                        <a:t>Recipe Curation and Discovery</a:t>
+                      </a:r>
+                      <a:endParaRPr lang="en-US" sz="800">
+                        <a:effectLst/>
+                      </a:endParaRPr>
+                    </a:p>
+                  </a:txBody>
+                  <a:tcPr marL="29617" marR="29617" marT="18543" marB="18543">
+                    <a:lnL w="9525" cap="flat" cmpd="sng" algn="ctr">
+                      <a:solidFill>
+                        <a:srgbClr val="000000"/>
+                      </a:solidFill>
+                      <a:prstDash val="solid"/>
+                      <a:round/>
+                      <a:headEnd type="none" w="med" len="med"/>
+                      <a:tailEnd type="none" w="med" len="med"/>
+                    </a:lnL>
+                    <a:lnR w="9525" cap="flat" cmpd="sng" algn="ctr">
+                      <a:solidFill>
+                        <a:srgbClr val="000000"/>
+                      </a:solidFill>
+                      <a:prstDash val="solid"/>
+                      <a:round/>
+                      <a:headEnd type="none" w="med" len="med"/>
+                      <a:tailEnd type="none" w="med" len="med"/>
+                    </a:lnR>
+                    <a:lnT w="9525" cap="flat" cmpd="sng" algn="ctr">
+                      <a:solidFill>
+                        <a:srgbClr val="000000"/>
+                      </a:solidFill>
+                      <a:prstDash val="solid"/>
+                      <a:round/>
+                      <a:headEnd type="none" w="med" len="med"/>
+                      <a:tailEnd type="none" w="med" len="med"/>
+                    </a:lnT>
+                    <a:lnB w="9525" cap="flat" cmpd="sng" algn="ctr">
+                      <a:solidFill>
+                        <a:srgbClr val="000000"/>
+                      </a:solidFill>
+                      <a:prstDash val="solid"/>
+                      <a:round/>
+                      <a:headEnd type="none" w="med" len="med"/>
+                      <a:tailEnd type="none" w="med" len="med"/>
+                    </a:lnB>
+                  </a:tcPr>
+                </a:tc>
+                <a:tc>
+                  <a:txBody>
+                    <a:bodyPr/>
+                    <a:lstStyle/>
+                    <a:p>
+                      <a:pPr algn="ctr" rtl="0" fontAlgn="t">
+                        <a:spcBef>
+                          <a:spcPts val="1200"/>
+                        </a:spcBef>
+                        <a:spcAft>
+                          <a:spcPts val="1200"/>
+                        </a:spcAft>
+                      </a:pPr>
+                      <a:r>
+                        <a:rPr lang="en-US" sz="800" b="0" i="0" u="none" strike="noStrike">
+                          <a:solidFill>
+                            <a:srgbClr val="000000"/>
+                          </a:solidFill>
+                          <a:effectLst/>
+                          <a:latin typeface="Arial" panose="020B0604020202020204" pitchFamily="34" charset="0"/>
+                        </a:rPr>
+                        <a:t>Release 2</a:t>
+                      </a:r>
+                      <a:endParaRPr lang="en-US" sz="800">
+                        <a:effectLst/>
+                      </a:endParaRPr>
+                    </a:p>
+                  </a:txBody>
+                  <a:tcPr marL="29617" marR="29617" marT="18543" marB="18543">
+                    <a:lnL w="9525" cap="flat" cmpd="sng" algn="ctr">
+                      <a:solidFill>
+                        <a:srgbClr val="000000"/>
+                      </a:solidFill>
+                      <a:prstDash val="solid"/>
+                      <a:round/>
+                      <a:headEnd type="none" w="med" len="med"/>
+                      <a:tailEnd type="none" w="med" len="med"/>
+                    </a:lnL>
+                    <a:lnR w="9525" cap="flat" cmpd="sng" algn="ctr">
+                      <a:solidFill>
+                        <a:srgbClr val="000000"/>
+                      </a:solidFill>
+                      <a:prstDash val="solid"/>
+                      <a:round/>
+                      <a:headEnd type="none" w="med" len="med"/>
+                      <a:tailEnd type="none" w="med" len="med"/>
+                    </a:lnR>
+                    <a:lnT w="9525" cap="flat" cmpd="sng" algn="ctr">
+                      <a:solidFill>
+                        <a:srgbClr val="000000"/>
+                      </a:solidFill>
+                      <a:prstDash val="solid"/>
+                      <a:round/>
+                      <a:headEnd type="none" w="med" len="med"/>
+                      <a:tailEnd type="none" w="med" len="med"/>
+                    </a:lnT>
+                    <a:lnB w="9525" cap="flat" cmpd="sng" algn="ctr">
+                      <a:solidFill>
+                        <a:srgbClr val="000000"/>
+                      </a:solidFill>
+                      <a:prstDash val="solid"/>
+                      <a:round/>
+                      <a:headEnd type="none" w="med" len="med"/>
+                      <a:tailEnd type="none" w="med" len="med"/>
+                    </a:lnB>
+                  </a:tcPr>
+                </a:tc>
+                <a:extLst>
+                  <a:ext uri="{0D108BD9-81ED-4DB2-BD59-A6C34878D82A}">
+                    <a16:rowId xmlns:a16="http://schemas.microsoft.com/office/drawing/2014/main" val="2799087356"/>
+                  </a:ext>
+                </a:extLst>
+              </a:tr>
+              <a:tr h="160703">
+                <a:tc>
+                  <a:txBody>
+                    <a:bodyPr/>
+                    <a:lstStyle/>
+                    <a:p>
+                      <a:pPr algn="ctr" rtl="0" fontAlgn="t">
+                        <a:spcBef>
+                          <a:spcPts val="0"/>
+                        </a:spcBef>
+                        <a:spcAft>
+                          <a:spcPts val="600"/>
+                        </a:spcAft>
+                      </a:pPr>
+                      <a:r>
+                        <a:rPr lang="en-US" sz="800" b="0" i="0" u="none" strike="noStrike">
+                          <a:solidFill>
+                            <a:srgbClr val="000000"/>
+                          </a:solidFill>
+                          <a:effectLst/>
+                          <a:latin typeface="Arial" panose="020B0604020202020204" pitchFamily="34" charset="0"/>
+                        </a:rPr>
+                        <a:t>DM </a:t>
+                      </a:r>
+                      <a:endParaRPr lang="en-US" sz="800">
+                        <a:effectLst/>
+                      </a:endParaRPr>
+                    </a:p>
+                  </a:txBody>
+                  <a:tcPr marL="29617" marR="29617" marT="18543" marB="18543">
+                    <a:lnL w="9525" cap="flat" cmpd="sng" algn="ctr">
+                      <a:solidFill>
+                        <a:srgbClr val="000000"/>
+                      </a:solidFill>
+                      <a:prstDash val="solid"/>
+                      <a:round/>
+                      <a:headEnd type="none" w="med" len="med"/>
+                      <a:tailEnd type="none" w="med" len="med"/>
+                    </a:lnL>
+                    <a:lnR w="9525" cap="flat" cmpd="sng" algn="ctr">
+                      <a:solidFill>
+                        <a:srgbClr val="000000"/>
+                      </a:solidFill>
+                      <a:prstDash val="solid"/>
+                      <a:round/>
+                      <a:headEnd type="none" w="med" len="med"/>
+                      <a:tailEnd type="none" w="med" len="med"/>
+                    </a:lnR>
+                    <a:lnT w="9525" cap="flat" cmpd="sng" algn="ctr">
+                      <a:solidFill>
+                        <a:srgbClr val="000000"/>
+                      </a:solidFill>
+                      <a:prstDash val="solid"/>
+                      <a:round/>
+                      <a:headEnd type="none" w="med" len="med"/>
+                      <a:tailEnd type="none" w="med" len="med"/>
+                    </a:lnT>
+                    <a:lnB w="9525" cap="flat" cmpd="sng" algn="ctr">
+                      <a:solidFill>
+                        <a:srgbClr val="000000"/>
+                      </a:solidFill>
+                      <a:prstDash val="solid"/>
+                      <a:round/>
+                      <a:headEnd type="none" w="med" len="med"/>
+                      <a:tailEnd type="none" w="med" len="med"/>
+                    </a:lnB>
+                  </a:tcPr>
+                </a:tc>
+                <a:tc>
+                  <a:txBody>
+                    <a:bodyPr/>
+                    <a:lstStyle/>
+                    <a:p>
+                      <a:pPr algn="ctr" rtl="0" fontAlgn="t">
+                        <a:spcBef>
+                          <a:spcPts val="0"/>
+                        </a:spcBef>
+                        <a:spcAft>
+                          <a:spcPts val="600"/>
+                        </a:spcAft>
+                      </a:pPr>
+                      <a:r>
+                        <a:rPr lang="en-US" sz="800" b="0" i="0" u="none" strike="noStrike">
+                          <a:solidFill>
+                            <a:srgbClr val="000000"/>
+                          </a:solidFill>
+                          <a:effectLst/>
+                          <a:latin typeface="Arial" panose="020B0604020202020204" pitchFamily="34" charset="0"/>
+                        </a:rPr>
+                        <a:t>Low</a:t>
+                      </a:r>
+                      <a:endParaRPr lang="en-US" sz="800">
+                        <a:effectLst/>
+                      </a:endParaRPr>
+                    </a:p>
+                  </a:txBody>
+                  <a:tcPr marL="29617" marR="29617" marT="18543" marB="18543">
+                    <a:lnL w="9525" cap="flat" cmpd="sng" algn="ctr">
+                      <a:solidFill>
+                        <a:srgbClr val="000000"/>
+                      </a:solidFill>
+                      <a:prstDash val="solid"/>
+                      <a:round/>
+                      <a:headEnd type="none" w="med" len="med"/>
+                      <a:tailEnd type="none" w="med" len="med"/>
+                    </a:lnL>
+                    <a:lnR w="9525" cap="flat" cmpd="sng" algn="ctr">
+                      <a:solidFill>
+                        <a:srgbClr val="000000"/>
+                      </a:solidFill>
+                      <a:prstDash val="solid"/>
+                      <a:round/>
+                      <a:headEnd type="none" w="med" len="med"/>
+                      <a:tailEnd type="none" w="med" len="med"/>
+                    </a:lnR>
+                    <a:lnT w="9525" cap="flat" cmpd="sng" algn="ctr">
+                      <a:solidFill>
+                        <a:srgbClr val="000000"/>
+                      </a:solidFill>
+                      <a:prstDash val="solid"/>
+                      <a:round/>
+                      <a:headEnd type="none" w="med" len="med"/>
+                      <a:tailEnd type="none" w="med" len="med"/>
+                    </a:lnT>
+                    <a:lnB w="9525" cap="flat" cmpd="sng" algn="ctr">
+                      <a:solidFill>
+                        <a:srgbClr val="000000"/>
+                      </a:solidFill>
+                      <a:prstDash val="solid"/>
+                      <a:round/>
+                      <a:headEnd type="none" w="med" len="med"/>
+                      <a:tailEnd type="none" w="med" len="med"/>
+                    </a:lnB>
+                  </a:tcPr>
+                </a:tc>
+                <a:tc>
+                  <a:txBody>
+                    <a:bodyPr/>
+                    <a:lstStyle/>
+                    <a:p>
+                      <a:pPr algn="ctr" rtl="0" fontAlgn="t">
+                        <a:spcBef>
+                          <a:spcPts val="0"/>
+                        </a:spcBef>
+                        <a:spcAft>
+                          <a:spcPts val="600"/>
+                        </a:spcAft>
+                      </a:pPr>
+                      <a:r>
+                        <a:rPr lang="en-US" sz="800" b="0" i="0" u="none" strike="noStrike">
+                          <a:solidFill>
+                            <a:srgbClr val="000000"/>
+                          </a:solidFill>
+                          <a:effectLst/>
+                          <a:latin typeface="Arial" panose="020B0604020202020204" pitchFamily="34" charset="0"/>
+                        </a:rPr>
+                        <a:t>Sending direct messages </a:t>
+                      </a:r>
+                      <a:endParaRPr lang="en-US" sz="800">
+                        <a:effectLst/>
+                      </a:endParaRPr>
+                    </a:p>
+                  </a:txBody>
+                  <a:tcPr marL="29617" marR="29617" marT="18543" marB="18543">
+                    <a:lnL w="9525" cap="flat" cmpd="sng" algn="ctr">
+                      <a:solidFill>
+                        <a:srgbClr val="000000"/>
+                      </a:solidFill>
+                      <a:prstDash val="solid"/>
+                      <a:round/>
+                      <a:headEnd type="none" w="med" len="med"/>
+                      <a:tailEnd type="none" w="med" len="med"/>
+                    </a:lnL>
+                    <a:lnR w="9525" cap="flat" cmpd="sng" algn="ctr">
+                      <a:solidFill>
+                        <a:srgbClr val="000000"/>
+                      </a:solidFill>
+                      <a:prstDash val="solid"/>
+                      <a:round/>
+                      <a:headEnd type="none" w="med" len="med"/>
+                      <a:tailEnd type="none" w="med" len="med"/>
+                    </a:lnR>
+                    <a:lnT w="9525" cap="flat" cmpd="sng" algn="ctr">
+                      <a:solidFill>
+                        <a:srgbClr val="000000"/>
+                      </a:solidFill>
+                      <a:prstDash val="solid"/>
+                      <a:round/>
+                      <a:headEnd type="none" w="med" len="med"/>
+                      <a:tailEnd type="none" w="med" len="med"/>
+                    </a:lnT>
+                    <a:lnB w="9525" cap="flat" cmpd="sng" algn="ctr">
+                      <a:solidFill>
+                        <a:srgbClr val="000000"/>
+                      </a:solidFill>
+                      <a:prstDash val="solid"/>
+                      <a:round/>
+                      <a:headEnd type="none" w="med" len="med"/>
+                      <a:tailEnd type="none" w="med" len="med"/>
+                    </a:lnB>
+                  </a:tcPr>
+                </a:tc>
+                <a:tc>
+                  <a:txBody>
+                    <a:bodyPr/>
+                    <a:lstStyle/>
+                    <a:p>
+                      <a:pPr algn="ctr" rtl="0" fontAlgn="t">
+                        <a:spcBef>
+                          <a:spcPts val="1200"/>
+                        </a:spcBef>
+                        <a:spcAft>
+                          <a:spcPts val="1200"/>
+                        </a:spcAft>
+                      </a:pPr>
+                      <a:r>
+                        <a:rPr lang="en-US" sz="800" b="0" i="0" u="none" strike="noStrike">
+                          <a:solidFill>
+                            <a:srgbClr val="000000"/>
+                          </a:solidFill>
+                          <a:effectLst/>
+                          <a:latin typeface="Arial" panose="020B0604020202020204" pitchFamily="34" charset="0"/>
+                        </a:rPr>
+                        <a:t>Release 2</a:t>
+                      </a:r>
+                      <a:endParaRPr lang="en-US" sz="800">
+                        <a:effectLst/>
+                      </a:endParaRPr>
+                    </a:p>
+                  </a:txBody>
+                  <a:tcPr marL="29617" marR="29617" marT="18543" marB="18543">
+                    <a:lnL w="9525" cap="flat" cmpd="sng" algn="ctr">
+                      <a:solidFill>
+                        <a:srgbClr val="000000"/>
+                      </a:solidFill>
+                      <a:prstDash val="solid"/>
+                      <a:round/>
+                      <a:headEnd type="none" w="med" len="med"/>
+                      <a:tailEnd type="none" w="med" len="med"/>
+                    </a:lnL>
+                    <a:lnR w="9525" cap="flat" cmpd="sng" algn="ctr">
+                      <a:solidFill>
+                        <a:srgbClr val="000000"/>
+                      </a:solidFill>
+                      <a:prstDash val="solid"/>
+                      <a:round/>
+                      <a:headEnd type="none" w="med" len="med"/>
+                      <a:tailEnd type="none" w="med" len="med"/>
+                    </a:lnR>
+                    <a:lnT w="9525" cap="flat" cmpd="sng" algn="ctr">
+                      <a:solidFill>
+                        <a:srgbClr val="000000"/>
+                      </a:solidFill>
+                      <a:prstDash val="solid"/>
+                      <a:round/>
+                      <a:headEnd type="none" w="med" len="med"/>
+                      <a:tailEnd type="none" w="med" len="med"/>
+                    </a:lnT>
+                    <a:lnB w="9525" cap="flat" cmpd="sng" algn="ctr">
+                      <a:solidFill>
+                        <a:srgbClr val="000000"/>
+                      </a:solidFill>
+                      <a:prstDash val="solid"/>
+                      <a:round/>
+                      <a:headEnd type="none" w="med" len="med"/>
+                      <a:tailEnd type="none" w="med" len="med"/>
+                    </a:lnB>
+                  </a:tcPr>
+                </a:tc>
+                <a:extLst>
+                  <a:ext uri="{0D108BD9-81ED-4DB2-BD59-A6C34878D82A}">
+                    <a16:rowId xmlns:a16="http://schemas.microsoft.com/office/drawing/2014/main" val="2155439978"/>
+                  </a:ext>
+                </a:extLst>
+              </a:tr>
+              <a:tr h="222512">
+                <a:tc>
+                  <a:txBody>
+                    <a:bodyPr/>
+                    <a:lstStyle/>
+                    <a:p>
+                      <a:pPr algn="ctr" rtl="0" fontAlgn="t">
+                        <a:spcBef>
+                          <a:spcPts val="0"/>
+                        </a:spcBef>
+                        <a:spcAft>
+                          <a:spcPts val="600"/>
+                        </a:spcAft>
+                      </a:pPr>
+                      <a:r>
+                        <a:rPr lang="en-US" sz="800" b="0" i="0" u="none" strike="noStrike">
+                          <a:solidFill>
+                            <a:srgbClr val="000000"/>
+                          </a:solidFill>
+                          <a:effectLst/>
+                          <a:latin typeface="Arial" panose="020B0604020202020204" pitchFamily="34" charset="0"/>
+                        </a:rPr>
+                        <a:t>Notifications</a:t>
+                      </a:r>
+                      <a:endParaRPr lang="en-US" sz="800">
+                        <a:effectLst/>
+                      </a:endParaRPr>
+                    </a:p>
+                  </a:txBody>
+                  <a:tcPr marL="29617" marR="29617" marT="18543" marB="18543">
+                    <a:lnL w="9525" cap="flat" cmpd="sng" algn="ctr">
+                      <a:solidFill>
+                        <a:srgbClr val="000000"/>
+                      </a:solidFill>
+                      <a:prstDash val="solid"/>
+                      <a:round/>
+                      <a:headEnd type="none" w="med" len="med"/>
+                      <a:tailEnd type="none" w="med" len="med"/>
+                    </a:lnL>
+                    <a:lnR w="9525" cap="flat" cmpd="sng" algn="ctr">
+                      <a:solidFill>
+                        <a:srgbClr val="000000"/>
+                      </a:solidFill>
+                      <a:prstDash val="solid"/>
+                      <a:round/>
+                      <a:headEnd type="none" w="med" len="med"/>
+                      <a:tailEnd type="none" w="med" len="med"/>
+                    </a:lnR>
+                    <a:lnT w="9525" cap="flat" cmpd="sng" algn="ctr">
+                      <a:solidFill>
+                        <a:srgbClr val="000000"/>
+                      </a:solidFill>
+                      <a:prstDash val="solid"/>
+                      <a:round/>
+                      <a:headEnd type="none" w="med" len="med"/>
+                      <a:tailEnd type="none" w="med" len="med"/>
+                    </a:lnT>
+                    <a:lnB w="9525" cap="flat" cmpd="sng" algn="ctr">
+                      <a:solidFill>
+                        <a:srgbClr val="000000"/>
+                      </a:solidFill>
+                      <a:prstDash val="solid"/>
+                      <a:round/>
+                      <a:headEnd type="none" w="med" len="med"/>
+                      <a:tailEnd type="none" w="med" len="med"/>
+                    </a:lnB>
+                  </a:tcPr>
+                </a:tc>
+                <a:tc>
+                  <a:txBody>
+                    <a:bodyPr/>
+                    <a:lstStyle/>
+                    <a:p>
+                      <a:pPr algn="ctr" rtl="0" fontAlgn="t">
+                        <a:spcBef>
+                          <a:spcPts val="0"/>
+                        </a:spcBef>
+                        <a:spcAft>
+                          <a:spcPts val="600"/>
+                        </a:spcAft>
+                      </a:pPr>
+                      <a:r>
+                        <a:rPr lang="en-US" sz="800" b="0" i="0" u="none" strike="noStrike">
+                          <a:solidFill>
+                            <a:srgbClr val="000000"/>
+                          </a:solidFill>
+                          <a:effectLst/>
+                          <a:latin typeface="Arial" panose="020B0604020202020204" pitchFamily="34" charset="0"/>
+                        </a:rPr>
+                        <a:t>Low</a:t>
+                      </a:r>
+                      <a:endParaRPr lang="en-US" sz="800">
+                        <a:effectLst/>
+                      </a:endParaRPr>
+                    </a:p>
+                  </a:txBody>
+                  <a:tcPr marL="29617" marR="29617" marT="18543" marB="18543">
+                    <a:lnL w="9525" cap="flat" cmpd="sng" algn="ctr">
+                      <a:solidFill>
+                        <a:srgbClr val="000000"/>
+                      </a:solidFill>
+                      <a:prstDash val="solid"/>
+                      <a:round/>
+                      <a:headEnd type="none" w="med" len="med"/>
+                      <a:tailEnd type="none" w="med" len="med"/>
+                    </a:lnL>
+                    <a:lnR w="9525" cap="flat" cmpd="sng" algn="ctr">
+                      <a:solidFill>
+                        <a:srgbClr val="000000"/>
+                      </a:solidFill>
+                      <a:prstDash val="solid"/>
+                      <a:round/>
+                      <a:headEnd type="none" w="med" len="med"/>
+                      <a:tailEnd type="none" w="med" len="med"/>
+                    </a:lnR>
+                    <a:lnT w="9525" cap="flat" cmpd="sng" algn="ctr">
+                      <a:solidFill>
+                        <a:srgbClr val="000000"/>
+                      </a:solidFill>
+                      <a:prstDash val="solid"/>
+                      <a:round/>
+                      <a:headEnd type="none" w="med" len="med"/>
+                      <a:tailEnd type="none" w="med" len="med"/>
+                    </a:lnT>
+                    <a:lnB w="9525" cap="flat" cmpd="sng" algn="ctr">
+                      <a:solidFill>
+                        <a:srgbClr val="000000"/>
+                      </a:solidFill>
+                      <a:prstDash val="solid"/>
+                      <a:round/>
+                      <a:headEnd type="none" w="med" len="med"/>
+                      <a:tailEnd type="none" w="med" len="med"/>
+                    </a:lnB>
+                  </a:tcPr>
+                </a:tc>
+                <a:tc>
+                  <a:txBody>
+                    <a:bodyPr/>
+                    <a:lstStyle/>
+                    <a:p>
+                      <a:pPr algn="ctr" rtl="0" fontAlgn="t">
+                        <a:spcBef>
+                          <a:spcPts val="0"/>
+                        </a:spcBef>
+                        <a:spcAft>
+                          <a:spcPts val="600"/>
+                        </a:spcAft>
+                      </a:pPr>
+                      <a:r>
+                        <a:rPr lang="en-US" sz="800" b="0" i="0" u="none" strike="noStrike">
+                          <a:solidFill>
+                            <a:srgbClr val="000000"/>
+                          </a:solidFill>
+                          <a:effectLst/>
+                          <a:latin typeface="Arial" panose="020B0604020202020204" pitchFamily="34" charset="0"/>
+                        </a:rPr>
+                        <a:t>Show customizable Notifications</a:t>
+                      </a:r>
+                      <a:endParaRPr lang="en-US" sz="800">
+                        <a:effectLst/>
+                      </a:endParaRPr>
+                    </a:p>
+                  </a:txBody>
+                  <a:tcPr marL="29617" marR="29617" marT="18543" marB="18543">
+                    <a:lnL w="9525" cap="flat" cmpd="sng" algn="ctr">
+                      <a:solidFill>
+                        <a:srgbClr val="000000"/>
+                      </a:solidFill>
+                      <a:prstDash val="solid"/>
+                      <a:round/>
+                      <a:headEnd type="none" w="med" len="med"/>
+                      <a:tailEnd type="none" w="med" len="med"/>
+                    </a:lnL>
+                    <a:lnR w="9525" cap="flat" cmpd="sng" algn="ctr">
+                      <a:solidFill>
+                        <a:srgbClr val="000000"/>
+                      </a:solidFill>
+                      <a:prstDash val="solid"/>
+                      <a:round/>
+                      <a:headEnd type="none" w="med" len="med"/>
+                      <a:tailEnd type="none" w="med" len="med"/>
+                    </a:lnR>
+                    <a:lnT w="9525" cap="flat" cmpd="sng" algn="ctr">
+                      <a:solidFill>
+                        <a:srgbClr val="000000"/>
+                      </a:solidFill>
+                      <a:prstDash val="solid"/>
+                      <a:round/>
+                      <a:headEnd type="none" w="med" len="med"/>
+                      <a:tailEnd type="none" w="med" len="med"/>
+                    </a:lnT>
+                    <a:lnB w="9525" cap="flat" cmpd="sng" algn="ctr">
+                      <a:solidFill>
+                        <a:srgbClr val="000000"/>
+                      </a:solidFill>
+                      <a:prstDash val="solid"/>
+                      <a:round/>
+                      <a:headEnd type="none" w="med" len="med"/>
+                      <a:tailEnd type="none" w="med" len="med"/>
+                    </a:lnB>
+                  </a:tcPr>
+                </a:tc>
+                <a:tc>
+                  <a:txBody>
+                    <a:bodyPr/>
+                    <a:lstStyle/>
+                    <a:p>
+                      <a:pPr algn="ctr" rtl="0" fontAlgn="t">
+                        <a:spcBef>
+                          <a:spcPts val="1200"/>
+                        </a:spcBef>
+                        <a:spcAft>
+                          <a:spcPts val="1200"/>
+                        </a:spcAft>
+                      </a:pPr>
+                      <a:r>
+                        <a:rPr lang="en-US" sz="800" b="0" i="0" u="none" strike="noStrike">
+                          <a:solidFill>
+                            <a:srgbClr val="000000"/>
+                          </a:solidFill>
+                          <a:effectLst/>
+                          <a:latin typeface="Arial" panose="020B0604020202020204" pitchFamily="34" charset="0"/>
+                        </a:rPr>
+                        <a:t>Release 2</a:t>
+                      </a:r>
+                      <a:endParaRPr lang="en-US" sz="800">
+                        <a:effectLst/>
+                      </a:endParaRPr>
+                    </a:p>
+                  </a:txBody>
+                  <a:tcPr marL="29617" marR="29617" marT="18543" marB="18543">
+                    <a:lnL w="9525" cap="flat" cmpd="sng" algn="ctr">
+                      <a:solidFill>
+                        <a:srgbClr val="000000"/>
+                      </a:solidFill>
+                      <a:prstDash val="solid"/>
+                      <a:round/>
+                      <a:headEnd type="none" w="med" len="med"/>
+                      <a:tailEnd type="none" w="med" len="med"/>
+                    </a:lnL>
+                    <a:lnR w="9525" cap="flat" cmpd="sng" algn="ctr">
+                      <a:solidFill>
+                        <a:srgbClr val="000000"/>
+                      </a:solidFill>
+                      <a:prstDash val="solid"/>
+                      <a:round/>
+                      <a:headEnd type="none" w="med" len="med"/>
+                      <a:tailEnd type="none" w="med" len="med"/>
+                    </a:lnR>
+                    <a:lnT w="9525" cap="flat" cmpd="sng" algn="ctr">
+                      <a:solidFill>
+                        <a:srgbClr val="000000"/>
+                      </a:solidFill>
+                      <a:prstDash val="solid"/>
+                      <a:round/>
+                      <a:headEnd type="none" w="med" len="med"/>
+                      <a:tailEnd type="none" w="med" len="med"/>
+                    </a:lnT>
+                    <a:lnB w="9525" cap="flat" cmpd="sng" algn="ctr">
+                      <a:solidFill>
+                        <a:srgbClr val="000000"/>
+                      </a:solidFill>
+                      <a:prstDash val="solid"/>
+                      <a:round/>
+                      <a:headEnd type="none" w="med" len="med"/>
+                      <a:tailEnd type="none" w="med" len="med"/>
+                    </a:lnB>
+                  </a:tcPr>
+                </a:tc>
+                <a:extLst>
+                  <a:ext uri="{0D108BD9-81ED-4DB2-BD59-A6C34878D82A}">
+                    <a16:rowId xmlns:a16="http://schemas.microsoft.com/office/drawing/2014/main" val="3450116213"/>
+                  </a:ext>
+                </a:extLst>
+              </a:tr>
+              <a:tr h="469747">
+                <a:tc>
+                  <a:txBody>
+                    <a:bodyPr/>
+                    <a:lstStyle/>
+                    <a:p>
+                      <a:pPr algn="ctr" rtl="0" fontAlgn="t">
+                        <a:spcBef>
+                          <a:spcPts val="0"/>
+                        </a:spcBef>
+                        <a:spcAft>
+                          <a:spcPts val="600"/>
+                        </a:spcAft>
+                      </a:pPr>
+                      <a:r>
+                        <a:rPr lang="en-US" sz="800" b="0" i="0" u="none" strike="noStrike">
+                          <a:solidFill>
+                            <a:srgbClr val="000000"/>
+                          </a:solidFill>
+                          <a:effectLst/>
+                          <a:latin typeface="Arial" panose="020B0604020202020204" pitchFamily="34" charset="0"/>
+                        </a:rPr>
+                        <a:t>Bonus System</a:t>
+                      </a:r>
+                      <a:endParaRPr lang="en-US" sz="800">
+                        <a:effectLst/>
+                      </a:endParaRPr>
+                    </a:p>
+                  </a:txBody>
+                  <a:tcPr marL="29617" marR="29617" marT="18543" marB="18543">
+                    <a:lnL w="9525" cap="flat" cmpd="sng" algn="ctr">
+                      <a:solidFill>
+                        <a:srgbClr val="000000"/>
+                      </a:solidFill>
+                      <a:prstDash val="solid"/>
+                      <a:round/>
+                      <a:headEnd type="none" w="med" len="med"/>
+                      <a:tailEnd type="none" w="med" len="med"/>
+                    </a:lnL>
+                    <a:lnR w="9525" cap="flat" cmpd="sng" algn="ctr">
+                      <a:solidFill>
+                        <a:srgbClr val="000000"/>
+                      </a:solidFill>
+                      <a:prstDash val="solid"/>
+                      <a:round/>
+                      <a:headEnd type="none" w="med" len="med"/>
+                      <a:tailEnd type="none" w="med" len="med"/>
+                    </a:lnR>
+                    <a:lnT w="9525" cap="flat" cmpd="sng" algn="ctr">
+                      <a:solidFill>
+                        <a:srgbClr val="000000"/>
+                      </a:solidFill>
+                      <a:prstDash val="solid"/>
+                      <a:round/>
+                      <a:headEnd type="none" w="med" len="med"/>
+                      <a:tailEnd type="none" w="med" len="med"/>
+                    </a:lnT>
+                    <a:lnB w="9525" cap="flat" cmpd="sng" algn="ctr">
+                      <a:solidFill>
+                        <a:srgbClr val="000000"/>
+                      </a:solidFill>
+                      <a:prstDash val="solid"/>
+                      <a:round/>
+                      <a:headEnd type="none" w="med" len="med"/>
+                      <a:tailEnd type="none" w="med" len="med"/>
+                    </a:lnB>
+                  </a:tcPr>
+                </a:tc>
+                <a:tc>
+                  <a:txBody>
+                    <a:bodyPr/>
+                    <a:lstStyle/>
+                    <a:p>
+                      <a:pPr algn="ctr" rtl="0" fontAlgn="t">
+                        <a:spcBef>
+                          <a:spcPts val="0"/>
+                        </a:spcBef>
+                        <a:spcAft>
+                          <a:spcPts val="600"/>
+                        </a:spcAft>
+                      </a:pPr>
+                      <a:r>
+                        <a:rPr lang="en-US" sz="800" b="0" i="0" u="none" strike="noStrike">
+                          <a:solidFill>
+                            <a:srgbClr val="000000"/>
+                          </a:solidFill>
+                          <a:effectLst/>
+                          <a:latin typeface="Arial" panose="020B0604020202020204" pitchFamily="34" charset="0"/>
+                        </a:rPr>
+                        <a:t>Low</a:t>
+                      </a:r>
+                      <a:endParaRPr lang="en-US" sz="800">
+                        <a:effectLst/>
+                      </a:endParaRPr>
+                    </a:p>
+                  </a:txBody>
+                  <a:tcPr marL="29617" marR="29617" marT="18543" marB="18543">
+                    <a:lnL w="9525" cap="flat" cmpd="sng" algn="ctr">
+                      <a:solidFill>
+                        <a:srgbClr val="000000"/>
+                      </a:solidFill>
+                      <a:prstDash val="solid"/>
+                      <a:round/>
+                      <a:headEnd type="none" w="med" len="med"/>
+                      <a:tailEnd type="none" w="med" len="med"/>
+                    </a:lnL>
+                    <a:lnR w="9525" cap="flat" cmpd="sng" algn="ctr">
+                      <a:solidFill>
+                        <a:srgbClr val="000000"/>
+                      </a:solidFill>
+                      <a:prstDash val="solid"/>
+                      <a:round/>
+                      <a:headEnd type="none" w="med" len="med"/>
+                      <a:tailEnd type="none" w="med" len="med"/>
+                    </a:lnR>
+                    <a:lnT w="9525" cap="flat" cmpd="sng" algn="ctr">
+                      <a:solidFill>
+                        <a:srgbClr val="000000"/>
+                      </a:solidFill>
+                      <a:prstDash val="solid"/>
+                      <a:round/>
+                      <a:headEnd type="none" w="med" len="med"/>
+                      <a:tailEnd type="none" w="med" len="med"/>
+                    </a:lnT>
+                    <a:lnB w="9525" cap="flat" cmpd="sng" algn="ctr">
+                      <a:solidFill>
+                        <a:srgbClr val="000000"/>
+                      </a:solidFill>
+                      <a:prstDash val="solid"/>
+                      <a:round/>
+                      <a:headEnd type="none" w="med" len="med"/>
+                      <a:tailEnd type="none" w="med" len="med"/>
+                    </a:lnB>
+                  </a:tcPr>
+                </a:tc>
+                <a:tc>
+                  <a:txBody>
+                    <a:bodyPr/>
+                    <a:lstStyle/>
+                    <a:p>
+                      <a:pPr algn="ctr" rtl="0" fontAlgn="t">
+                        <a:spcBef>
+                          <a:spcPts val="0"/>
+                        </a:spcBef>
+                        <a:spcAft>
+                          <a:spcPts val="600"/>
+                        </a:spcAft>
+                      </a:pPr>
+                      <a:r>
+                        <a:rPr lang="en-US" sz="800" b="0" i="0" u="none" strike="noStrike">
+                          <a:solidFill>
+                            <a:srgbClr val="000000"/>
+                          </a:solidFill>
+                          <a:effectLst/>
+                          <a:latin typeface="Arial" panose="020B0604020202020204" pitchFamily="34" charset="0"/>
+                        </a:rPr>
+                        <a:t>Give out a specific amount of money to influencers based on certain criteria</a:t>
+                      </a:r>
+                      <a:endParaRPr lang="en-US" sz="800">
+                        <a:effectLst/>
+                      </a:endParaRPr>
+                    </a:p>
+                  </a:txBody>
+                  <a:tcPr marL="29617" marR="29617" marT="18543" marB="18543">
+                    <a:lnL w="9525" cap="flat" cmpd="sng" algn="ctr">
+                      <a:solidFill>
+                        <a:srgbClr val="000000"/>
+                      </a:solidFill>
+                      <a:prstDash val="solid"/>
+                      <a:round/>
+                      <a:headEnd type="none" w="med" len="med"/>
+                      <a:tailEnd type="none" w="med" len="med"/>
+                    </a:lnL>
+                    <a:lnR w="9525" cap="flat" cmpd="sng" algn="ctr">
+                      <a:solidFill>
+                        <a:srgbClr val="000000"/>
+                      </a:solidFill>
+                      <a:prstDash val="solid"/>
+                      <a:round/>
+                      <a:headEnd type="none" w="med" len="med"/>
+                      <a:tailEnd type="none" w="med" len="med"/>
+                    </a:lnR>
+                    <a:lnT w="9525" cap="flat" cmpd="sng" algn="ctr">
+                      <a:solidFill>
+                        <a:srgbClr val="000000"/>
+                      </a:solidFill>
+                      <a:prstDash val="solid"/>
+                      <a:round/>
+                      <a:headEnd type="none" w="med" len="med"/>
+                      <a:tailEnd type="none" w="med" len="med"/>
+                    </a:lnT>
+                    <a:lnB w="9525" cap="flat" cmpd="sng" algn="ctr">
+                      <a:solidFill>
+                        <a:srgbClr val="000000"/>
+                      </a:solidFill>
+                      <a:prstDash val="solid"/>
+                      <a:round/>
+                      <a:headEnd type="none" w="med" len="med"/>
+                      <a:tailEnd type="none" w="med" len="med"/>
+                    </a:lnB>
+                  </a:tcPr>
+                </a:tc>
+                <a:tc>
+                  <a:txBody>
+                    <a:bodyPr/>
+                    <a:lstStyle/>
+                    <a:p>
+                      <a:pPr algn="ctr" rtl="0" fontAlgn="t">
+                        <a:spcBef>
+                          <a:spcPts val="1200"/>
+                        </a:spcBef>
+                        <a:spcAft>
+                          <a:spcPts val="1200"/>
+                        </a:spcAft>
+                      </a:pPr>
+                      <a:r>
+                        <a:rPr lang="en-US" sz="800" b="0" i="0" u="none" strike="noStrike">
+                          <a:solidFill>
+                            <a:srgbClr val="000000"/>
+                          </a:solidFill>
+                          <a:effectLst/>
+                          <a:latin typeface="Arial" panose="020B0604020202020204" pitchFamily="34" charset="0"/>
+                        </a:rPr>
+                        <a:t>Release 2</a:t>
+                      </a:r>
+                      <a:endParaRPr lang="en-US" sz="800">
+                        <a:effectLst/>
+                      </a:endParaRPr>
+                    </a:p>
+                  </a:txBody>
+                  <a:tcPr marL="29617" marR="29617" marT="18543" marB="18543">
+                    <a:lnL w="9525" cap="flat" cmpd="sng" algn="ctr">
+                      <a:solidFill>
+                        <a:srgbClr val="000000"/>
+                      </a:solidFill>
+                      <a:prstDash val="solid"/>
+                      <a:round/>
+                      <a:headEnd type="none" w="med" len="med"/>
+                      <a:tailEnd type="none" w="med" len="med"/>
+                    </a:lnL>
+                    <a:lnR w="9525" cap="flat" cmpd="sng" algn="ctr">
+                      <a:solidFill>
+                        <a:srgbClr val="000000"/>
+                      </a:solidFill>
+                      <a:prstDash val="solid"/>
+                      <a:round/>
+                      <a:headEnd type="none" w="med" len="med"/>
+                      <a:tailEnd type="none" w="med" len="med"/>
+                    </a:lnR>
+                    <a:lnT w="9525" cap="flat" cmpd="sng" algn="ctr">
+                      <a:solidFill>
+                        <a:srgbClr val="000000"/>
+                      </a:solidFill>
+                      <a:prstDash val="solid"/>
+                      <a:round/>
+                      <a:headEnd type="none" w="med" len="med"/>
+                      <a:tailEnd type="none" w="med" len="med"/>
+                    </a:lnT>
+                    <a:lnB w="9525" cap="flat" cmpd="sng" algn="ctr">
+                      <a:solidFill>
+                        <a:srgbClr val="000000"/>
+                      </a:solidFill>
+                      <a:prstDash val="solid"/>
+                      <a:round/>
+                      <a:headEnd type="none" w="med" len="med"/>
+                      <a:tailEnd type="none" w="med" len="med"/>
+                    </a:lnB>
+                  </a:tcPr>
+                </a:tc>
+                <a:extLst>
+                  <a:ext uri="{0D108BD9-81ED-4DB2-BD59-A6C34878D82A}">
+                    <a16:rowId xmlns:a16="http://schemas.microsoft.com/office/drawing/2014/main" val="3676886734"/>
+                  </a:ext>
+                </a:extLst>
+              </a:tr>
+              <a:tr h="315225">
+                <a:tc>
+                  <a:txBody>
+                    <a:bodyPr/>
+                    <a:lstStyle/>
+                    <a:p>
+                      <a:pPr algn="ctr" rtl="0" fontAlgn="t">
+                        <a:spcBef>
+                          <a:spcPts val="0"/>
+                        </a:spcBef>
+                        <a:spcAft>
+                          <a:spcPts val="600"/>
+                        </a:spcAft>
+                      </a:pPr>
+                      <a:r>
+                        <a:rPr lang="en-US" sz="800" b="0" i="0" u="none" strike="noStrike">
+                          <a:solidFill>
+                            <a:srgbClr val="000000"/>
+                          </a:solidFill>
+                          <a:effectLst/>
+                          <a:latin typeface="Arial" panose="020B0604020202020204" pitchFamily="34" charset="0"/>
+                        </a:rPr>
+                        <a:t>Report misuse </a:t>
+                      </a:r>
+                      <a:endParaRPr lang="en-US" sz="800">
+                        <a:effectLst/>
+                      </a:endParaRPr>
+                    </a:p>
+                  </a:txBody>
+                  <a:tcPr marL="29617" marR="29617" marT="18543" marB="18543">
+                    <a:lnL w="9525" cap="flat" cmpd="sng" algn="ctr">
+                      <a:solidFill>
+                        <a:srgbClr val="000000"/>
+                      </a:solidFill>
+                      <a:prstDash val="solid"/>
+                      <a:round/>
+                      <a:headEnd type="none" w="med" len="med"/>
+                      <a:tailEnd type="none" w="med" len="med"/>
+                    </a:lnL>
+                    <a:lnR w="9525" cap="flat" cmpd="sng" algn="ctr">
+                      <a:solidFill>
+                        <a:srgbClr val="000000"/>
+                      </a:solidFill>
+                      <a:prstDash val="solid"/>
+                      <a:round/>
+                      <a:headEnd type="none" w="med" len="med"/>
+                      <a:tailEnd type="none" w="med" len="med"/>
+                    </a:lnR>
+                    <a:lnT w="9525" cap="flat" cmpd="sng" algn="ctr">
+                      <a:solidFill>
+                        <a:srgbClr val="000000"/>
+                      </a:solidFill>
+                      <a:prstDash val="solid"/>
+                      <a:round/>
+                      <a:headEnd type="none" w="med" len="med"/>
+                      <a:tailEnd type="none" w="med" len="med"/>
+                    </a:lnT>
+                    <a:lnB w="9525" cap="flat" cmpd="sng" algn="ctr">
+                      <a:solidFill>
+                        <a:srgbClr val="000000"/>
+                      </a:solidFill>
+                      <a:prstDash val="solid"/>
+                      <a:round/>
+                      <a:headEnd type="none" w="med" len="med"/>
+                      <a:tailEnd type="none" w="med" len="med"/>
+                    </a:lnB>
+                  </a:tcPr>
+                </a:tc>
+                <a:tc>
+                  <a:txBody>
+                    <a:bodyPr/>
+                    <a:lstStyle/>
+                    <a:p>
+                      <a:pPr algn="ctr" rtl="0" fontAlgn="t">
+                        <a:spcBef>
+                          <a:spcPts val="0"/>
+                        </a:spcBef>
+                        <a:spcAft>
+                          <a:spcPts val="600"/>
+                        </a:spcAft>
+                      </a:pPr>
+                      <a:r>
+                        <a:rPr lang="en-US" sz="800" b="0" i="0" u="none" strike="noStrike">
+                          <a:solidFill>
+                            <a:srgbClr val="000000"/>
+                          </a:solidFill>
+                          <a:effectLst/>
+                          <a:latin typeface="Arial" panose="020B0604020202020204" pitchFamily="34" charset="0"/>
+                        </a:rPr>
+                        <a:t>Medium</a:t>
+                      </a:r>
+                      <a:endParaRPr lang="en-US" sz="800">
+                        <a:effectLst/>
+                      </a:endParaRPr>
+                    </a:p>
+                  </a:txBody>
+                  <a:tcPr marL="29617" marR="29617" marT="18543" marB="18543">
+                    <a:lnL w="9525" cap="flat" cmpd="sng" algn="ctr">
+                      <a:solidFill>
+                        <a:srgbClr val="000000"/>
+                      </a:solidFill>
+                      <a:prstDash val="solid"/>
+                      <a:round/>
+                      <a:headEnd type="none" w="med" len="med"/>
+                      <a:tailEnd type="none" w="med" len="med"/>
+                    </a:lnL>
+                    <a:lnR w="9525" cap="flat" cmpd="sng" algn="ctr">
+                      <a:solidFill>
+                        <a:srgbClr val="000000"/>
+                      </a:solidFill>
+                      <a:prstDash val="solid"/>
+                      <a:round/>
+                      <a:headEnd type="none" w="med" len="med"/>
+                      <a:tailEnd type="none" w="med" len="med"/>
+                    </a:lnR>
+                    <a:lnT w="9525" cap="flat" cmpd="sng" algn="ctr">
+                      <a:solidFill>
+                        <a:srgbClr val="000000"/>
+                      </a:solidFill>
+                      <a:prstDash val="solid"/>
+                      <a:round/>
+                      <a:headEnd type="none" w="med" len="med"/>
+                      <a:tailEnd type="none" w="med" len="med"/>
+                    </a:lnT>
+                    <a:lnB w="9525" cap="flat" cmpd="sng" algn="ctr">
+                      <a:solidFill>
+                        <a:srgbClr val="000000"/>
+                      </a:solidFill>
+                      <a:prstDash val="solid"/>
+                      <a:round/>
+                      <a:headEnd type="none" w="med" len="med"/>
+                      <a:tailEnd type="none" w="med" len="med"/>
+                    </a:lnB>
+                  </a:tcPr>
+                </a:tc>
+                <a:tc>
+                  <a:txBody>
+                    <a:bodyPr/>
+                    <a:lstStyle/>
+                    <a:p>
+                      <a:pPr algn="ctr" rtl="0" fontAlgn="t">
+                        <a:spcBef>
+                          <a:spcPts val="0"/>
+                        </a:spcBef>
+                        <a:spcAft>
+                          <a:spcPts val="600"/>
+                        </a:spcAft>
+                      </a:pPr>
+                      <a:r>
+                        <a:rPr lang="en-US" sz="800" b="0" i="0" u="none" strike="noStrike">
+                          <a:solidFill>
+                            <a:srgbClr val="000000"/>
+                          </a:solidFill>
+                          <a:effectLst/>
+                          <a:latin typeface="Arial" panose="020B0604020202020204" pitchFamily="34" charset="0"/>
+                        </a:rPr>
+                        <a:t>User Reports misuse </a:t>
+                      </a:r>
+                      <a:endParaRPr lang="en-US" sz="800">
+                        <a:effectLst/>
+                      </a:endParaRPr>
+                    </a:p>
+                    <a:p>
+                      <a:pPr algn="ctr" rtl="0" fontAlgn="t">
+                        <a:spcBef>
+                          <a:spcPts val="0"/>
+                        </a:spcBef>
+                        <a:spcAft>
+                          <a:spcPts val="600"/>
+                        </a:spcAft>
+                      </a:pPr>
+                      <a:r>
+                        <a:rPr lang="en-US" sz="800" b="0" i="0" u="none" strike="noStrike">
+                          <a:solidFill>
+                            <a:srgbClr val="000000"/>
+                          </a:solidFill>
+                          <a:effectLst/>
+                          <a:latin typeface="Arial" panose="020B0604020202020204" pitchFamily="34" charset="0"/>
+                        </a:rPr>
+                        <a:t>Admin Replies complaints</a:t>
+                      </a:r>
+                      <a:endParaRPr lang="en-US" sz="800">
+                        <a:effectLst/>
+                      </a:endParaRPr>
+                    </a:p>
+                  </a:txBody>
+                  <a:tcPr marL="29617" marR="29617" marT="18543" marB="18543">
+                    <a:lnL w="9525" cap="flat" cmpd="sng" algn="ctr">
+                      <a:solidFill>
+                        <a:srgbClr val="000000"/>
+                      </a:solidFill>
+                      <a:prstDash val="solid"/>
+                      <a:round/>
+                      <a:headEnd type="none" w="med" len="med"/>
+                      <a:tailEnd type="none" w="med" len="med"/>
+                    </a:lnL>
+                    <a:lnR w="9525" cap="flat" cmpd="sng" algn="ctr">
+                      <a:solidFill>
+                        <a:srgbClr val="000000"/>
+                      </a:solidFill>
+                      <a:prstDash val="solid"/>
+                      <a:round/>
+                      <a:headEnd type="none" w="med" len="med"/>
+                      <a:tailEnd type="none" w="med" len="med"/>
+                    </a:lnR>
+                    <a:lnT w="9525" cap="flat" cmpd="sng" algn="ctr">
+                      <a:solidFill>
+                        <a:srgbClr val="000000"/>
+                      </a:solidFill>
+                      <a:prstDash val="solid"/>
+                      <a:round/>
+                      <a:headEnd type="none" w="med" len="med"/>
+                      <a:tailEnd type="none" w="med" len="med"/>
+                    </a:lnT>
+                    <a:lnB w="9525" cap="flat" cmpd="sng" algn="ctr">
+                      <a:solidFill>
+                        <a:srgbClr val="000000"/>
+                      </a:solidFill>
+                      <a:prstDash val="solid"/>
+                      <a:round/>
+                      <a:headEnd type="none" w="med" len="med"/>
+                      <a:tailEnd type="none" w="med" len="med"/>
+                    </a:lnB>
+                  </a:tcPr>
+                </a:tc>
+                <a:tc>
+                  <a:txBody>
+                    <a:bodyPr/>
+                    <a:lstStyle/>
+                    <a:p>
+                      <a:pPr algn="ctr" rtl="0" fontAlgn="t">
+                        <a:spcBef>
+                          <a:spcPts val="1200"/>
+                        </a:spcBef>
+                        <a:spcAft>
+                          <a:spcPts val="1200"/>
+                        </a:spcAft>
+                      </a:pPr>
+                      <a:r>
+                        <a:rPr lang="en-US" sz="800" b="0" i="0" u="none" strike="noStrike" dirty="0">
+                          <a:solidFill>
+                            <a:srgbClr val="000000"/>
+                          </a:solidFill>
+                          <a:effectLst/>
+                          <a:latin typeface="Arial" panose="020B0604020202020204" pitchFamily="34" charset="0"/>
+                        </a:rPr>
+                        <a:t>Release 2</a:t>
+                      </a:r>
+                      <a:endParaRPr lang="en-US" sz="800" dirty="0">
+                        <a:effectLst/>
+                      </a:endParaRPr>
+                    </a:p>
+                  </a:txBody>
+                  <a:tcPr marL="29617" marR="29617" marT="18543" marB="18543">
+                    <a:lnL w="9525" cap="flat" cmpd="sng" algn="ctr">
+                      <a:solidFill>
+                        <a:srgbClr val="000000"/>
+                      </a:solidFill>
+                      <a:prstDash val="solid"/>
+                      <a:round/>
+                      <a:headEnd type="none" w="med" len="med"/>
+                      <a:tailEnd type="none" w="med" len="med"/>
+                    </a:lnL>
+                    <a:lnR w="9525" cap="flat" cmpd="sng" algn="ctr">
+                      <a:solidFill>
+                        <a:srgbClr val="000000"/>
+                      </a:solidFill>
+                      <a:prstDash val="solid"/>
+                      <a:round/>
+                      <a:headEnd type="none" w="med" len="med"/>
+                      <a:tailEnd type="none" w="med" len="med"/>
+                    </a:lnR>
+                    <a:lnT w="9525" cap="flat" cmpd="sng" algn="ctr">
+                      <a:solidFill>
+                        <a:srgbClr val="000000"/>
+                      </a:solidFill>
+                      <a:prstDash val="solid"/>
+                      <a:round/>
+                      <a:headEnd type="none" w="med" len="med"/>
+                      <a:tailEnd type="none" w="med" len="med"/>
+                    </a:lnT>
+                    <a:lnB w="9525" cap="flat" cmpd="sng" algn="ctr">
+                      <a:solidFill>
+                        <a:srgbClr val="000000"/>
+                      </a:solidFill>
+                      <a:prstDash val="solid"/>
+                      <a:round/>
+                      <a:headEnd type="none" w="med" len="med"/>
+                      <a:tailEnd type="none" w="med" len="med"/>
+                    </a:lnB>
+                  </a:tcPr>
+                </a:tc>
+                <a:extLst>
+                  <a:ext uri="{0D108BD9-81ED-4DB2-BD59-A6C34878D82A}">
+                    <a16:rowId xmlns:a16="http://schemas.microsoft.com/office/drawing/2014/main" val="3241186923"/>
+                  </a:ext>
+                </a:extLst>
+              </a:tr>
+            </a:tbl>
+          </a:graphicData>
+        </a:graphic>
+      </p:graphicFrame>
+      <p:sp>
+        <p:nvSpPr>
+          <p:cNvPr id="5" name="Rectangle 1">
+            <a:extLst>
+              <a:ext uri="{FF2B5EF4-FFF2-40B4-BE49-F238E27FC236}">
+                <a16:creationId xmlns:a16="http://schemas.microsoft.com/office/drawing/2014/main" id="{51074299-C942-4CE4-8E12-50A8E96E5940}"/>
+              </a:ext>
+            </a:extLst>
+          </p:cNvPr>
+          <p:cNvSpPr>
+            <a:spLocks noChangeArrowheads="1"/>
+          </p:cNvSpPr>
+          <p:nvPr/>
+        </p:nvSpPr>
+        <p:spPr bwMode="auto">
+          <a:xfrm>
+            <a:off x="-22064861" y="0"/>
+            <a:ext cx="57601760" cy="457200"/>
+          </a:xfrm>
+          <a:prstGeom prst="rect">
+            <a:avLst/>
+          </a:prstGeom>
+          <a:noFill/>
+          <a:ln>
+            <a:noFill/>
+          </a:ln>
+          <a:effectLst/>
+          <a:extLst>
+            <a:ext uri="{909E8E84-426E-40DD-AFC4-6F175D3DCCD1}">
+              <a14:hiddenFill xmlns:a14="http://schemas.microsoft.com/office/drawing/2010/main">
+                <a:solidFill>
+                  <a:schemeClr val="accent1"/>
+                </a:solidFill>
+              </a14:hiddenFill>
+            </a:ext>
+            <a:ext uri="{91240B29-F687-4F45-9708-019B960494DF}">
+              <a14:hiddenLine xmlns:a14="http://schemas.microsoft.com/office/drawing/2010/main" w="9525">
+                <a:solidFill>
+                  <a:schemeClr val="tx1"/>
+                </a:solidFill>
+                <a:miter lim="800000"/>
+                <a:headEnd/>
+                <a:tailEnd/>
+              </a14:hiddenLine>
+            </a:ext>
+            <a:ext uri="{AF507438-7753-43E0-B8FC-AC1667EBCBE1}">
+              <a14:hiddenEffects xmlns:a14="http://schemas.microsoft.com/office/drawing/2010/main">
+                <a:effectLst>
+                  <a:outerShdw dist="35921" dir="2700000" algn="ctr" rotWithShape="0">
+                    <a:schemeClr val="bg2"/>
+                  </a:outerShdw>
+                </a:effectLst>
+              </a14:hiddenEffects>
+            </a:ext>
+          </a:extLst>
+        </p:spPr>
+        <p:txBody>
+          <a:bodyPr vert="horz" wrap="square" lIns="91440" tIns="45720" rIns="91440" bIns="45720" numCol="1" anchor="ctr" anchorCtr="0" compatLnSpc="1">
+            <a:prstTxWarp prst="textNoShape">
+              <a:avLst/>
+            </a:prstTxWarp>
+            <a:spAutoFit/>
+          </a:bodyPr>
+          <a:lstStyle/>
+          <a:p>
+            <a:endParaRPr lang="en-US"/>
+          </a:p>
+        </p:txBody>
+      </p:sp>
+    </p:spTree>
+    <p:extLst>
+      <p:ext uri="{BB962C8B-B14F-4D97-AF65-F5344CB8AC3E}">
+        <p14:creationId xmlns:p14="http://schemas.microsoft.com/office/powerpoint/2010/main" val="4031019837"/>
+      </p:ext>
+    </p:extLst>
+  </p:cSld>
+  <p:clrMapOvr>
+    <a:masterClrMapping/>
+  </p:clrMapOvr>
+</p:sld>
+</file>
+
+<file path=ppt/slides/slide6.xml><?xml version="1.0" encoding="utf-8"?>
+<p:sld xmlns:a="http://schemas.openxmlformats.org/drawingml/2006/main" xmlns:r="http://schemas.openxmlformats.org/officeDocument/2006/relationships" xmlns:p="http://schemas.openxmlformats.org/presentationml/2006/main">
+  <p:cSld>
+    <p:spTree>
+      <p:nvGrpSpPr>
+        <p:cNvPr id="1" name=""/>
+        <p:cNvGrpSpPr/>
+        <p:nvPr/>
+      </p:nvGrpSpPr>
+      <p:grpSpPr>
+        <a:xfrm>
+          <a:off x="0" y="0"/>
+          <a:ext cx="0" cy="0"/>
+          <a:chOff x="0" y="0"/>
+          <a:chExt cx="0" cy="0"/>
+        </a:xfrm>
+      </p:grpSpPr>
+      <p:sp>
+        <p:nvSpPr>
+          <p:cNvPr id="2" name="Title 1">
+            <a:extLst>
+              <a:ext uri="{FF2B5EF4-FFF2-40B4-BE49-F238E27FC236}">
                 <a16:creationId xmlns:a16="http://schemas.microsoft.com/office/drawing/2014/main" id="{11C6BF83-0723-4AC2-A053-9E5CCE8ADB45}"/>
               </a:ext>
             </a:extLst>
@@ -7743,7 +11871,7 @@
 </p:sld>
 </file>
 
-<file path=ppt/slides/slide5.xml><?xml version="1.0" encoding="utf-8"?>
+<file path=ppt/slides/slide7.xml><?xml version="1.0" encoding="utf-8"?>
 <p:sld xmlns:a="http://schemas.openxmlformats.org/drawingml/2006/main" xmlns:r="http://schemas.openxmlformats.org/officeDocument/2006/relationships" xmlns:p="http://schemas.openxmlformats.org/presentationml/2006/main">
   <p:cSld>
     <p:spTree>
@@ -10014,4016 +14142,6 @@
     <p:extLst>
       <p:ext uri="{BB962C8B-B14F-4D97-AF65-F5344CB8AC3E}">
         <p14:creationId xmlns:p14="http://schemas.microsoft.com/office/powerpoint/2010/main" val="2447199186"/>
-      </p:ext>
-    </p:extLst>
-  </p:cSld>
-  <p:clrMapOvr>
-    <a:masterClrMapping/>
-  </p:clrMapOvr>
-</p:sld>
-</file>
-
-<file path=ppt/slides/slide6.xml><?xml version="1.0" encoding="utf-8"?>
-<p:sld xmlns:a="http://schemas.openxmlformats.org/drawingml/2006/main" xmlns:r="http://schemas.openxmlformats.org/officeDocument/2006/relationships" xmlns:p="http://schemas.openxmlformats.org/presentationml/2006/main">
-  <p:cSld>
-    <p:spTree>
-      <p:nvGrpSpPr>
-        <p:cNvPr id="1" name=""/>
-        <p:cNvGrpSpPr/>
-        <p:nvPr/>
-      </p:nvGrpSpPr>
-      <p:grpSpPr>
-        <a:xfrm>
-          <a:off x="0" y="0"/>
-          <a:ext cx="0" cy="0"/>
-          <a:chOff x="0" y="0"/>
-          <a:chExt cx="0" cy="0"/>
-        </a:xfrm>
-      </p:grpSpPr>
-      <p:sp>
-        <p:nvSpPr>
-          <p:cNvPr id="2" name="Title 1">
-            <a:extLst>
-              <a:ext uri="{FF2B5EF4-FFF2-40B4-BE49-F238E27FC236}">
-                <a16:creationId xmlns:a16="http://schemas.microsoft.com/office/drawing/2014/main" id="{96792EF4-C471-4759-8A80-BAB3D5328CF8}"/>
-              </a:ext>
-            </a:extLst>
-          </p:cNvPr>
-          <p:cNvSpPr>
-            <a:spLocks noGrp="1"/>
-          </p:cNvSpPr>
-          <p:nvPr>
-            <p:ph type="title"/>
-          </p:nvPr>
-        </p:nvSpPr>
-        <p:spPr/>
-        <p:txBody>
-          <a:bodyPr/>
-          <a:lstStyle/>
-          <a:p>
-            <a:r>
-              <a:rPr lang="en-US" dirty="0"/>
-              <a:t>Plan for the software releases</a:t>
-            </a:r>
-          </a:p>
-        </p:txBody>
-      </p:sp>
-      <p:graphicFrame>
-        <p:nvGraphicFramePr>
-          <p:cNvPr id="4" name="Content Placeholder 3">
-            <a:extLst>
-              <a:ext uri="{FF2B5EF4-FFF2-40B4-BE49-F238E27FC236}">
-                <a16:creationId xmlns:a16="http://schemas.microsoft.com/office/drawing/2014/main" id="{F37A617C-2154-40C2-BD4D-3C1581635F11}"/>
-              </a:ext>
-            </a:extLst>
-          </p:cNvPr>
-          <p:cNvGraphicFramePr>
-            <a:graphicFrameLocks noGrp="1"/>
-          </p:cNvGraphicFramePr>
-          <p:nvPr>
-            <p:ph idx="1"/>
-            <p:extLst>
-              <p:ext uri="{D42A27DB-BD31-4B8C-83A1-F6EECF244321}">
-                <p14:modId xmlns:p14="http://schemas.microsoft.com/office/powerpoint/2010/main" val="374326212"/>
-              </p:ext>
-            </p:extLst>
-          </p:nvPr>
-        </p:nvGraphicFramePr>
-        <p:xfrm>
-          <a:off x="2141417" y="1608481"/>
-          <a:ext cx="8088921" cy="5105814"/>
-        </p:xfrm>
-        <a:graphic>
-          <a:graphicData uri="http://schemas.openxmlformats.org/drawingml/2006/table">
-            <a:tbl>
-              <a:tblPr/>
-              <a:tblGrid>
-                <a:gridCol w="2263146">
-                  <a:extLst>
-                    <a:ext uri="{9D8B030D-6E8A-4147-A177-3AD203B41FA5}">
-                      <a16:colId xmlns:a16="http://schemas.microsoft.com/office/drawing/2014/main" val="1494273192"/>
-                    </a:ext>
-                  </a:extLst>
-                </a:gridCol>
-                <a:gridCol w="963662">
-                  <a:extLst>
-                    <a:ext uri="{9D8B030D-6E8A-4147-A177-3AD203B41FA5}">
-                      <a16:colId xmlns:a16="http://schemas.microsoft.com/office/drawing/2014/main" val="3015806665"/>
-                    </a:ext>
-                  </a:extLst>
-                </a:gridCol>
-                <a:gridCol w="1956527">
-                  <a:extLst>
-                    <a:ext uri="{9D8B030D-6E8A-4147-A177-3AD203B41FA5}">
-                      <a16:colId xmlns:a16="http://schemas.microsoft.com/office/drawing/2014/main" val="3274051043"/>
-                    </a:ext>
-                  </a:extLst>
-                </a:gridCol>
-                <a:gridCol w="2905586">
-                  <a:extLst>
-                    <a:ext uri="{9D8B030D-6E8A-4147-A177-3AD203B41FA5}">
-                      <a16:colId xmlns:a16="http://schemas.microsoft.com/office/drawing/2014/main" val="2505522465"/>
-                    </a:ext>
-                  </a:extLst>
-                </a:gridCol>
-              </a:tblGrid>
-              <a:tr h="160703">
-                <a:tc>
-                  <a:txBody>
-                    <a:bodyPr/>
-                    <a:lstStyle/>
-                    <a:p>
-                      <a:pPr algn="ctr" rtl="0" fontAlgn="t">
-                        <a:spcBef>
-                          <a:spcPts val="0"/>
-                        </a:spcBef>
-                        <a:spcAft>
-                          <a:spcPts val="600"/>
-                        </a:spcAft>
-                      </a:pPr>
-                      <a:r>
-                        <a:rPr lang="en-US" sz="800" b="1" i="0" u="none" strike="noStrike">
-                          <a:solidFill>
-                            <a:srgbClr val="000000"/>
-                          </a:solidFill>
-                          <a:effectLst/>
-                          <a:latin typeface="Arial" panose="020B0604020202020204" pitchFamily="34" charset="0"/>
-                        </a:rPr>
-                        <a:t>Need</a:t>
-                      </a:r>
-                      <a:endParaRPr lang="en-US" sz="800">
-                        <a:effectLst/>
-                      </a:endParaRPr>
-                    </a:p>
-                  </a:txBody>
-                  <a:tcPr marL="29617" marR="29617" marT="18543" marB="18543">
-                    <a:lnL w="9525" cap="flat" cmpd="sng" algn="ctr">
-                      <a:solidFill>
-                        <a:srgbClr val="000000"/>
-                      </a:solidFill>
-                      <a:prstDash val="solid"/>
-                      <a:round/>
-                      <a:headEnd type="none" w="med" len="med"/>
-                      <a:tailEnd type="none" w="med" len="med"/>
-                    </a:lnL>
-                    <a:lnR w="9525" cap="flat" cmpd="sng" algn="ctr">
-                      <a:solidFill>
-                        <a:srgbClr val="000000"/>
-                      </a:solidFill>
-                      <a:prstDash val="solid"/>
-                      <a:round/>
-                      <a:headEnd type="none" w="med" len="med"/>
-                      <a:tailEnd type="none" w="med" len="med"/>
-                    </a:lnR>
-                    <a:lnT w="9525" cap="flat" cmpd="sng" algn="ctr">
-                      <a:solidFill>
-                        <a:srgbClr val="000000"/>
-                      </a:solidFill>
-                      <a:prstDash val="solid"/>
-                      <a:round/>
-                      <a:headEnd type="none" w="med" len="med"/>
-                      <a:tailEnd type="none" w="med" len="med"/>
-                    </a:lnT>
-                    <a:lnB w="9525" cap="flat" cmpd="sng" algn="ctr">
-                      <a:solidFill>
-                        <a:srgbClr val="000000"/>
-                      </a:solidFill>
-                      <a:prstDash val="solid"/>
-                      <a:round/>
-                      <a:headEnd type="none" w="med" len="med"/>
-                      <a:tailEnd type="none" w="med" len="med"/>
-                    </a:lnB>
-                  </a:tcPr>
-                </a:tc>
-                <a:tc>
-                  <a:txBody>
-                    <a:bodyPr/>
-                    <a:lstStyle/>
-                    <a:p>
-                      <a:pPr algn="ctr" rtl="0" fontAlgn="t">
-                        <a:spcBef>
-                          <a:spcPts val="0"/>
-                        </a:spcBef>
-                        <a:spcAft>
-                          <a:spcPts val="600"/>
-                        </a:spcAft>
-                      </a:pPr>
-                      <a:r>
-                        <a:rPr lang="en-US" sz="800" b="1" i="0" u="none" strike="noStrike">
-                          <a:solidFill>
-                            <a:srgbClr val="000000"/>
-                          </a:solidFill>
-                          <a:effectLst/>
-                          <a:latin typeface="Arial" panose="020B0604020202020204" pitchFamily="34" charset="0"/>
-                        </a:rPr>
-                        <a:t>Priority</a:t>
-                      </a:r>
-                      <a:endParaRPr lang="en-US" sz="800">
-                        <a:effectLst/>
-                      </a:endParaRPr>
-                    </a:p>
-                  </a:txBody>
-                  <a:tcPr marL="29617" marR="29617" marT="18543" marB="18543">
-                    <a:lnL w="9525" cap="flat" cmpd="sng" algn="ctr">
-                      <a:solidFill>
-                        <a:srgbClr val="000000"/>
-                      </a:solidFill>
-                      <a:prstDash val="solid"/>
-                      <a:round/>
-                      <a:headEnd type="none" w="med" len="med"/>
-                      <a:tailEnd type="none" w="med" len="med"/>
-                    </a:lnL>
-                    <a:lnR w="9525" cap="flat" cmpd="sng" algn="ctr">
-                      <a:solidFill>
-                        <a:srgbClr val="000000"/>
-                      </a:solidFill>
-                      <a:prstDash val="solid"/>
-                      <a:round/>
-                      <a:headEnd type="none" w="med" len="med"/>
-                      <a:tailEnd type="none" w="med" len="med"/>
-                    </a:lnR>
-                    <a:lnT w="9525" cap="flat" cmpd="sng" algn="ctr">
-                      <a:solidFill>
-                        <a:srgbClr val="000000"/>
-                      </a:solidFill>
-                      <a:prstDash val="solid"/>
-                      <a:round/>
-                      <a:headEnd type="none" w="med" len="med"/>
-                      <a:tailEnd type="none" w="med" len="med"/>
-                    </a:lnT>
-                    <a:lnB w="9525" cap="flat" cmpd="sng" algn="ctr">
-                      <a:solidFill>
-                        <a:srgbClr val="000000"/>
-                      </a:solidFill>
-                      <a:prstDash val="solid"/>
-                      <a:round/>
-                      <a:headEnd type="none" w="med" len="med"/>
-                      <a:tailEnd type="none" w="med" len="med"/>
-                    </a:lnB>
-                  </a:tcPr>
-                </a:tc>
-                <a:tc>
-                  <a:txBody>
-                    <a:bodyPr/>
-                    <a:lstStyle/>
-                    <a:p>
-                      <a:pPr algn="ctr" rtl="0" fontAlgn="t">
-                        <a:spcBef>
-                          <a:spcPts val="0"/>
-                        </a:spcBef>
-                        <a:spcAft>
-                          <a:spcPts val="600"/>
-                        </a:spcAft>
-                      </a:pPr>
-                      <a:r>
-                        <a:rPr lang="en-US" sz="800" b="1" i="0" u="none" strike="noStrike">
-                          <a:solidFill>
-                            <a:srgbClr val="000000"/>
-                          </a:solidFill>
-                          <a:effectLst/>
-                          <a:latin typeface="Arial" panose="020B0604020202020204" pitchFamily="34" charset="0"/>
-                        </a:rPr>
-                        <a:t>Features</a:t>
-                      </a:r>
-                      <a:endParaRPr lang="en-US" sz="800">
-                        <a:effectLst/>
-                      </a:endParaRPr>
-                    </a:p>
-                  </a:txBody>
-                  <a:tcPr marL="29617" marR="29617" marT="18543" marB="18543">
-                    <a:lnL w="9525" cap="flat" cmpd="sng" algn="ctr">
-                      <a:solidFill>
-                        <a:srgbClr val="000000"/>
-                      </a:solidFill>
-                      <a:prstDash val="solid"/>
-                      <a:round/>
-                      <a:headEnd type="none" w="med" len="med"/>
-                      <a:tailEnd type="none" w="med" len="med"/>
-                    </a:lnL>
-                    <a:lnR w="9525" cap="flat" cmpd="sng" algn="ctr">
-                      <a:solidFill>
-                        <a:srgbClr val="000000"/>
-                      </a:solidFill>
-                      <a:prstDash val="solid"/>
-                      <a:round/>
-                      <a:headEnd type="none" w="med" len="med"/>
-                      <a:tailEnd type="none" w="med" len="med"/>
-                    </a:lnR>
-                    <a:lnT w="9525" cap="flat" cmpd="sng" algn="ctr">
-                      <a:solidFill>
-                        <a:srgbClr val="000000"/>
-                      </a:solidFill>
-                      <a:prstDash val="solid"/>
-                      <a:round/>
-                      <a:headEnd type="none" w="med" len="med"/>
-                      <a:tailEnd type="none" w="med" len="med"/>
-                    </a:lnT>
-                    <a:lnB w="9525" cap="flat" cmpd="sng" algn="ctr">
-                      <a:solidFill>
-                        <a:srgbClr val="000000"/>
-                      </a:solidFill>
-                      <a:prstDash val="solid"/>
-                      <a:round/>
-                      <a:headEnd type="none" w="med" len="med"/>
-                      <a:tailEnd type="none" w="med" len="med"/>
-                    </a:lnB>
-                  </a:tcPr>
-                </a:tc>
-                <a:tc>
-                  <a:txBody>
-                    <a:bodyPr/>
-                    <a:lstStyle/>
-                    <a:p>
-                      <a:pPr algn="ctr" rtl="0" fontAlgn="t">
-                        <a:spcBef>
-                          <a:spcPts val="0"/>
-                        </a:spcBef>
-                        <a:spcAft>
-                          <a:spcPts val="600"/>
-                        </a:spcAft>
-                      </a:pPr>
-                      <a:r>
-                        <a:rPr lang="en-US" sz="800" b="1" i="0" u="none" strike="noStrike">
-                          <a:solidFill>
-                            <a:srgbClr val="000000"/>
-                          </a:solidFill>
-                          <a:effectLst/>
-                          <a:latin typeface="Arial" panose="020B0604020202020204" pitchFamily="34" charset="0"/>
-                        </a:rPr>
-                        <a:t>Planned Release</a:t>
-                      </a:r>
-                      <a:endParaRPr lang="en-US" sz="800">
-                        <a:effectLst/>
-                      </a:endParaRPr>
-                    </a:p>
-                  </a:txBody>
-                  <a:tcPr marL="29617" marR="29617" marT="18543" marB="18543">
-                    <a:lnL w="9525" cap="flat" cmpd="sng" algn="ctr">
-                      <a:solidFill>
-                        <a:srgbClr val="000000"/>
-                      </a:solidFill>
-                      <a:prstDash val="solid"/>
-                      <a:round/>
-                      <a:headEnd type="none" w="med" len="med"/>
-                      <a:tailEnd type="none" w="med" len="med"/>
-                    </a:lnL>
-                    <a:lnR w="9525" cap="flat" cmpd="sng" algn="ctr">
-                      <a:solidFill>
-                        <a:srgbClr val="000000"/>
-                      </a:solidFill>
-                      <a:prstDash val="solid"/>
-                      <a:round/>
-                      <a:headEnd type="none" w="med" len="med"/>
-                      <a:tailEnd type="none" w="med" len="med"/>
-                    </a:lnR>
-                    <a:lnT w="9525" cap="flat" cmpd="sng" algn="ctr">
-                      <a:solidFill>
-                        <a:srgbClr val="000000"/>
-                      </a:solidFill>
-                      <a:prstDash val="solid"/>
-                      <a:round/>
-                      <a:headEnd type="none" w="med" len="med"/>
-                      <a:tailEnd type="none" w="med" len="med"/>
-                    </a:lnT>
-                    <a:lnB w="9525" cap="flat" cmpd="sng" algn="ctr">
-                      <a:solidFill>
-                        <a:srgbClr val="000000"/>
-                      </a:solidFill>
-                      <a:prstDash val="solid"/>
-                      <a:round/>
-                      <a:headEnd type="none" w="med" len="med"/>
-                      <a:tailEnd type="none" w="med" len="med"/>
-                    </a:lnB>
-                  </a:tcPr>
-                </a:tc>
-                <a:extLst>
-                  <a:ext uri="{0D108BD9-81ED-4DB2-BD59-A6C34878D82A}">
-                    <a16:rowId xmlns:a16="http://schemas.microsoft.com/office/drawing/2014/main" val="1131871328"/>
-                  </a:ext>
-                </a:extLst>
-              </a:tr>
-              <a:tr h="222512">
-                <a:tc>
-                  <a:txBody>
-                    <a:bodyPr/>
-                    <a:lstStyle/>
-                    <a:p>
-                      <a:pPr algn="ctr" rtl="0" fontAlgn="t">
-                        <a:spcBef>
-                          <a:spcPts val="0"/>
-                        </a:spcBef>
-                        <a:spcAft>
-                          <a:spcPts val="600"/>
-                        </a:spcAft>
-                      </a:pPr>
-                      <a:r>
-                        <a:rPr lang="en-US" sz="800" b="0" i="0" u="none" strike="noStrike">
-                          <a:solidFill>
-                            <a:srgbClr val="000000"/>
-                          </a:solidFill>
-                          <a:effectLst/>
-                          <a:latin typeface="Arial" panose="020B0604020202020204" pitchFamily="34" charset="0"/>
-                        </a:rPr>
-                        <a:t>User Profile </a:t>
-                      </a:r>
-                      <a:endParaRPr lang="en-US" sz="800">
-                        <a:effectLst/>
-                      </a:endParaRPr>
-                    </a:p>
-                  </a:txBody>
-                  <a:tcPr marL="29617" marR="29617" marT="18543" marB="18543">
-                    <a:lnL w="9525" cap="flat" cmpd="sng" algn="ctr">
-                      <a:solidFill>
-                        <a:srgbClr val="000000"/>
-                      </a:solidFill>
-                      <a:prstDash val="solid"/>
-                      <a:round/>
-                      <a:headEnd type="none" w="med" len="med"/>
-                      <a:tailEnd type="none" w="med" len="med"/>
-                    </a:lnL>
-                    <a:lnR w="9525" cap="flat" cmpd="sng" algn="ctr">
-                      <a:solidFill>
-                        <a:srgbClr val="000000"/>
-                      </a:solidFill>
-                      <a:prstDash val="solid"/>
-                      <a:round/>
-                      <a:headEnd type="none" w="med" len="med"/>
-                      <a:tailEnd type="none" w="med" len="med"/>
-                    </a:lnR>
-                    <a:lnT w="9525" cap="flat" cmpd="sng" algn="ctr">
-                      <a:solidFill>
-                        <a:srgbClr val="000000"/>
-                      </a:solidFill>
-                      <a:prstDash val="solid"/>
-                      <a:round/>
-                      <a:headEnd type="none" w="med" len="med"/>
-                      <a:tailEnd type="none" w="med" len="med"/>
-                    </a:lnT>
-                    <a:lnB w="9525" cap="flat" cmpd="sng" algn="ctr">
-                      <a:solidFill>
-                        <a:srgbClr val="000000"/>
-                      </a:solidFill>
-                      <a:prstDash val="solid"/>
-                      <a:round/>
-                      <a:headEnd type="none" w="med" len="med"/>
-                      <a:tailEnd type="none" w="med" len="med"/>
-                    </a:lnB>
-                  </a:tcPr>
-                </a:tc>
-                <a:tc>
-                  <a:txBody>
-                    <a:bodyPr/>
-                    <a:lstStyle/>
-                    <a:p>
-                      <a:pPr algn="ctr" rtl="0" fontAlgn="t">
-                        <a:spcBef>
-                          <a:spcPts val="0"/>
-                        </a:spcBef>
-                        <a:spcAft>
-                          <a:spcPts val="600"/>
-                        </a:spcAft>
-                      </a:pPr>
-                      <a:br>
-                        <a:rPr lang="en-US" sz="800">
-                          <a:effectLst/>
-                        </a:rPr>
-                      </a:br>
-                      <a:r>
-                        <a:rPr lang="en-US" sz="800" b="0" i="0" u="none" strike="noStrike">
-                          <a:solidFill>
-                            <a:srgbClr val="000000"/>
-                          </a:solidFill>
-                          <a:effectLst/>
-                          <a:latin typeface="Arial" panose="020B0604020202020204" pitchFamily="34" charset="0"/>
-                        </a:rPr>
-                        <a:t>High</a:t>
-                      </a:r>
-                      <a:endParaRPr lang="en-US" sz="800">
-                        <a:effectLst/>
-                      </a:endParaRPr>
-                    </a:p>
-                  </a:txBody>
-                  <a:tcPr marL="29617" marR="29617" marT="18543" marB="18543">
-                    <a:lnL w="9525" cap="flat" cmpd="sng" algn="ctr">
-                      <a:solidFill>
-                        <a:srgbClr val="000000"/>
-                      </a:solidFill>
-                      <a:prstDash val="solid"/>
-                      <a:round/>
-                      <a:headEnd type="none" w="med" len="med"/>
-                      <a:tailEnd type="none" w="med" len="med"/>
-                    </a:lnL>
-                    <a:lnR w="9525" cap="flat" cmpd="sng" algn="ctr">
-                      <a:solidFill>
-                        <a:srgbClr val="000000"/>
-                      </a:solidFill>
-                      <a:prstDash val="solid"/>
-                      <a:round/>
-                      <a:headEnd type="none" w="med" len="med"/>
-                      <a:tailEnd type="none" w="med" len="med"/>
-                    </a:lnR>
-                    <a:lnT w="9525" cap="flat" cmpd="sng" algn="ctr">
-                      <a:solidFill>
-                        <a:srgbClr val="000000"/>
-                      </a:solidFill>
-                      <a:prstDash val="solid"/>
-                      <a:round/>
-                      <a:headEnd type="none" w="med" len="med"/>
-                      <a:tailEnd type="none" w="med" len="med"/>
-                    </a:lnT>
-                    <a:lnB w="9525" cap="flat" cmpd="sng" algn="ctr">
-                      <a:solidFill>
-                        <a:srgbClr val="000000"/>
-                      </a:solidFill>
-                      <a:prstDash val="solid"/>
-                      <a:round/>
-                      <a:headEnd type="none" w="med" len="med"/>
-                      <a:tailEnd type="none" w="med" len="med"/>
-                    </a:lnB>
-                  </a:tcPr>
-                </a:tc>
-                <a:tc>
-                  <a:txBody>
-                    <a:bodyPr/>
-                    <a:lstStyle/>
-                    <a:p>
-                      <a:pPr algn="ctr" rtl="0" fontAlgn="t">
-                        <a:spcBef>
-                          <a:spcPts val="0"/>
-                        </a:spcBef>
-                        <a:spcAft>
-                          <a:spcPts val="600"/>
-                        </a:spcAft>
-                      </a:pPr>
-                      <a:r>
-                        <a:rPr lang="en-US" sz="800" b="0" i="0" u="none" strike="noStrike">
-                          <a:solidFill>
-                            <a:srgbClr val="000000"/>
-                          </a:solidFill>
-                          <a:effectLst/>
-                          <a:latin typeface="Arial" panose="020B0604020202020204" pitchFamily="34" charset="0"/>
-                        </a:rPr>
-                        <a:t>Enter Name, Email, Avatar and Username</a:t>
-                      </a:r>
-                      <a:endParaRPr lang="en-US" sz="800">
-                        <a:effectLst/>
-                      </a:endParaRPr>
-                    </a:p>
-                  </a:txBody>
-                  <a:tcPr marL="29617" marR="29617" marT="18543" marB="18543">
-                    <a:lnL w="9525" cap="flat" cmpd="sng" algn="ctr">
-                      <a:solidFill>
-                        <a:srgbClr val="000000"/>
-                      </a:solidFill>
-                      <a:prstDash val="solid"/>
-                      <a:round/>
-                      <a:headEnd type="none" w="med" len="med"/>
-                      <a:tailEnd type="none" w="med" len="med"/>
-                    </a:lnL>
-                    <a:lnR w="9525" cap="flat" cmpd="sng" algn="ctr">
-                      <a:solidFill>
-                        <a:srgbClr val="000000"/>
-                      </a:solidFill>
-                      <a:prstDash val="solid"/>
-                      <a:round/>
-                      <a:headEnd type="none" w="med" len="med"/>
-                      <a:tailEnd type="none" w="med" len="med"/>
-                    </a:lnR>
-                    <a:lnT w="9525" cap="flat" cmpd="sng" algn="ctr">
-                      <a:solidFill>
-                        <a:srgbClr val="000000"/>
-                      </a:solidFill>
-                      <a:prstDash val="solid"/>
-                      <a:round/>
-                      <a:headEnd type="none" w="med" len="med"/>
-                      <a:tailEnd type="none" w="med" len="med"/>
-                    </a:lnT>
-                    <a:lnB w="9525" cap="flat" cmpd="sng" algn="ctr">
-                      <a:solidFill>
-                        <a:srgbClr val="000000"/>
-                      </a:solidFill>
-                      <a:prstDash val="solid"/>
-                      <a:round/>
-                      <a:headEnd type="none" w="med" len="med"/>
-                      <a:tailEnd type="none" w="med" len="med"/>
-                    </a:lnB>
-                  </a:tcPr>
-                </a:tc>
-                <a:tc>
-                  <a:txBody>
-                    <a:bodyPr/>
-                    <a:lstStyle/>
-                    <a:p>
-                      <a:pPr algn="ctr" rtl="0" fontAlgn="t">
-                        <a:spcBef>
-                          <a:spcPts val="1200"/>
-                        </a:spcBef>
-                        <a:spcAft>
-                          <a:spcPts val="1200"/>
-                        </a:spcAft>
-                      </a:pPr>
-                      <a:r>
-                        <a:rPr lang="en-US" sz="800" b="0" i="0" u="none" strike="noStrike">
-                          <a:solidFill>
-                            <a:srgbClr val="000000"/>
-                          </a:solidFill>
-                          <a:effectLst/>
-                          <a:latin typeface="Arial" panose="020B0604020202020204" pitchFamily="34" charset="0"/>
-                        </a:rPr>
-                        <a:t>Release 1</a:t>
-                      </a:r>
-                      <a:endParaRPr lang="en-US" sz="800">
-                        <a:effectLst/>
-                      </a:endParaRPr>
-                    </a:p>
-                  </a:txBody>
-                  <a:tcPr marL="29617" marR="29617" marT="18543" marB="18543">
-                    <a:lnL w="9525" cap="flat" cmpd="sng" algn="ctr">
-                      <a:solidFill>
-                        <a:srgbClr val="000000"/>
-                      </a:solidFill>
-                      <a:prstDash val="solid"/>
-                      <a:round/>
-                      <a:headEnd type="none" w="med" len="med"/>
-                      <a:tailEnd type="none" w="med" len="med"/>
-                    </a:lnL>
-                    <a:lnR w="9525" cap="flat" cmpd="sng" algn="ctr">
-                      <a:solidFill>
-                        <a:srgbClr val="000000"/>
-                      </a:solidFill>
-                      <a:prstDash val="solid"/>
-                      <a:round/>
-                      <a:headEnd type="none" w="med" len="med"/>
-                      <a:tailEnd type="none" w="med" len="med"/>
-                    </a:lnR>
-                    <a:lnT w="9525" cap="flat" cmpd="sng" algn="ctr">
-                      <a:solidFill>
-                        <a:srgbClr val="000000"/>
-                      </a:solidFill>
-                      <a:prstDash val="solid"/>
-                      <a:round/>
-                      <a:headEnd type="none" w="med" len="med"/>
-                      <a:tailEnd type="none" w="med" len="med"/>
-                    </a:lnT>
-                    <a:lnB w="9525" cap="flat" cmpd="sng" algn="ctr">
-                      <a:solidFill>
-                        <a:srgbClr val="000000"/>
-                      </a:solidFill>
-                      <a:prstDash val="solid"/>
-                      <a:round/>
-                      <a:headEnd type="none" w="med" len="med"/>
-                      <a:tailEnd type="none" w="med" len="med"/>
-                    </a:lnB>
-                  </a:tcPr>
-                </a:tc>
-                <a:extLst>
-                  <a:ext uri="{0D108BD9-81ED-4DB2-BD59-A6C34878D82A}">
-                    <a16:rowId xmlns:a16="http://schemas.microsoft.com/office/drawing/2014/main" val="2828793430"/>
-                  </a:ext>
-                </a:extLst>
-              </a:tr>
-              <a:tr h="778791">
-                <a:tc>
-                  <a:txBody>
-                    <a:bodyPr/>
-                    <a:lstStyle/>
-                    <a:p>
-                      <a:pPr algn="ctr" rtl="0" fontAlgn="t">
-                        <a:spcBef>
-                          <a:spcPts val="0"/>
-                        </a:spcBef>
-                        <a:spcAft>
-                          <a:spcPts val="600"/>
-                        </a:spcAft>
-                      </a:pPr>
-                      <a:r>
-                        <a:rPr lang="en-US" sz="800" b="0" i="0" u="none" strike="noStrike">
-                          <a:solidFill>
-                            <a:srgbClr val="000000"/>
-                          </a:solidFill>
-                          <a:effectLst/>
-                          <a:latin typeface="Arial" panose="020B0604020202020204" pitchFamily="34" charset="0"/>
-                        </a:rPr>
-                        <a:t>Recipe</a:t>
-                      </a:r>
-                      <a:endParaRPr lang="en-US" sz="800">
-                        <a:effectLst/>
-                      </a:endParaRPr>
-                    </a:p>
-                  </a:txBody>
-                  <a:tcPr marL="29617" marR="29617" marT="18543" marB="18543">
-                    <a:lnL w="9525" cap="flat" cmpd="sng" algn="ctr">
-                      <a:solidFill>
-                        <a:srgbClr val="000000"/>
-                      </a:solidFill>
-                      <a:prstDash val="solid"/>
-                      <a:round/>
-                      <a:headEnd type="none" w="med" len="med"/>
-                      <a:tailEnd type="none" w="med" len="med"/>
-                    </a:lnL>
-                    <a:lnR w="9525" cap="flat" cmpd="sng" algn="ctr">
-                      <a:solidFill>
-                        <a:srgbClr val="000000"/>
-                      </a:solidFill>
-                      <a:prstDash val="solid"/>
-                      <a:round/>
-                      <a:headEnd type="none" w="med" len="med"/>
-                      <a:tailEnd type="none" w="med" len="med"/>
-                    </a:lnR>
-                    <a:lnT w="9525" cap="flat" cmpd="sng" algn="ctr">
-                      <a:solidFill>
-                        <a:srgbClr val="000000"/>
-                      </a:solidFill>
-                      <a:prstDash val="solid"/>
-                      <a:round/>
-                      <a:headEnd type="none" w="med" len="med"/>
-                      <a:tailEnd type="none" w="med" len="med"/>
-                    </a:lnT>
-                    <a:lnB w="9525" cap="flat" cmpd="sng" algn="ctr">
-                      <a:solidFill>
-                        <a:srgbClr val="000000"/>
-                      </a:solidFill>
-                      <a:prstDash val="solid"/>
-                      <a:round/>
-                      <a:headEnd type="none" w="med" len="med"/>
-                      <a:tailEnd type="none" w="med" len="med"/>
-                    </a:lnB>
-                  </a:tcPr>
-                </a:tc>
-                <a:tc>
-                  <a:txBody>
-                    <a:bodyPr/>
-                    <a:lstStyle/>
-                    <a:p>
-                      <a:pPr algn="ctr" rtl="0" fontAlgn="t">
-                        <a:spcBef>
-                          <a:spcPts val="0"/>
-                        </a:spcBef>
-                        <a:spcAft>
-                          <a:spcPts val="600"/>
-                        </a:spcAft>
-                      </a:pPr>
-                      <a:r>
-                        <a:rPr lang="en-US" sz="800" b="0" i="0" u="none" strike="noStrike">
-                          <a:solidFill>
-                            <a:srgbClr val="000000"/>
-                          </a:solidFill>
-                          <a:effectLst/>
-                          <a:latin typeface="Arial" panose="020B0604020202020204" pitchFamily="34" charset="0"/>
-                        </a:rPr>
-                        <a:t>High</a:t>
-                      </a:r>
-                      <a:endParaRPr lang="en-US" sz="800">
-                        <a:effectLst/>
-                      </a:endParaRPr>
-                    </a:p>
-                  </a:txBody>
-                  <a:tcPr marL="29617" marR="29617" marT="18543" marB="18543">
-                    <a:lnL w="9525" cap="flat" cmpd="sng" algn="ctr">
-                      <a:solidFill>
-                        <a:srgbClr val="000000"/>
-                      </a:solidFill>
-                      <a:prstDash val="solid"/>
-                      <a:round/>
-                      <a:headEnd type="none" w="med" len="med"/>
-                      <a:tailEnd type="none" w="med" len="med"/>
-                    </a:lnL>
-                    <a:lnR w="9525" cap="flat" cmpd="sng" algn="ctr">
-                      <a:solidFill>
-                        <a:srgbClr val="000000"/>
-                      </a:solidFill>
-                      <a:prstDash val="solid"/>
-                      <a:round/>
-                      <a:headEnd type="none" w="med" len="med"/>
-                      <a:tailEnd type="none" w="med" len="med"/>
-                    </a:lnR>
-                    <a:lnT w="9525" cap="flat" cmpd="sng" algn="ctr">
-                      <a:solidFill>
-                        <a:srgbClr val="000000"/>
-                      </a:solidFill>
-                      <a:prstDash val="solid"/>
-                      <a:round/>
-                      <a:headEnd type="none" w="med" len="med"/>
-                      <a:tailEnd type="none" w="med" len="med"/>
-                    </a:lnT>
-                    <a:lnB w="9525" cap="flat" cmpd="sng" algn="ctr">
-                      <a:solidFill>
-                        <a:srgbClr val="000000"/>
-                      </a:solidFill>
-                      <a:prstDash val="solid"/>
-                      <a:round/>
-                      <a:headEnd type="none" w="med" len="med"/>
-                      <a:tailEnd type="none" w="med" len="med"/>
-                    </a:lnB>
-                  </a:tcPr>
-                </a:tc>
-                <a:tc>
-                  <a:txBody>
-                    <a:bodyPr/>
-                    <a:lstStyle/>
-                    <a:p>
-                      <a:pPr algn="ctr" rtl="0" fontAlgn="t">
-                        <a:spcBef>
-                          <a:spcPts val="0"/>
-                        </a:spcBef>
-                        <a:spcAft>
-                          <a:spcPts val="600"/>
-                        </a:spcAft>
-                      </a:pPr>
-                      <a:r>
-                        <a:rPr lang="en-US" sz="800" b="0" i="0" u="none" strike="noStrike">
-                          <a:solidFill>
-                            <a:srgbClr val="000000"/>
-                          </a:solidFill>
-                          <a:effectLst/>
-                          <a:latin typeface="Arial" panose="020B0604020202020204" pitchFamily="34" charset="0"/>
-                        </a:rPr>
-                        <a:t>Photo Upload.</a:t>
-                      </a:r>
-                      <a:endParaRPr lang="en-US" sz="800">
-                        <a:effectLst/>
-                      </a:endParaRPr>
-                    </a:p>
-                    <a:p>
-                      <a:pPr algn="ctr" rtl="0" fontAlgn="t">
-                        <a:spcBef>
-                          <a:spcPts val="0"/>
-                        </a:spcBef>
-                        <a:spcAft>
-                          <a:spcPts val="600"/>
-                        </a:spcAft>
-                      </a:pPr>
-                      <a:r>
-                        <a:rPr lang="en-US" sz="800" b="0" i="0" u="none" strike="noStrike">
-                          <a:solidFill>
-                            <a:srgbClr val="000000"/>
-                          </a:solidFill>
-                          <a:effectLst/>
-                          <a:latin typeface="Arial" panose="020B0604020202020204" pitchFamily="34" charset="0"/>
-                        </a:rPr>
-                        <a:t>Entering Recipe Description. </a:t>
-                      </a:r>
-                      <a:endParaRPr lang="en-US" sz="800">
-                        <a:effectLst/>
-                      </a:endParaRPr>
-                    </a:p>
-                    <a:p>
-                      <a:pPr algn="ctr" rtl="0" fontAlgn="t">
-                        <a:spcBef>
-                          <a:spcPts val="0"/>
-                        </a:spcBef>
-                        <a:spcAft>
-                          <a:spcPts val="600"/>
-                        </a:spcAft>
-                      </a:pPr>
-                      <a:r>
-                        <a:rPr lang="en-US" sz="800" b="0" i="0" u="none" strike="noStrike">
-                          <a:solidFill>
-                            <a:srgbClr val="000000"/>
-                          </a:solidFill>
-                          <a:effectLst/>
-                          <a:latin typeface="Arial" panose="020B0604020202020204" pitchFamily="34" charset="0"/>
-                        </a:rPr>
-                        <a:t>Adding Ingredients</a:t>
-                      </a:r>
-                      <a:endParaRPr lang="en-US" sz="800">
-                        <a:effectLst/>
-                      </a:endParaRPr>
-                    </a:p>
-                    <a:p>
-                      <a:pPr algn="ctr" rtl="0" fontAlgn="t">
-                        <a:spcBef>
-                          <a:spcPts val="0"/>
-                        </a:spcBef>
-                        <a:spcAft>
-                          <a:spcPts val="600"/>
-                        </a:spcAft>
-                      </a:pPr>
-                      <a:r>
-                        <a:rPr lang="en-US" sz="800" b="0" i="0" u="none" strike="noStrike">
-                          <a:solidFill>
-                            <a:srgbClr val="000000"/>
-                          </a:solidFill>
-                          <a:effectLst/>
-                          <a:latin typeface="Arial" panose="020B0604020202020204" pitchFamily="34" charset="0"/>
-                        </a:rPr>
-                        <a:t>Modify the Recipe </a:t>
-                      </a:r>
-                      <a:endParaRPr lang="en-US" sz="800">
-                        <a:effectLst/>
-                      </a:endParaRPr>
-                    </a:p>
-                    <a:p>
-                      <a:pPr algn="ctr" rtl="0" fontAlgn="t">
-                        <a:spcBef>
-                          <a:spcPts val="0"/>
-                        </a:spcBef>
-                        <a:spcAft>
-                          <a:spcPts val="600"/>
-                        </a:spcAft>
-                      </a:pPr>
-                      <a:r>
-                        <a:rPr lang="en-US" sz="800" b="0" i="0" u="none" strike="noStrike">
-                          <a:solidFill>
-                            <a:srgbClr val="000000"/>
-                          </a:solidFill>
-                          <a:effectLst/>
-                          <a:latin typeface="Arial" panose="020B0604020202020204" pitchFamily="34" charset="0"/>
-                        </a:rPr>
-                        <a:t>Display Recipe Details</a:t>
-                      </a:r>
-                      <a:endParaRPr lang="en-US" sz="800">
-                        <a:effectLst/>
-                      </a:endParaRPr>
-                    </a:p>
-                  </a:txBody>
-                  <a:tcPr marL="29617" marR="29617" marT="18543" marB="18543">
-                    <a:lnL w="9525" cap="flat" cmpd="sng" algn="ctr">
-                      <a:solidFill>
-                        <a:srgbClr val="000000"/>
-                      </a:solidFill>
-                      <a:prstDash val="solid"/>
-                      <a:round/>
-                      <a:headEnd type="none" w="med" len="med"/>
-                      <a:tailEnd type="none" w="med" len="med"/>
-                    </a:lnL>
-                    <a:lnR w="9525" cap="flat" cmpd="sng" algn="ctr">
-                      <a:solidFill>
-                        <a:srgbClr val="000000"/>
-                      </a:solidFill>
-                      <a:prstDash val="solid"/>
-                      <a:round/>
-                      <a:headEnd type="none" w="med" len="med"/>
-                      <a:tailEnd type="none" w="med" len="med"/>
-                    </a:lnR>
-                    <a:lnT w="9525" cap="flat" cmpd="sng" algn="ctr">
-                      <a:solidFill>
-                        <a:srgbClr val="000000"/>
-                      </a:solidFill>
-                      <a:prstDash val="solid"/>
-                      <a:round/>
-                      <a:headEnd type="none" w="med" len="med"/>
-                      <a:tailEnd type="none" w="med" len="med"/>
-                    </a:lnT>
-                    <a:lnB w="9525" cap="flat" cmpd="sng" algn="ctr">
-                      <a:solidFill>
-                        <a:srgbClr val="000000"/>
-                      </a:solidFill>
-                      <a:prstDash val="solid"/>
-                      <a:round/>
-                      <a:headEnd type="none" w="med" len="med"/>
-                      <a:tailEnd type="none" w="med" len="med"/>
-                    </a:lnB>
-                  </a:tcPr>
-                </a:tc>
-                <a:tc>
-                  <a:txBody>
-                    <a:bodyPr/>
-                    <a:lstStyle/>
-                    <a:p>
-                      <a:pPr algn="ctr" rtl="0" fontAlgn="t">
-                        <a:spcBef>
-                          <a:spcPts val="1200"/>
-                        </a:spcBef>
-                        <a:spcAft>
-                          <a:spcPts val="1200"/>
-                        </a:spcAft>
-                      </a:pPr>
-                      <a:r>
-                        <a:rPr lang="en-US" sz="800" b="0" i="0" u="none" strike="noStrike">
-                          <a:solidFill>
-                            <a:srgbClr val="000000"/>
-                          </a:solidFill>
-                          <a:effectLst/>
-                          <a:latin typeface="Arial" panose="020B0604020202020204" pitchFamily="34" charset="0"/>
-                        </a:rPr>
-                        <a:t>Release 1</a:t>
-                      </a:r>
-                      <a:endParaRPr lang="en-US" sz="800">
-                        <a:effectLst/>
-                      </a:endParaRPr>
-                    </a:p>
-                  </a:txBody>
-                  <a:tcPr marL="29617" marR="29617" marT="18543" marB="18543">
-                    <a:lnL w="9525" cap="flat" cmpd="sng" algn="ctr">
-                      <a:solidFill>
-                        <a:srgbClr val="000000"/>
-                      </a:solidFill>
-                      <a:prstDash val="solid"/>
-                      <a:round/>
-                      <a:headEnd type="none" w="med" len="med"/>
-                      <a:tailEnd type="none" w="med" len="med"/>
-                    </a:lnL>
-                    <a:lnR w="9525" cap="flat" cmpd="sng" algn="ctr">
-                      <a:solidFill>
-                        <a:srgbClr val="000000"/>
-                      </a:solidFill>
-                      <a:prstDash val="solid"/>
-                      <a:round/>
-                      <a:headEnd type="none" w="med" len="med"/>
-                      <a:tailEnd type="none" w="med" len="med"/>
-                    </a:lnR>
-                    <a:lnT w="9525" cap="flat" cmpd="sng" algn="ctr">
-                      <a:solidFill>
-                        <a:srgbClr val="000000"/>
-                      </a:solidFill>
-                      <a:prstDash val="solid"/>
-                      <a:round/>
-                      <a:headEnd type="none" w="med" len="med"/>
-                      <a:tailEnd type="none" w="med" len="med"/>
-                    </a:lnT>
-                    <a:lnB w="9525" cap="flat" cmpd="sng" algn="ctr">
-                      <a:solidFill>
-                        <a:srgbClr val="000000"/>
-                      </a:solidFill>
-                      <a:prstDash val="solid"/>
-                      <a:round/>
-                      <a:headEnd type="none" w="med" len="med"/>
-                      <a:tailEnd type="none" w="med" len="med"/>
-                    </a:lnB>
-                  </a:tcPr>
-                </a:tc>
-                <a:extLst>
-                  <a:ext uri="{0D108BD9-81ED-4DB2-BD59-A6C34878D82A}">
-                    <a16:rowId xmlns:a16="http://schemas.microsoft.com/office/drawing/2014/main" val="2219917614"/>
-                  </a:ext>
-                </a:extLst>
-              </a:tr>
-              <a:tr h="222512">
-                <a:tc>
-                  <a:txBody>
-                    <a:bodyPr/>
-                    <a:lstStyle/>
-                    <a:p>
-                      <a:pPr algn="ctr" rtl="0" fontAlgn="t">
-                        <a:spcBef>
-                          <a:spcPts val="0"/>
-                        </a:spcBef>
-                        <a:spcAft>
-                          <a:spcPts val="600"/>
-                        </a:spcAft>
-                      </a:pPr>
-                      <a:r>
-                        <a:rPr lang="en-US" sz="800" b="0" i="0" u="none" strike="noStrike">
-                          <a:solidFill>
-                            <a:srgbClr val="000000"/>
-                          </a:solidFill>
-                          <a:effectLst/>
-                          <a:latin typeface="Arial" panose="020B0604020202020204" pitchFamily="34" charset="0"/>
-                        </a:rPr>
-                        <a:t>Flow Page </a:t>
-                      </a:r>
-                      <a:endParaRPr lang="en-US" sz="800">
-                        <a:effectLst/>
-                      </a:endParaRPr>
-                    </a:p>
-                  </a:txBody>
-                  <a:tcPr marL="29617" marR="29617" marT="18543" marB="18543">
-                    <a:lnL w="9525" cap="flat" cmpd="sng" algn="ctr">
-                      <a:solidFill>
-                        <a:srgbClr val="000000"/>
-                      </a:solidFill>
-                      <a:prstDash val="solid"/>
-                      <a:round/>
-                      <a:headEnd type="none" w="med" len="med"/>
-                      <a:tailEnd type="none" w="med" len="med"/>
-                    </a:lnL>
-                    <a:lnR w="9525" cap="flat" cmpd="sng" algn="ctr">
-                      <a:solidFill>
-                        <a:srgbClr val="000000"/>
-                      </a:solidFill>
-                      <a:prstDash val="solid"/>
-                      <a:round/>
-                      <a:headEnd type="none" w="med" len="med"/>
-                      <a:tailEnd type="none" w="med" len="med"/>
-                    </a:lnR>
-                    <a:lnT w="9525" cap="flat" cmpd="sng" algn="ctr">
-                      <a:solidFill>
-                        <a:srgbClr val="000000"/>
-                      </a:solidFill>
-                      <a:prstDash val="solid"/>
-                      <a:round/>
-                      <a:headEnd type="none" w="med" len="med"/>
-                      <a:tailEnd type="none" w="med" len="med"/>
-                    </a:lnT>
-                    <a:lnB w="9525" cap="flat" cmpd="sng" algn="ctr">
-                      <a:solidFill>
-                        <a:srgbClr val="000000"/>
-                      </a:solidFill>
-                      <a:prstDash val="solid"/>
-                      <a:round/>
-                      <a:headEnd type="none" w="med" len="med"/>
-                      <a:tailEnd type="none" w="med" len="med"/>
-                    </a:lnB>
-                  </a:tcPr>
-                </a:tc>
-                <a:tc>
-                  <a:txBody>
-                    <a:bodyPr/>
-                    <a:lstStyle/>
-                    <a:p>
-                      <a:pPr algn="ctr" rtl="0" fontAlgn="t">
-                        <a:spcBef>
-                          <a:spcPts val="0"/>
-                        </a:spcBef>
-                        <a:spcAft>
-                          <a:spcPts val="600"/>
-                        </a:spcAft>
-                      </a:pPr>
-                      <a:r>
-                        <a:rPr lang="en-US" sz="800" b="0" i="0" u="none" strike="noStrike">
-                          <a:solidFill>
-                            <a:srgbClr val="000000"/>
-                          </a:solidFill>
-                          <a:effectLst/>
-                          <a:latin typeface="Arial" panose="020B0604020202020204" pitchFamily="34" charset="0"/>
-                        </a:rPr>
-                        <a:t>High</a:t>
-                      </a:r>
-                      <a:endParaRPr lang="en-US" sz="800">
-                        <a:effectLst/>
-                      </a:endParaRPr>
-                    </a:p>
-                  </a:txBody>
-                  <a:tcPr marL="29617" marR="29617" marT="18543" marB="18543">
-                    <a:lnL w="9525" cap="flat" cmpd="sng" algn="ctr">
-                      <a:solidFill>
-                        <a:srgbClr val="000000"/>
-                      </a:solidFill>
-                      <a:prstDash val="solid"/>
-                      <a:round/>
-                      <a:headEnd type="none" w="med" len="med"/>
-                      <a:tailEnd type="none" w="med" len="med"/>
-                    </a:lnL>
-                    <a:lnR w="9525" cap="flat" cmpd="sng" algn="ctr">
-                      <a:solidFill>
-                        <a:srgbClr val="000000"/>
-                      </a:solidFill>
-                      <a:prstDash val="solid"/>
-                      <a:round/>
-                      <a:headEnd type="none" w="med" len="med"/>
-                      <a:tailEnd type="none" w="med" len="med"/>
-                    </a:lnR>
-                    <a:lnT w="9525" cap="flat" cmpd="sng" algn="ctr">
-                      <a:solidFill>
-                        <a:srgbClr val="000000"/>
-                      </a:solidFill>
-                      <a:prstDash val="solid"/>
-                      <a:round/>
-                      <a:headEnd type="none" w="med" len="med"/>
-                      <a:tailEnd type="none" w="med" len="med"/>
-                    </a:lnT>
-                    <a:lnB w="9525" cap="flat" cmpd="sng" algn="ctr">
-                      <a:solidFill>
-                        <a:srgbClr val="000000"/>
-                      </a:solidFill>
-                      <a:prstDash val="solid"/>
-                      <a:round/>
-                      <a:headEnd type="none" w="med" len="med"/>
-                      <a:tailEnd type="none" w="med" len="med"/>
-                    </a:lnB>
-                  </a:tcPr>
-                </a:tc>
-                <a:tc>
-                  <a:txBody>
-                    <a:bodyPr/>
-                    <a:lstStyle/>
-                    <a:p>
-                      <a:pPr algn="ctr" rtl="0" fontAlgn="t">
-                        <a:spcBef>
-                          <a:spcPts val="0"/>
-                        </a:spcBef>
-                        <a:spcAft>
-                          <a:spcPts val="600"/>
-                        </a:spcAft>
-                      </a:pPr>
-                      <a:r>
-                        <a:rPr lang="en-US" sz="800" b="0" i="0" u="none" strike="noStrike">
-                          <a:solidFill>
-                            <a:srgbClr val="000000"/>
-                          </a:solidFill>
-                          <a:effectLst/>
-                          <a:latin typeface="Arial" panose="020B0604020202020204" pitchFamily="34" charset="0"/>
-                        </a:rPr>
-                        <a:t>Show a set number of recipes </a:t>
-                      </a:r>
-                      <a:endParaRPr lang="en-US" sz="800">
-                        <a:effectLst/>
-                      </a:endParaRPr>
-                    </a:p>
-                  </a:txBody>
-                  <a:tcPr marL="29617" marR="29617" marT="18543" marB="18543">
-                    <a:lnL w="9525" cap="flat" cmpd="sng" algn="ctr">
-                      <a:solidFill>
-                        <a:srgbClr val="000000"/>
-                      </a:solidFill>
-                      <a:prstDash val="solid"/>
-                      <a:round/>
-                      <a:headEnd type="none" w="med" len="med"/>
-                      <a:tailEnd type="none" w="med" len="med"/>
-                    </a:lnL>
-                    <a:lnR w="9525" cap="flat" cmpd="sng" algn="ctr">
-                      <a:solidFill>
-                        <a:srgbClr val="000000"/>
-                      </a:solidFill>
-                      <a:prstDash val="solid"/>
-                      <a:round/>
-                      <a:headEnd type="none" w="med" len="med"/>
-                      <a:tailEnd type="none" w="med" len="med"/>
-                    </a:lnR>
-                    <a:lnT w="9525" cap="flat" cmpd="sng" algn="ctr">
-                      <a:solidFill>
-                        <a:srgbClr val="000000"/>
-                      </a:solidFill>
-                      <a:prstDash val="solid"/>
-                      <a:round/>
-                      <a:headEnd type="none" w="med" len="med"/>
-                      <a:tailEnd type="none" w="med" len="med"/>
-                    </a:lnT>
-                    <a:lnB w="9525" cap="flat" cmpd="sng" algn="ctr">
-                      <a:solidFill>
-                        <a:srgbClr val="000000"/>
-                      </a:solidFill>
-                      <a:prstDash val="solid"/>
-                      <a:round/>
-                      <a:headEnd type="none" w="med" len="med"/>
-                      <a:tailEnd type="none" w="med" len="med"/>
-                    </a:lnB>
-                  </a:tcPr>
-                </a:tc>
-                <a:tc>
-                  <a:txBody>
-                    <a:bodyPr/>
-                    <a:lstStyle/>
-                    <a:p>
-                      <a:pPr algn="ctr" rtl="0" fontAlgn="t">
-                        <a:spcBef>
-                          <a:spcPts val="1200"/>
-                        </a:spcBef>
-                        <a:spcAft>
-                          <a:spcPts val="1200"/>
-                        </a:spcAft>
-                      </a:pPr>
-                      <a:r>
-                        <a:rPr lang="en-US" sz="800" b="0" i="0" u="none" strike="noStrike">
-                          <a:solidFill>
-                            <a:srgbClr val="000000"/>
-                          </a:solidFill>
-                          <a:effectLst/>
-                          <a:latin typeface="Arial" panose="020B0604020202020204" pitchFamily="34" charset="0"/>
-                        </a:rPr>
-                        <a:t>Release 1</a:t>
-                      </a:r>
-                      <a:endParaRPr lang="en-US" sz="800">
-                        <a:effectLst/>
-                      </a:endParaRPr>
-                    </a:p>
-                  </a:txBody>
-                  <a:tcPr marL="29617" marR="29617" marT="18543" marB="18543">
-                    <a:lnL w="9525" cap="flat" cmpd="sng" algn="ctr">
-                      <a:solidFill>
-                        <a:srgbClr val="000000"/>
-                      </a:solidFill>
-                      <a:prstDash val="solid"/>
-                      <a:round/>
-                      <a:headEnd type="none" w="med" len="med"/>
-                      <a:tailEnd type="none" w="med" len="med"/>
-                    </a:lnL>
-                    <a:lnR w="9525" cap="flat" cmpd="sng" algn="ctr">
-                      <a:solidFill>
-                        <a:srgbClr val="000000"/>
-                      </a:solidFill>
-                      <a:prstDash val="solid"/>
-                      <a:round/>
-                      <a:headEnd type="none" w="med" len="med"/>
-                      <a:tailEnd type="none" w="med" len="med"/>
-                    </a:lnR>
-                    <a:lnT w="9525" cap="flat" cmpd="sng" algn="ctr">
-                      <a:solidFill>
-                        <a:srgbClr val="000000"/>
-                      </a:solidFill>
-                      <a:prstDash val="solid"/>
-                      <a:round/>
-                      <a:headEnd type="none" w="med" len="med"/>
-                      <a:tailEnd type="none" w="med" len="med"/>
-                    </a:lnT>
-                    <a:lnB w="9525" cap="flat" cmpd="sng" algn="ctr">
-                      <a:solidFill>
-                        <a:srgbClr val="000000"/>
-                      </a:solidFill>
-                      <a:prstDash val="solid"/>
-                      <a:round/>
-                      <a:headEnd type="none" w="med" len="med"/>
-                      <a:tailEnd type="none" w="med" len="med"/>
-                    </a:lnB>
-                  </a:tcPr>
-                </a:tc>
-                <a:extLst>
-                  <a:ext uri="{0D108BD9-81ED-4DB2-BD59-A6C34878D82A}">
-                    <a16:rowId xmlns:a16="http://schemas.microsoft.com/office/drawing/2014/main" val="2421748552"/>
-                  </a:ext>
-                </a:extLst>
-              </a:tr>
-              <a:tr h="686077">
-                <a:tc>
-                  <a:txBody>
-                    <a:bodyPr/>
-                    <a:lstStyle/>
-                    <a:p>
-                      <a:pPr algn="ctr" rtl="0" fontAlgn="t">
-                        <a:spcBef>
-                          <a:spcPts val="0"/>
-                        </a:spcBef>
-                        <a:spcAft>
-                          <a:spcPts val="600"/>
-                        </a:spcAft>
-                      </a:pPr>
-                      <a:r>
-                        <a:rPr lang="en-US" sz="800" b="0" i="0" u="none" strike="noStrike" dirty="0">
-                          <a:solidFill>
-                            <a:srgbClr val="000000"/>
-                          </a:solidFill>
-                          <a:effectLst/>
-                          <a:latin typeface="Arial" panose="020B0604020202020204" pitchFamily="34" charset="0"/>
-                        </a:rPr>
-                        <a:t>Admin Features</a:t>
-                      </a:r>
-                      <a:endParaRPr lang="en-US" sz="800" dirty="0">
-                        <a:effectLst/>
-                      </a:endParaRPr>
-                    </a:p>
-                  </a:txBody>
-                  <a:tcPr marL="29617" marR="29617" marT="18543" marB="18543">
-                    <a:lnL w="9525" cap="flat" cmpd="sng" algn="ctr">
-                      <a:solidFill>
-                        <a:srgbClr val="000000"/>
-                      </a:solidFill>
-                      <a:prstDash val="solid"/>
-                      <a:round/>
-                      <a:headEnd type="none" w="med" len="med"/>
-                      <a:tailEnd type="none" w="med" len="med"/>
-                    </a:lnL>
-                    <a:lnR w="9525" cap="flat" cmpd="sng" algn="ctr">
-                      <a:solidFill>
-                        <a:srgbClr val="000000"/>
-                      </a:solidFill>
-                      <a:prstDash val="solid"/>
-                      <a:round/>
-                      <a:headEnd type="none" w="med" len="med"/>
-                      <a:tailEnd type="none" w="med" len="med"/>
-                    </a:lnR>
-                    <a:lnT w="9525" cap="flat" cmpd="sng" algn="ctr">
-                      <a:solidFill>
-                        <a:srgbClr val="000000"/>
-                      </a:solidFill>
-                      <a:prstDash val="solid"/>
-                      <a:round/>
-                      <a:headEnd type="none" w="med" len="med"/>
-                      <a:tailEnd type="none" w="med" len="med"/>
-                    </a:lnT>
-                    <a:lnB w="9525" cap="flat" cmpd="sng" algn="ctr">
-                      <a:solidFill>
-                        <a:srgbClr val="000000"/>
-                      </a:solidFill>
-                      <a:prstDash val="solid"/>
-                      <a:round/>
-                      <a:headEnd type="none" w="med" len="med"/>
-                      <a:tailEnd type="none" w="med" len="med"/>
-                    </a:lnB>
-                  </a:tcPr>
-                </a:tc>
-                <a:tc>
-                  <a:txBody>
-                    <a:bodyPr/>
-                    <a:lstStyle/>
-                    <a:p>
-                      <a:pPr algn="ctr" rtl="0" fontAlgn="t">
-                        <a:spcBef>
-                          <a:spcPts val="0"/>
-                        </a:spcBef>
-                        <a:spcAft>
-                          <a:spcPts val="600"/>
-                        </a:spcAft>
-                      </a:pPr>
-                      <a:r>
-                        <a:rPr lang="en-US" sz="800" b="0" i="0" u="none" strike="noStrike">
-                          <a:solidFill>
-                            <a:srgbClr val="000000"/>
-                          </a:solidFill>
-                          <a:effectLst/>
-                          <a:latin typeface="Arial" panose="020B0604020202020204" pitchFamily="34" charset="0"/>
-                        </a:rPr>
-                        <a:t>Medium</a:t>
-                      </a:r>
-                      <a:endParaRPr lang="en-US" sz="800">
-                        <a:effectLst/>
-                      </a:endParaRPr>
-                    </a:p>
-                  </a:txBody>
-                  <a:tcPr marL="29617" marR="29617" marT="18543" marB="18543">
-                    <a:lnL w="9525" cap="flat" cmpd="sng" algn="ctr">
-                      <a:solidFill>
-                        <a:srgbClr val="000000"/>
-                      </a:solidFill>
-                      <a:prstDash val="solid"/>
-                      <a:round/>
-                      <a:headEnd type="none" w="med" len="med"/>
-                      <a:tailEnd type="none" w="med" len="med"/>
-                    </a:lnL>
-                    <a:lnR w="9525" cap="flat" cmpd="sng" algn="ctr">
-                      <a:solidFill>
-                        <a:srgbClr val="000000"/>
-                      </a:solidFill>
-                      <a:prstDash val="solid"/>
-                      <a:round/>
-                      <a:headEnd type="none" w="med" len="med"/>
-                      <a:tailEnd type="none" w="med" len="med"/>
-                    </a:lnR>
-                    <a:lnT w="9525" cap="flat" cmpd="sng" algn="ctr">
-                      <a:solidFill>
-                        <a:srgbClr val="000000"/>
-                      </a:solidFill>
-                      <a:prstDash val="solid"/>
-                      <a:round/>
-                      <a:headEnd type="none" w="med" len="med"/>
-                      <a:tailEnd type="none" w="med" len="med"/>
-                    </a:lnT>
-                    <a:lnB w="9525" cap="flat" cmpd="sng" algn="ctr">
-                      <a:solidFill>
-                        <a:srgbClr val="000000"/>
-                      </a:solidFill>
-                      <a:prstDash val="solid"/>
-                      <a:round/>
-                      <a:headEnd type="none" w="med" len="med"/>
-                      <a:tailEnd type="none" w="med" len="med"/>
-                    </a:lnB>
-                  </a:tcPr>
-                </a:tc>
-                <a:tc>
-                  <a:txBody>
-                    <a:bodyPr/>
-                    <a:lstStyle/>
-                    <a:p>
-                      <a:pPr algn="ctr" rtl="0" fontAlgn="t">
-                        <a:spcBef>
-                          <a:spcPts val="0"/>
-                        </a:spcBef>
-                        <a:spcAft>
-                          <a:spcPts val="600"/>
-                        </a:spcAft>
-                      </a:pPr>
-                      <a:r>
-                        <a:rPr lang="en-US" sz="800" b="0" i="0" u="none" strike="noStrike">
-                          <a:solidFill>
-                            <a:srgbClr val="000000"/>
-                          </a:solidFill>
-                          <a:effectLst/>
-                          <a:latin typeface="Arial" panose="020B0604020202020204" pitchFamily="34" charset="0"/>
-                        </a:rPr>
-                        <a:t>Predefine admin users</a:t>
-                      </a:r>
-                      <a:endParaRPr lang="en-US" sz="800">
-                        <a:effectLst/>
-                      </a:endParaRPr>
-                    </a:p>
-                    <a:p>
-                      <a:pPr algn="ctr" rtl="0" fontAlgn="t">
-                        <a:spcBef>
-                          <a:spcPts val="0"/>
-                        </a:spcBef>
-                        <a:spcAft>
-                          <a:spcPts val="600"/>
-                        </a:spcAft>
-                      </a:pPr>
-                      <a:r>
-                        <a:rPr lang="en-US" sz="800" b="0" i="0" u="none" strike="noStrike">
-                          <a:solidFill>
-                            <a:srgbClr val="000000"/>
-                          </a:solidFill>
-                          <a:effectLst/>
-                          <a:latin typeface="Arial" panose="020B0604020202020204" pitchFamily="34" charset="0"/>
-                        </a:rPr>
-                        <a:t>Create an admin user</a:t>
-                      </a:r>
-                      <a:endParaRPr lang="en-US" sz="800">
-                        <a:effectLst/>
-                      </a:endParaRPr>
-                    </a:p>
-                    <a:p>
-                      <a:pPr algn="ctr" rtl="0" fontAlgn="t">
-                        <a:spcBef>
-                          <a:spcPts val="0"/>
-                        </a:spcBef>
-                        <a:spcAft>
-                          <a:spcPts val="600"/>
-                        </a:spcAft>
-                      </a:pPr>
-                      <a:r>
-                        <a:rPr lang="en-US" sz="800" b="0" i="0" u="none" strike="noStrike">
-                          <a:solidFill>
-                            <a:srgbClr val="000000"/>
-                          </a:solidFill>
-                          <a:effectLst/>
-                          <a:latin typeface="Arial" panose="020B0604020202020204" pitchFamily="34" charset="0"/>
-                        </a:rPr>
-                        <a:t>Edit user</a:t>
-                      </a:r>
-                      <a:endParaRPr lang="en-US" sz="800">
-                        <a:effectLst/>
-                      </a:endParaRPr>
-                    </a:p>
-                    <a:p>
-                      <a:pPr algn="ctr" rtl="0" fontAlgn="t">
-                        <a:spcBef>
-                          <a:spcPts val="0"/>
-                        </a:spcBef>
-                        <a:spcAft>
-                          <a:spcPts val="600"/>
-                        </a:spcAft>
-                      </a:pPr>
-                      <a:r>
-                        <a:rPr lang="en-US" sz="800" b="0" i="0" u="none" strike="noStrike">
-                          <a:solidFill>
-                            <a:srgbClr val="000000"/>
-                          </a:solidFill>
-                          <a:effectLst/>
-                          <a:latin typeface="Arial" panose="020B0604020202020204" pitchFamily="34" charset="0"/>
-                        </a:rPr>
-                        <a:t>Delete user</a:t>
-                      </a:r>
-                      <a:endParaRPr lang="en-US" sz="800">
-                        <a:effectLst/>
-                      </a:endParaRPr>
-                    </a:p>
-                    <a:p>
-                      <a:pPr algn="ctr" rtl="0" fontAlgn="t">
-                        <a:spcBef>
-                          <a:spcPts val="0"/>
-                        </a:spcBef>
-                        <a:spcAft>
-                          <a:spcPts val="600"/>
-                        </a:spcAft>
-                      </a:pPr>
-                      <a:r>
-                        <a:rPr lang="en-US" sz="800" b="0" i="0" u="none" strike="noStrike">
-                          <a:solidFill>
-                            <a:srgbClr val="000000"/>
-                          </a:solidFill>
-                          <a:effectLst/>
-                          <a:latin typeface="Arial" panose="020B0604020202020204" pitchFamily="34" charset="0"/>
-                        </a:rPr>
-                        <a:t>Edit recipe</a:t>
-                      </a:r>
-                      <a:endParaRPr lang="en-US" sz="800">
-                        <a:effectLst/>
-                      </a:endParaRPr>
-                    </a:p>
-                    <a:p>
-                      <a:pPr algn="ctr" rtl="0" fontAlgn="t">
-                        <a:spcBef>
-                          <a:spcPts val="0"/>
-                        </a:spcBef>
-                        <a:spcAft>
-                          <a:spcPts val="600"/>
-                        </a:spcAft>
-                      </a:pPr>
-                      <a:r>
-                        <a:rPr lang="en-US" sz="800" b="0" i="0" u="none" strike="noStrike">
-                          <a:solidFill>
-                            <a:srgbClr val="000000"/>
-                          </a:solidFill>
-                          <a:effectLst/>
-                          <a:latin typeface="Arial" panose="020B0604020202020204" pitchFamily="34" charset="0"/>
-                        </a:rPr>
-                        <a:t>Delete recipe</a:t>
-                      </a:r>
-                      <a:endParaRPr lang="en-US" sz="800">
-                        <a:effectLst/>
-                      </a:endParaRPr>
-                    </a:p>
-                  </a:txBody>
-                  <a:tcPr marL="29617" marR="29617" marT="18543" marB="18543">
-                    <a:lnL w="9525" cap="flat" cmpd="sng" algn="ctr">
-                      <a:solidFill>
-                        <a:srgbClr val="000000"/>
-                      </a:solidFill>
-                      <a:prstDash val="solid"/>
-                      <a:round/>
-                      <a:headEnd type="none" w="med" len="med"/>
-                      <a:tailEnd type="none" w="med" len="med"/>
-                    </a:lnL>
-                    <a:lnR w="9525" cap="flat" cmpd="sng" algn="ctr">
-                      <a:solidFill>
-                        <a:srgbClr val="000000"/>
-                      </a:solidFill>
-                      <a:prstDash val="solid"/>
-                      <a:round/>
-                      <a:headEnd type="none" w="med" len="med"/>
-                      <a:tailEnd type="none" w="med" len="med"/>
-                    </a:lnR>
-                    <a:lnT w="9525" cap="flat" cmpd="sng" algn="ctr">
-                      <a:solidFill>
-                        <a:srgbClr val="000000"/>
-                      </a:solidFill>
-                      <a:prstDash val="solid"/>
-                      <a:round/>
-                      <a:headEnd type="none" w="med" len="med"/>
-                      <a:tailEnd type="none" w="med" len="med"/>
-                    </a:lnT>
-                    <a:lnB w="9525" cap="flat" cmpd="sng" algn="ctr">
-                      <a:solidFill>
-                        <a:srgbClr val="000000"/>
-                      </a:solidFill>
-                      <a:prstDash val="solid"/>
-                      <a:round/>
-                      <a:headEnd type="none" w="med" len="med"/>
-                      <a:tailEnd type="none" w="med" len="med"/>
-                    </a:lnB>
-                  </a:tcPr>
-                </a:tc>
-                <a:tc>
-                  <a:txBody>
-                    <a:bodyPr/>
-                    <a:lstStyle/>
-                    <a:p>
-                      <a:pPr algn="ctr" rtl="0" fontAlgn="t">
-                        <a:spcBef>
-                          <a:spcPts val="1200"/>
-                        </a:spcBef>
-                        <a:spcAft>
-                          <a:spcPts val="1200"/>
-                        </a:spcAft>
-                      </a:pPr>
-                      <a:r>
-                        <a:rPr lang="en-US" sz="800" b="0" i="0" u="none" strike="noStrike">
-                          <a:solidFill>
-                            <a:srgbClr val="000000"/>
-                          </a:solidFill>
-                          <a:effectLst/>
-                          <a:latin typeface="Arial" panose="020B0604020202020204" pitchFamily="34" charset="0"/>
-                        </a:rPr>
-                        <a:t>Release 1</a:t>
-                      </a:r>
-                      <a:endParaRPr lang="en-US" sz="800">
-                        <a:effectLst/>
-                      </a:endParaRPr>
-                    </a:p>
-                  </a:txBody>
-                  <a:tcPr marL="29617" marR="29617" marT="18543" marB="18543">
-                    <a:lnL w="9525" cap="flat" cmpd="sng" algn="ctr">
-                      <a:solidFill>
-                        <a:srgbClr val="000000"/>
-                      </a:solidFill>
-                      <a:prstDash val="solid"/>
-                      <a:round/>
-                      <a:headEnd type="none" w="med" len="med"/>
-                      <a:tailEnd type="none" w="med" len="med"/>
-                    </a:lnL>
-                    <a:lnR w="9525" cap="flat" cmpd="sng" algn="ctr">
-                      <a:solidFill>
-                        <a:srgbClr val="000000"/>
-                      </a:solidFill>
-                      <a:prstDash val="solid"/>
-                      <a:round/>
-                      <a:headEnd type="none" w="med" len="med"/>
-                      <a:tailEnd type="none" w="med" len="med"/>
-                    </a:lnR>
-                    <a:lnT w="9525" cap="flat" cmpd="sng" algn="ctr">
-                      <a:solidFill>
-                        <a:srgbClr val="000000"/>
-                      </a:solidFill>
-                      <a:prstDash val="solid"/>
-                      <a:round/>
-                      <a:headEnd type="none" w="med" len="med"/>
-                      <a:tailEnd type="none" w="med" len="med"/>
-                    </a:lnT>
-                    <a:lnB w="9525" cap="flat" cmpd="sng" algn="ctr">
-                      <a:solidFill>
-                        <a:srgbClr val="000000"/>
-                      </a:solidFill>
-                      <a:prstDash val="solid"/>
-                      <a:round/>
-                      <a:headEnd type="none" w="med" len="med"/>
-                      <a:tailEnd type="none" w="med" len="med"/>
-                    </a:lnB>
-                  </a:tcPr>
-                </a:tc>
-                <a:extLst>
-                  <a:ext uri="{0D108BD9-81ED-4DB2-BD59-A6C34878D82A}">
-                    <a16:rowId xmlns:a16="http://schemas.microsoft.com/office/drawing/2014/main" val="133112136"/>
-                  </a:ext>
-                </a:extLst>
-              </a:tr>
-              <a:tr h="160703">
-                <a:tc>
-                  <a:txBody>
-                    <a:bodyPr/>
-                    <a:lstStyle/>
-                    <a:p>
-                      <a:pPr algn="ctr" rtl="0" fontAlgn="t">
-                        <a:spcBef>
-                          <a:spcPts val="0"/>
-                        </a:spcBef>
-                        <a:spcAft>
-                          <a:spcPts val="600"/>
-                        </a:spcAft>
-                      </a:pPr>
-                      <a:r>
-                        <a:rPr lang="en-US" sz="800" b="0" i="0" u="none" strike="noStrike">
-                          <a:solidFill>
-                            <a:srgbClr val="000000"/>
-                          </a:solidFill>
-                          <a:effectLst/>
-                          <a:latin typeface="Arial" panose="020B0604020202020204" pitchFamily="34" charset="0"/>
-                        </a:rPr>
-                        <a:t>Interacting with a recipe (Comment)</a:t>
-                      </a:r>
-                      <a:endParaRPr lang="en-US" sz="800">
-                        <a:effectLst/>
-                      </a:endParaRPr>
-                    </a:p>
-                  </a:txBody>
-                  <a:tcPr marL="29617" marR="29617" marT="18543" marB="18543">
-                    <a:lnL w="9525" cap="flat" cmpd="sng" algn="ctr">
-                      <a:solidFill>
-                        <a:srgbClr val="000000"/>
-                      </a:solidFill>
-                      <a:prstDash val="solid"/>
-                      <a:round/>
-                      <a:headEnd type="none" w="med" len="med"/>
-                      <a:tailEnd type="none" w="med" len="med"/>
-                    </a:lnL>
-                    <a:lnR w="9525" cap="flat" cmpd="sng" algn="ctr">
-                      <a:solidFill>
-                        <a:srgbClr val="000000"/>
-                      </a:solidFill>
-                      <a:prstDash val="solid"/>
-                      <a:round/>
-                      <a:headEnd type="none" w="med" len="med"/>
-                      <a:tailEnd type="none" w="med" len="med"/>
-                    </a:lnR>
-                    <a:lnT w="9525" cap="flat" cmpd="sng" algn="ctr">
-                      <a:solidFill>
-                        <a:srgbClr val="000000"/>
-                      </a:solidFill>
-                      <a:prstDash val="solid"/>
-                      <a:round/>
-                      <a:headEnd type="none" w="med" len="med"/>
-                      <a:tailEnd type="none" w="med" len="med"/>
-                    </a:lnT>
-                    <a:lnB w="9525" cap="flat" cmpd="sng" algn="ctr">
-                      <a:solidFill>
-                        <a:srgbClr val="000000"/>
-                      </a:solidFill>
-                      <a:prstDash val="solid"/>
-                      <a:round/>
-                      <a:headEnd type="none" w="med" len="med"/>
-                      <a:tailEnd type="none" w="med" len="med"/>
-                    </a:lnB>
-                  </a:tcPr>
-                </a:tc>
-                <a:tc>
-                  <a:txBody>
-                    <a:bodyPr/>
-                    <a:lstStyle/>
-                    <a:p>
-                      <a:pPr algn="ctr" rtl="0" fontAlgn="t">
-                        <a:spcBef>
-                          <a:spcPts val="0"/>
-                        </a:spcBef>
-                        <a:spcAft>
-                          <a:spcPts val="600"/>
-                        </a:spcAft>
-                      </a:pPr>
-                      <a:r>
-                        <a:rPr lang="en-US" sz="800" b="0" i="0" u="none" strike="noStrike">
-                          <a:solidFill>
-                            <a:srgbClr val="000000"/>
-                          </a:solidFill>
-                          <a:effectLst/>
-                          <a:latin typeface="Arial" panose="020B0604020202020204" pitchFamily="34" charset="0"/>
-                        </a:rPr>
-                        <a:t>Low</a:t>
-                      </a:r>
-                      <a:endParaRPr lang="en-US" sz="800">
-                        <a:effectLst/>
-                      </a:endParaRPr>
-                    </a:p>
-                  </a:txBody>
-                  <a:tcPr marL="29617" marR="29617" marT="18543" marB="18543">
-                    <a:lnL w="9525" cap="flat" cmpd="sng" algn="ctr">
-                      <a:solidFill>
-                        <a:srgbClr val="000000"/>
-                      </a:solidFill>
-                      <a:prstDash val="solid"/>
-                      <a:round/>
-                      <a:headEnd type="none" w="med" len="med"/>
-                      <a:tailEnd type="none" w="med" len="med"/>
-                    </a:lnL>
-                    <a:lnR w="9525" cap="flat" cmpd="sng" algn="ctr">
-                      <a:solidFill>
-                        <a:srgbClr val="000000"/>
-                      </a:solidFill>
-                      <a:prstDash val="solid"/>
-                      <a:round/>
-                      <a:headEnd type="none" w="med" len="med"/>
-                      <a:tailEnd type="none" w="med" len="med"/>
-                    </a:lnR>
-                    <a:lnT w="9525" cap="flat" cmpd="sng" algn="ctr">
-                      <a:solidFill>
-                        <a:srgbClr val="000000"/>
-                      </a:solidFill>
-                      <a:prstDash val="solid"/>
-                      <a:round/>
-                      <a:headEnd type="none" w="med" len="med"/>
-                      <a:tailEnd type="none" w="med" len="med"/>
-                    </a:lnT>
-                    <a:lnB w="9525" cap="flat" cmpd="sng" algn="ctr">
-                      <a:solidFill>
-                        <a:srgbClr val="000000"/>
-                      </a:solidFill>
-                      <a:prstDash val="solid"/>
-                      <a:round/>
-                      <a:headEnd type="none" w="med" len="med"/>
-                      <a:tailEnd type="none" w="med" len="med"/>
-                    </a:lnB>
-                  </a:tcPr>
-                </a:tc>
-                <a:tc>
-                  <a:txBody>
-                    <a:bodyPr/>
-                    <a:lstStyle/>
-                    <a:p>
-                      <a:pPr algn="ctr" rtl="0" fontAlgn="t">
-                        <a:spcBef>
-                          <a:spcPts val="0"/>
-                        </a:spcBef>
-                        <a:spcAft>
-                          <a:spcPts val="600"/>
-                        </a:spcAft>
-                      </a:pPr>
-                      <a:r>
-                        <a:rPr lang="en-US" sz="800" b="0" i="0" u="none" strike="noStrike">
-                          <a:solidFill>
-                            <a:srgbClr val="000000"/>
-                          </a:solidFill>
-                          <a:effectLst/>
-                          <a:latin typeface="Arial" panose="020B0604020202020204" pitchFamily="34" charset="0"/>
-                        </a:rPr>
-                        <a:t>Comment on a     Recipe</a:t>
-                      </a:r>
-                      <a:endParaRPr lang="en-US" sz="800">
-                        <a:effectLst/>
-                      </a:endParaRPr>
-                    </a:p>
-                  </a:txBody>
-                  <a:tcPr marL="29617" marR="29617" marT="18543" marB="18543">
-                    <a:lnL w="9525" cap="flat" cmpd="sng" algn="ctr">
-                      <a:solidFill>
-                        <a:srgbClr val="000000"/>
-                      </a:solidFill>
-                      <a:prstDash val="solid"/>
-                      <a:round/>
-                      <a:headEnd type="none" w="med" len="med"/>
-                      <a:tailEnd type="none" w="med" len="med"/>
-                    </a:lnL>
-                    <a:lnR w="9525" cap="flat" cmpd="sng" algn="ctr">
-                      <a:solidFill>
-                        <a:srgbClr val="000000"/>
-                      </a:solidFill>
-                      <a:prstDash val="solid"/>
-                      <a:round/>
-                      <a:headEnd type="none" w="med" len="med"/>
-                      <a:tailEnd type="none" w="med" len="med"/>
-                    </a:lnR>
-                    <a:lnT w="9525" cap="flat" cmpd="sng" algn="ctr">
-                      <a:solidFill>
-                        <a:srgbClr val="000000"/>
-                      </a:solidFill>
-                      <a:prstDash val="solid"/>
-                      <a:round/>
-                      <a:headEnd type="none" w="med" len="med"/>
-                      <a:tailEnd type="none" w="med" len="med"/>
-                    </a:lnT>
-                    <a:lnB w="9525" cap="flat" cmpd="sng" algn="ctr">
-                      <a:solidFill>
-                        <a:srgbClr val="000000"/>
-                      </a:solidFill>
-                      <a:prstDash val="solid"/>
-                      <a:round/>
-                      <a:headEnd type="none" w="med" len="med"/>
-                      <a:tailEnd type="none" w="med" len="med"/>
-                    </a:lnB>
-                  </a:tcPr>
-                </a:tc>
-                <a:tc>
-                  <a:txBody>
-                    <a:bodyPr/>
-                    <a:lstStyle/>
-                    <a:p>
-                      <a:pPr algn="ctr" rtl="0" fontAlgn="t">
-                        <a:spcBef>
-                          <a:spcPts val="1200"/>
-                        </a:spcBef>
-                        <a:spcAft>
-                          <a:spcPts val="1200"/>
-                        </a:spcAft>
-                      </a:pPr>
-                      <a:r>
-                        <a:rPr lang="en-US" sz="800" b="0" i="0" u="none" strike="noStrike">
-                          <a:solidFill>
-                            <a:srgbClr val="000000"/>
-                          </a:solidFill>
-                          <a:effectLst/>
-                          <a:latin typeface="Arial" panose="020B0604020202020204" pitchFamily="34" charset="0"/>
-                        </a:rPr>
-                        <a:t>Release 2</a:t>
-                      </a:r>
-                      <a:endParaRPr lang="en-US" sz="800">
-                        <a:effectLst/>
-                      </a:endParaRPr>
-                    </a:p>
-                  </a:txBody>
-                  <a:tcPr marL="29617" marR="29617" marT="18543" marB="18543">
-                    <a:lnL w="9525" cap="flat" cmpd="sng" algn="ctr">
-                      <a:solidFill>
-                        <a:srgbClr val="000000"/>
-                      </a:solidFill>
-                      <a:prstDash val="solid"/>
-                      <a:round/>
-                      <a:headEnd type="none" w="med" len="med"/>
-                      <a:tailEnd type="none" w="med" len="med"/>
-                    </a:lnL>
-                    <a:lnR w="9525" cap="flat" cmpd="sng" algn="ctr">
-                      <a:solidFill>
-                        <a:srgbClr val="000000"/>
-                      </a:solidFill>
-                      <a:prstDash val="solid"/>
-                      <a:round/>
-                      <a:headEnd type="none" w="med" len="med"/>
-                      <a:tailEnd type="none" w="med" len="med"/>
-                    </a:lnR>
-                    <a:lnT w="9525" cap="flat" cmpd="sng" algn="ctr">
-                      <a:solidFill>
-                        <a:srgbClr val="000000"/>
-                      </a:solidFill>
-                      <a:prstDash val="solid"/>
-                      <a:round/>
-                      <a:headEnd type="none" w="med" len="med"/>
-                      <a:tailEnd type="none" w="med" len="med"/>
-                    </a:lnT>
-                    <a:lnB w="9525" cap="flat" cmpd="sng" algn="ctr">
-                      <a:solidFill>
-                        <a:srgbClr val="000000"/>
-                      </a:solidFill>
-                      <a:prstDash val="solid"/>
-                      <a:round/>
-                      <a:headEnd type="none" w="med" len="med"/>
-                      <a:tailEnd type="none" w="med" len="med"/>
-                    </a:lnB>
-                  </a:tcPr>
-                </a:tc>
-                <a:extLst>
-                  <a:ext uri="{0D108BD9-81ED-4DB2-BD59-A6C34878D82A}">
-                    <a16:rowId xmlns:a16="http://schemas.microsoft.com/office/drawing/2014/main" val="114682715"/>
-                  </a:ext>
-                </a:extLst>
-              </a:tr>
-              <a:tr h="407938">
-                <a:tc>
-                  <a:txBody>
-                    <a:bodyPr/>
-                    <a:lstStyle/>
-                    <a:p>
-                      <a:pPr algn="ctr" rtl="0" fontAlgn="t">
-                        <a:spcBef>
-                          <a:spcPts val="0"/>
-                        </a:spcBef>
-                        <a:spcAft>
-                          <a:spcPts val="600"/>
-                        </a:spcAft>
-                      </a:pPr>
-                      <a:r>
-                        <a:rPr lang="en-US" sz="800" b="0" i="0" u="none" strike="noStrike">
-                          <a:solidFill>
-                            <a:srgbClr val="000000"/>
-                          </a:solidFill>
-                          <a:effectLst/>
-                          <a:latin typeface="Arial" panose="020B0604020202020204" pitchFamily="34" charset="0"/>
-                        </a:rPr>
-                        <a:t>Cost Calculation</a:t>
-                      </a:r>
-                      <a:endParaRPr lang="en-US" sz="800">
-                        <a:effectLst/>
-                      </a:endParaRPr>
-                    </a:p>
-                  </a:txBody>
-                  <a:tcPr marL="29617" marR="29617" marT="18543" marB="18543">
-                    <a:lnL w="9525" cap="flat" cmpd="sng" algn="ctr">
-                      <a:solidFill>
-                        <a:srgbClr val="000000"/>
-                      </a:solidFill>
-                      <a:prstDash val="solid"/>
-                      <a:round/>
-                      <a:headEnd type="none" w="med" len="med"/>
-                      <a:tailEnd type="none" w="med" len="med"/>
-                    </a:lnL>
-                    <a:lnR w="9525" cap="flat" cmpd="sng" algn="ctr">
-                      <a:solidFill>
-                        <a:srgbClr val="000000"/>
-                      </a:solidFill>
-                      <a:prstDash val="solid"/>
-                      <a:round/>
-                      <a:headEnd type="none" w="med" len="med"/>
-                      <a:tailEnd type="none" w="med" len="med"/>
-                    </a:lnR>
-                    <a:lnT w="9525" cap="flat" cmpd="sng" algn="ctr">
-                      <a:solidFill>
-                        <a:srgbClr val="000000"/>
-                      </a:solidFill>
-                      <a:prstDash val="solid"/>
-                      <a:round/>
-                      <a:headEnd type="none" w="med" len="med"/>
-                      <a:tailEnd type="none" w="med" len="med"/>
-                    </a:lnT>
-                    <a:lnB w="9525" cap="flat" cmpd="sng" algn="ctr">
-                      <a:solidFill>
-                        <a:srgbClr val="000000"/>
-                      </a:solidFill>
-                      <a:prstDash val="solid"/>
-                      <a:round/>
-                      <a:headEnd type="none" w="med" len="med"/>
-                      <a:tailEnd type="none" w="med" len="med"/>
-                    </a:lnB>
-                  </a:tcPr>
-                </a:tc>
-                <a:tc>
-                  <a:txBody>
-                    <a:bodyPr/>
-                    <a:lstStyle/>
-                    <a:p>
-                      <a:pPr algn="ctr" rtl="0" fontAlgn="t">
-                        <a:spcBef>
-                          <a:spcPts val="0"/>
-                        </a:spcBef>
-                        <a:spcAft>
-                          <a:spcPts val="600"/>
-                        </a:spcAft>
-                      </a:pPr>
-                      <a:r>
-                        <a:rPr lang="en-US" sz="800" b="0" i="0" u="none" strike="noStrike">
-                          <a:solidFill>
-                            <a:srgbClr val="000000"/>
-                          </a:solidFill>
-                          <a:effectLst/>
-                          <a:latin typeface="Arial" panose="020B0604020202020204" pitchFamily="34" charset="0"/>
-                        </a:rPr>
-                        <a:t>Medium</a:t>
-                      </a:r>
-                      <a:endParaRPr lang="en-US" sz="800">
-                        <a:effectLst/>
-                      </a:endParaRPr>
-                    </a:p>
-                  </a:txBody>
-                  <a:tcPr marL="29617" marR="29617" marT="18543" marB="18543">
-                    <a:lnL w="9525" cap="flat" cmpd="sng" algn="ctr">
-                      <a:solidFill>
-                        <a:srgbClr val="000000"/>
-                      </a:solidFill>
-                      <a:prstDash val="solid"/>
-                      <a:round/>
-                      <a:headEnd type="none" w="med" len="med"/>
-                      <a:tailEnd type="none" w="med" len="med"/>
-                    </a:lnL>
-                    <a:lnR w="9525" cap="flat" cmpd="sng" algn="ctr">
-                      <a:solidFill>
-                        <a:srgbClr val="000000"/>
-                      </a:solidFill>
-                      <a:prstDash val="solid"/>
-                      <a:round/>
-                      <a:headEnd type="none" w="med" len="med"/>
-                      <a:tailEnd type="none" w="med" len="med"/>
-                    </a:lnR>
-                    <a:lnT w="9525" cap="flat" cmpd="sng" algn="ctr">
-                      <a:solidFill>
-                        <a:srgbClr val="000000"/>
-                      </a:solidFill>
-                      <a:prstDash val="solid"/>
-                      <a:round/>
-                      <a:headEnd type="none" w="med" len="med"/>
-                      <a:tailEnd type="none" w="med" len="med"/>
-                    </a:lnT>
-                    <a:lnB w="9525" cap="flat" cmpd="sng" algn="ctr">
-                      <a:solidFill>
-                        <a:srgbClr val="000000"/>
-                      </a:solidFill>
-                      <a:prstDash val="solid"/>
-                      <a:round/>
-                      <a:headEnd type="none" w="med" len="med"/>
-                      <a:tailEnd type="none" w="med" len="med"/>
-                    </a:lnB>
-                  </a:tcPr>
-                </a:tc>
-                <a:tc>
-                  <a:txBody>
-                    <a:bodyPr/>
-                    <a:lstStyle/>
-                    <a:p>
-                      <a:pPr algn="ctr" rtl="0" fontAlgn="t">
-                        <a:spcBef>
-                          <a:spcPts val="0"/>
-                        </a:spcBef>
-                        <a:spcAft>
-                          <a:spcPts val="600"/>
-                        </a:spcAft>
-                      </a:pPr>
-                      <a:r>
-                        <a:rPr lang="en-US" sz="800" b="0" i="0" u="none" strike="noStrike">
-                          <a:solidFill>
-                            <a:srgbClr val="000000"/>
-                          </a:solidFill>
-                          <a:effectLst/>
-                          <a:latin typeface="Arial" panose="020B0604020202020204" pitchFamily="34" charset="0"/>
-                        </a:rPr>
-                        <a:t>Use marketplace API’s to retrieve ingredient prices </a:t>
-                      </a:r>
-                      <a:endParaRPr lang="en-US" sz="800">
-                        <a:effectLst/>
-                      </a:endParaRPr>
-                    </a:p>
-                  </a:txBody>
-                  <a:tcPr marL="29617" marR="29617" marT="18543" marB="18543">
-                    <a:lnL w="9525" cap="flat" cmpd="sng" algn="ctr">
-                      <a:solidFill>
-                        <a:srgbClr val="000000"/>
-                      </a:solidFill>
-                      <a:prstDash val="solid"/>
-                      <a:round/>
-                      <a:headEnd type="none" w="med" len="med"/>
-                      <a:tailEnd type="none" w="med" len="med"/>
-                    </a:lnL>
-                    <a:lnR w="9525" cap="flat" cmpd="sng" algn="ctr">
-                      <a:solidFill>
-                        <a:srgbClr val="000000"/>
-                      </a:solidFill>
-                      <a:prstDash val="solid"/>
-                      <a:round/>
-                      <a:headEnd type="none" w="med" len="med"/>
-                      <a:tailEnd type="none" w="med" len="med"/>
-                    </a:lnR>
-                    <a:lnT w="9525" cap="flat" cmpd="sng" algn="ctr">
-                      <a:solidFill>
-                        <a:srgbClr val="000000"/>
-                      </a:solidFill>
-                      <a:prstDash val="solid"/>
-                      <a:round/>
-                      <a:headEnd type="none" w="med" len="med"/>
-                      <a:tailEnd type="none" w="med" len="med"/>
-                    </a:lnT>
-                    <a:lnB w="9525" cap="flat" cmpd="sng" algn="ctr">
-                      <a:solidFill>
-                        <a:srgbClr val="000000"/>
-                      </a:solidFill>
-                      <a:prstDash val="solid"/>
-                      <a:round/>
-                      <a:headEnd type="none" w="med" len="med"/>
-                      <a:tailEnd type="none" w="med" len="med"/>
-                    </a:lnB>
-                  </a:tcPr>
-                </a:tc>
-                <a:tc>
-                  <a:txBody>
-                    <a:bodyPr/>
-                    <a:lstStyle/>
-                    <a:p>
-                      <a:pPr algn="ctr" rtl="0" fontAlgn="t">
-                        <a:spcBef>
-                          <a:spcPts val="1200"/>
-                        </a:spcBef>
-                        <a:spcAft>
-                          <a:spcPts val="1200"/>
-                        </a:spcAft>
-                      </a:pPr>
-                      <a:r>
-                        <a:rPr lang="en-US" sz="800" b="0" i="0" u="none" strike="noStrike">
-                          <a:solidFill>
-                            <a:srgbClr val="000000"/>
-                          </a:solidFill>
-                          <a:effectLst/>
-                          <a:latin typeface="Arial" panose="020B0604020202020204" pitchFamily="34" charset="0"/>
-                        </a:rPr>
-                        <a:t>Release 2</a:t>
-                      </a:r>
-                      <a:endParaRPr lang="en-US" sz="800">
-                        <a:effectLst/>
-                      </a:endParaRPr>
-                    </a:p>
-                  </a:txBody>
-                  <a:tcPr marL="29617" marR="29617" marT="18543" marB="18543">
-                    <a:lnL w="9525" cap="flat" cmpd="sng" algn="ctr">
-                      <a:solidFill>
-                        <a:srgbClr val="000000"/>
-                      </a:solidFill>
-                      <a:prstDash val="solid"/>
-                      <a:round/>
-                      <a:headEnd type="none" w="med" len="med"/>
-                      <a:tailEnd type="none" w="med" len="med"/>
-                    </a:lnL>
-                    <a:lnR w="9525" cap="flat" cmpd="sng" algn="ctr">
-                      <a:solidFill>
-                        <a:srgbClr val="000000"/>
-                      </a:solidFill>
-                      <a:prstDash val="solid"/>
-                      <a:round/>
-                      <a:headEnd type="none" w="med" len="med"/>
-                      <a:tailEnd type="none" w="med" len="med"/>
-                    </a:lnR>
-                    <a:lnT w="9525" cap="flat" cmpd="sng" algn="ctr">
-                      <a:solidFill>
-                        <a:srgbClr val="000000"/>
-                      </a:solidFill>
-                      <a:prstDash val="solid"/>
-                      <a:round/>
-                      <a:headEnd type="none" w="med" len="med"/>
-                      <a:tailEnd type="none" w="med" len="med"/>
-                    </a:lnT>
-                    <a:lnB w="9525" cap="flat" cmpd="sng" algn="ctr">
-                      <a:solidFill>
-                        <a:srgbClr val="000000"/>
-                      </a:solidFill>
-                      <a:prstDash val="solid"/>
-                      <a:round/>
-                      <a:headEnd type="none" w="med" len="med"/>
-                      <a:tailEnd type="none" w="med" len="med"/>
-                    </a:lnB>
-                  </a:tcPr>
-                </a:tc>
-                <a:extLst>
-                  <a:ext uri="{0D108BD9-81ED-4DB2-BD59-A6C34878D82A}">
-                    <a16:rowId xmlns:a16="http://schemas.microsoft.com/office/drawing/2014/main" val="1501624070"/>
-                  </a:ext>
-                </a:extLst>
-              </a:tr>
-              <a:tr h="271959">
-                <a:tc>
-                  <a:txBody>
-                    <a:bodyPr/>
-                    <a:lstStyle/>
-                    <a:p>
-                      <a:pPr algn="ctr" rtl="0" fontAlgn="t">
-                        <a:spcBef>
-                          <a:spcPts val="0"/>
-                        </a:spcBef>
-                        <a:spcAft>
-                          <a:spcPts val="600"/>
-                        </a:spcAft>
-                      </a:pPr>
-                      <a:r>
-                        <a:rPr lang="en-US" sz="800" b="0" i="0" u="none" strike="noStrike">
-                          <a:solidFill>
-                            <a:srgbClr val="000000"/>
-                          </a:solidFill>
-                          <a:effectLst/>
-                          <a:latin typeface="Arial" panose="020B0604020202020204" pitchFamily="34" charset="0"/>
-                        </a:rPr>
-                        <a:t>Rating a Recipe</a:t>
-                      </a:r>
-                      <a:endParaRPr lang="en-US" sz="800">
-                        <a:effectLst/>
-                      </a:endParaRPr>
-                    </a:p>
-                  </a:txBody>
-                  <a:tcPr marL="29617" marR="29617" marT="18543" marB="18543">
-                    <a:lnL w="9525" cap="flat" cmpd="sng" algn="ctr">
-                      <a:solidFill>
-                        <a:srgbClr val="000000"/>
-                      </a:solidFill>
-                      <a:prstDash val="solid"/>
-                      <a:round/>
-                      <a:headEnd type="none" w="med" len="med"/>
-                      <a:tailEnd type="none" w="med" len="med"/>
-                    </a:lnL>
-                    <a:lnR w="9525" cap="flat" cmpd="sng" algn="ctr">
-                      <a:solidFill>
-                        <a:srgbClr val="000000"/>
-                      </a:solidFill>
-                      <a:prstDash val="solid"/>
-                      <a:round/>
-                      <a:headEnd type="none" w="med" len="med"/>
-                      <a:tailEnd type="none" w="med" len="med"/>
-                    </a:lnR>
-                    <a:lnT w="9525" cap="flat" cmpd="sng" algn="ctr">
-                      <a:solidFill>
-                        <a:srgbClr val="000000"/>
-                      </a:solidFill>
-                      <a:prstDash val="solid"/>
-                      <a:round/>
-                      <a:headEnd type="none" w="med" len="med"/>
-                      <a:tailEnd type="none" w="med" len="med"/>
-                    </a:lnT>
-                    <a:lnB w="9525" cap="flat" cmpd="sng" algn="ctr">
-                      <a:solidFill>
-                        <a:srgbClr val="000000"/>
-                      </a:solidFill>
-                      <a:prstDash val="solid"/>
-                      <a:round/>
-                      <a:headEnd type="none" w="med" len="med"/>
-                      <a:tailEnd type="none" w="med" len="med"/>
-                    </a:lnB>
-                  </a:tcPr>
-                </a:tc>
-                <a:tc>
-                  <a:txBody>
-                    <a:bodyPr/>
-                    <a:lstStyle/>
-                    <a:p>
-                      <a:pPr algn="ctr" rtl="0" fontAlgn="t">
-                        <a:spcBef>
-                          <a:spcPts val="0"/>
-                        </a:spcBef>
-                        <a:spcAft>
-                          <a:spcPts val="600"/>
-                        </a:spcAft>
-                      </a:pPr>
-                      <a:br>
-                        <a:rPr lang="en-US" sz="800">
-                          <a:effectLst/>
-                        </a:rPr>
-                      </a:br>
-                      <a:r>
-                        <a:rPr lang="en-US" sz="800" b="0" i="0" u="none" strike="noStrike">
-                          <a:solidFill>
-                            <a:srgbClr val="000000"/>
-                          </a:solidFill>
-                          <a:effectLst/>
-                          <a:latin typeface="Arial" panose="020B0604020202020204" pitchFamily="34" charset="0"/>
-                        </a:rPr>
-                        <a:t>Medium</a:t>
-                      </a:r>
-                      <a:endParaRPr lang="en-US" sz="800">
-                        <a:effectLst/>
-                      </a:endParaRPr>
-                    </a:p>
-                  </a:txBody>
-                  <a:tcPr marL="29617" marR="29617" marT="18543" marB="18543">
-                    <a:lnL w="9525" cap="flat" cmpd="sng" algn="ctr">
-                      <a:solidFill>
-                        <a:srgbClr val="000000"/>
-                      </a:solidFill>
-                      <a:prstDash val="solid"/>
-                      <a:round/>
-                      <a:headEnd type="none" w="med" len="med"/>
-                      <a:tailEnd type="none" w="med" len="med"/>
-                    </a:lnL>
-                    <a:lnR w="9525" cap="flat" cmpd="sng" algn="ctr">
-                      <a:solidFill>
-                        <a:srgbClr val="000000"/>
-                      </a:solidFill>
-                      <a:prstDash val="solid"/>
-                      <a:round/>
-                      <a:headEnd type="none" w="med" len="med"/>
-                      <a:tailEnd type="none" w="med" len="med"/>
-                    </a:lnR>
-                    <a:lnT w="9525" cap="flat" cmpd="sng" algn="ctr">
-                      <a:solidFill>
-                        <a:srgbClr val="000000"/>
-                      </a:solidFill>
-                      <a:prstDash val="solid"/>
-                      <a:round/>
-                      <a:headEnd type="none" w="med" len="med"/>
-                      <a:tailEnd type="none" w="med" len="med"/>
-                    </a:lnT>
-                    <a:lnB w="9525" cap="flat" cmpd="sng" algn="ctr">
-                      <a:solidFill>
-                        <a:srgbClr val="000000"/>
-                      </a:solidFill>
-                      <a:prstDash val="solid"/>
-                      <a:round/>
-                      <a:headEnd type="none" w="med" len="med"/>
-                      <a:tailEnd type="none" w="med" len="med"/>
-                    </a:lnB>
-                  </a:tcPr>
-                </a:tc>
-                <a:tc>
-                  <a:txBody>
-                    <a:bodyPr/>
-                    <a:lstStyle/>
-                    <a:p>
-                      <a:pPr algn="ctr" rtl="0" fontAlgn="t">
-                        <a:spcBef>
-                          <a:spcPts val="0"/>
-                        </a:spcBef>
-                        <a:spcAft>
-                          <a:spcPts val="600"/>
-                        </a:spcAft>
-                      </a:pPr>
-                      <a:r>
-                        <a:rPr lang="en-US" sz="800" b="0" i="0" u="none" strike="noStrike">
-                          <a:solidFill>
-                            <a:srgbClr val="000000"/>
-                          </a:solidFill>
-                          <a:effectLst/>
-                          <a:latin typeface="Arial" panose="020B0604020202020204" pitchFamily="34" charset="0"/>
-                        </a:rPr>
-                        <a:t>Rate the Taste, Ease of Prep.</a:t>
-                      </a:r>
-                      <a:endParaRPr lang="en-US" sz="800">
-                        <a:effectLst/>
-                      </a:endParaRPr>
-                    </a:p>
-                  </a:txBody>
-                  <a:tcPr marL="29617" marR="29617" marT="18543" marB="18543">
-                    <a:lnL w="9525" cap="flat" cmpd="sng" algn="ctr">
-                      <a:solidFill>
-                        <a:srgbClr val="000000"/>
-                      </a:solidFill>
-                      <a:prstDash val="solid"/>
-                      <a:round/>
-                      <a:headEnd type="none" w="med" len="med"/>
-                      <a:tailEnd type="none" w="med" len="med"/>
-                    </a:lnL>
-                    <a:lnR w="9525" cap="flat" cmpd="sng" algn="ctr">
-                      <a:solidFill>
-                        <a:srgbClr val="000000"/>
-                      </a:solidFill>
-                      <a:prstDash val="solid"/>
-                      <a:round/>
-                      <a:headEnd type="none" w="med" len="med"/>
-                      <a:tailEnd type="none" w="med" len="med"/>
-                    </a:lnR>
-                    <a:lnT w="9525" cap="flat" cmpd="sng" algn="ctr">
-                      <a:solidFill>
-                        <a:srgbClr val="000000"/>
-                      </a:solidFill>
-                      <a:prstDash val="solid"/>
-                      <a:round/>
-                      <a:headEnd type="none" w="med" len="med"/>
-                      <a:tailEnd type="none" w="med" len="med"/>
-                    </a:lnT>
-                    <a:lnB w="9525" cap="flat" cmpd="sng" algn="ctr">
-                      <a:solidFill>
-                        <a:srgbClr val="000000"/>
-                      </a:solidFill>
-                      <a:prstDash val="solid"/>
-                      <a:round/>
-                      <a:headEnd type="none" w="med" len="med"/>
-                      <a:tailEnd type="none" w="med" len="med"/>
-                    </a:lnB>
-                  </a:tcPr>
-                </a:tc>
-                <a:tc>
-                  <a:txBody>
-                    <a:bodyPr/>
-                    <a:lstStyle/>
-                    <a:p>
-                      <a:pPr algn="ctr" rtl="0" fontAlgn="t">
-                        <a:spcBef>
-                          <a:spcPts val="1200"/>
-                        </a:spcBef>
-                        <a:spcAft>
-                          <a:spcPts val="1200"/>
-                        </a:spcAft>
-                      </a:pPr>
-                      <a:r>
-                        <a:rPr lang="en-US" sz="800" b="0" i="0" u="none" strike="noStrike">
-                          <a:solidFill>
-                            <a:srgbClr val="000000"/>
-                          </a:solidFill>
-                          <a:effectLst/>
-                          <a:latin typeface="Arial" panose="020B0604020202020204" pitchFamily="34" charset="0"/>
-                        </a:rPr>
-                        <a:t>Release 2</a:t>
-                      </a:r>
-                      <a:endParaRPr lang="en-US" sz="800">
-                        <a:effectLst/>
-                      </a:endParaRPr>
-                    </a:p>
-                  </a:txBody>
-                  <a:tcPr marL="29617" marR="29617" marT="18543" marB="18543">
-                    <a:lnL w="9525" cap="flat" cmpd="sng" algn="ctr">
-                      <a:solidFill>
-                        <a:srgbClr val="000000"/>
-                      </a:solidFill>
-                      <a:prstDash val="solid"/>
-                      <a:round/>
-                      <a:headEnd type="none" w="med" len="med"/>
-                      <a:tailEnd type="none" w="med" len="med"/>
-                    </a:lnL>
-                    <a:lnR w="9525" cap="flat" cmpd="sng" algn="ctr">
-                      <a:solidFill>
-                        <a:srgbClr val="000000"/>
-                      </a:solidFill>
-                      <a:prstDash val="solid"/>
-                      <a:round/>
-                      <a:headEnd type="none" w="med" len="med"/>
-                      <a:tailEnd type="none" w="med" len="med"/>
-                    </a:lnR>
-                    <a:lnT w="9525" cap="flat" cmpd="sng" algn="ctr">
-                      <a:solidFill>
-                        <a:srgbClr val="000000"/>
-                      </a:solidFill>
-                      <a:prstDash val="solid"/>
-                      <a:round/>
-                      <a:headEnd type="none" w="med" len="med"/>
-                      <a:tailEnd type="none" w="med" len="med"/>
-                    </a:lnT>
-                    <a:lnB w="9525" cap="flat" cmpd="sng" algn="ctr">
-                      <a:solidFill>
-                        <a:srgbClr val="000000"/>
-                      </a:solidFill>
-                      <a:prstDash val="solid"/>
-                      <a:round/>
-                      <a:headEnd type="none" w="med" len="med"/>
-                      <a:tailEnd type="none" w="med" len="med"/>
-                    </a:lnB>
-                  </a:tcPr>
-                </a:tc>
-                <a:extLst>
-                  <a:ext uri="{0D108BD9-81ED-4DB2-BD59-A6C34878D82A}">
-                    <a16:rowId xmlns:a16="http://schemas.microsoft.com/office/drawing/2014/main" val="1612411414"/>
-                  </a:ext>
-                </a:extLst>
-              </a:tr>
-              <a:tr h="271959">
-                <a:tc>
-                  <a:txBody>
-                    <a:bodyPr/>
-                    <a:lstStyle/>
-                    <a:p>
-                      <a:pPr algn="ctr" rtl="0" fontAlgn="t">
-                        <a:spcBef>
-                          <a:spcPts val="0"/>
-                        </a:spcBef>
-                        <a:spcAft>
-                          <a:spcPts val="600"/>
-                        </a:spcAft>
-                      </a:pPr>
-                      <a:r>
-                        <a:rPr lang="en-US" sz="800" b="0" i="0" u="none" strike="noStrike">
-                          <a:solidFill>
-                            <a:srgbClr val="000000"/>
-                          </a:solidFill>
-                          <a:effectLst/>
-                          <a:latin typeface="Arial" panose="020B0604020202020204" pitchFamily="34" charset="0"/>
-                        </a:rPr>
-                        <a:t>Search and Filter through Recipes</a:t>
-                      </a:r>
-                      <a:endParaRPr lang="en-US" sz="800">
-                        <a:effectLst/>
-                      </a:endParaRPr>
-                    </a:p>
-                  </a:txBody>
-                  <a:tcPr marL="29617" marR="29617" marT="18543" marB="18543">
-                    <a:lnL w="9525" cap="flat" cmpd="sng" algn="ctr">
-                      <a:solidFill>
-                        <a:srgbClr val="000000"/>
-                      </a:solidFill>
-                      <a:prstDash val="solid"/>
-                      <a:round/>
-                      <a:headEnd type="none" w="med" len="med"/>
-                      <a:tailEnd type="none" w="med" len="med"/>
-                    </a:lnL>
-                    <a:lnR w="9525" cap="flat" cmpd="sng" algn="ctr">
-                      <a:solidFill>
-                        <a:srgbClr val="000000"/>
-                      </a:solidFill>
-                      <a:prstDash val="solid"/>
-                      <a:round/>
-                      <a:headEnd type="none" w="med" len="med"/>
-                      <a:tailEnd type="none" w="med" len="med"/>
-                    </a:lnR>
-                    <a:lnT w="9525" cap="flat" cmpd="sng" algn="ctr">
-                      <a:solidFill>
-                        <a:srgbClr val="000000"/>
-                      </a:solidFill>
-                      <a:prstDash val="solid"/>
-                      <a:round/>
-                      <a:headEnd type="none" w="med" len="med"/>
-                      <a:tailEnd type="none" w="med" len="med"/>
-                    </a:lnT>
-                    <a:lnB w="9525" cap="flat" cmpd="sng" algn="ctr">
-                      <a:solidFill>
-                        <a:srgbClr val="000000"/>
-                      </a:solidFill>
-                      <a:prstDash val="solid"/>
-                      <a:round/>
-                      <a:headEnd type="none" w="med" len="med"/>
-                      <a:tailEnd type="none" w="med" len="med"/>
-                    </a:lnB>
-                  </a:tcPr>
-                </a:tc>
-                <a:tc>
-                  <a:txBody>
-                    <a:bodyPr/>
-                    <a:lstStyle/>
-                    <a:p>
-                      <a:pPr algn="ctr" rtl="0" fontAlgn="t">
-                        <a:spcBef>
-                          <a:spcPts val="0"/>
-                        </a:spcBef>
-                        <a:spcAft>
-                          <a:spcPts val="600"/>
-                        </a:spcAft>
-                      </a:pPr>
-                      <a:br>
-                        <a:rPr lang="en-US" sz="800">
-                          <a:effectLst/>
-                        </a:rPr>
-                      </a:br>
-                      <a:r>
-                        <a:rPr lang="en-US" sz="800" b="0" i="0" u="none" strike="noStrike">
-                          <a:solidFill>
-                            <a:srgbClr val="000000"/>
-                          </a:solidFill>
-                          <a:effectLst/>
-                          <a:latin typeface="Arial" panose="020B0604020202020204" pitchFamily="34" charset="0"/>
-                        </a:rPr>
-                        <a:t>Medium</a:t>
-                      </a:r>
-                      <a:endParaRPr lang="en-US" sz="800">
-                        <a:effectLst/>
-                      </a:endParaRPr>
-                    </a:p>
-                  </a:txBody>
-                  <a:tcPr marL="29617" marR="29617" marT="18543" marB="18543">
-                    <a:lnL w="9525" cap="flat" cmpd="sng" algn="ctr">
-                      <a:solidFill>
-                        <a:srgbClr val="000000"/>
-                      </a:solidFill>
-                      <a:prstDash val="solid"/>
-                      <a:round/>
-                      <a:headEnd type="none" w="med" len="med"/>
-                      <a:tailEnd type="none" w="med" len="med"/>
-                    </a:lnL>
-                    <a:lnR w="9525" cap="flat" cmpd="sng" algn="ctr">
-                      <a:solidFill>
-                        <a:srgbClr val="000000"/>
-                      </a:solidFill>
-                      <a:prstDash val="solid"/>
-                      <a:round/>
-                      <a:headEnd type="none" w="med" len="med"/>
-                      <a:tailEnd type="none" w="med" len="med"/>
-                    </a:lnR>
-                    <a:lnT w="9525" cap="flat" cmpd="sng" algn="ctr">
-                      <a:solidFill>
-                        <a:srgbClr val="000000"/>
-                      </a:solidFill>
-                      <a:prstDash val="solid"/>
-                      <a:round/>
-                      <a:headEnd type="none" w="med" len="med"/>
-                      <a:tailEnd type="none" w="med" len="med"/>
-                    </a:lnT>
-                    <a:lnB w="9525" cap="flat" cmpd="sng" algn="ctr">
-                      <a:solidFill>
-                        <a:srgbClr val="000000"/>
-                      </a:solidFill>
-                      <a:prstDash val="solid"/>
-                      <a:round/>
-                      <a:headEnd type="none" w="med" len="med"/>
-                      <a:tailEnd type="none" w="med" len="med"/>
-                    </a:lnB>
-                  </a:tcPr>
-                </a:tc>
-                <a:tc>
-                  <a:txBody>
-                    <a:bodyPr/>
-                    <a:lstStyle/>
-                    <a:p>
-                      <a:pPr algn="ctr" rtl="0" fontAlgn="t">
-                        <a:spcBef>
-                          <a:spcPts val="0"/>
-                        </a:spcBef>
-                        <a:spcAft>
-                          <a:spcPts val="600"/>
-                        </a:spcAft>
-                      </a:pPr>
-                      <a:r>
-                        <a:rPr lang="en-US" sz="800" b="0" i="0" u="none" strike="noStrike">
-                          <a:solidFill>
-                            <a:srgbClr val="000000"/>
-                          </a:solidFill>
-                          <a:effectLst/>
-                          <a:latin typeface="Arial" panose="020B0604020202020204" pitchFamily="34" charset="0"/>
-                        </a:rPr>
-                        <a:t>Recipe Curation and Discovery</a:t>
-                      </a:r>
-                      <a:endParaRPr lang="en-US" sz="800">
-                        <a:effectLst/>
-                      </a:endParaRPr>
-                    </a:p>
-                  </a:txBody>
-                  <a:tcPr marL="29617" marR="29617" marT="18543" marB="18543">
-                    <a:lnL w="9525" cap="flat" cmpd="sng" algn="ctr">
-                      <a:solidFill>
-                        <a:srgbClr val="000000"/>
-                      </a:solidFill>
-                      <a:prstDash val="solid"/>
-                      <a:round/>
-                      <a:headEnd type="none" w="med" len="med"/>
-                      <a:tailEnd type="none" w="med" len="med"/>
-                    </a:lnL>
-                    <a:lnR w="9525" cap="flat" cmpd="sng" algn="ctr">
-                      <a:solidFill>
-                        <a:srgbClr val="000000"/>
-                      </a:solidFill>
-                      <a:prstDash val="solid"/>
-                      <a:round/>
-                      <a:headEnd type="none" w="med" len="med"/>
-                      <a:tailEnd type="none" w="med" len="med"/>
-                    </a:lnR>
-                    <a:lnT w="9525" cap="flat" cmpd="sng" algn="ctr">
-                      <a:solidFill>
-                        <a:srgbClr val="000000"/>
-                      </a:solidFill>
-                      <a:prstDash val="solid"/>
-                      <a:round/>
-                      <a:headEnd type="none" w="med" len="med"/>
-                      <a:tailEnd type="none" w="med" len="med"/>
-                    </a:lnT>
-                    <a:lnB w="9525" cap="flat" cmpd="sng" algn="ctr">
-                      <a:solidFill>
-                        <a:srgbClr val="000000"/>
-                      </a:solidFill>
-                      <a:prstDash val="solid"/>
-                      <a:round/>
-                      <a:headEnd type="none" w="med" len="med"/>
-                      <a:tailEnd type="none" w="med" len="med"/>
-                    </a:lnB>
-                  </a:tcPr>
-                </a:tc>
-                <a:tc>
-                  <a:txBody>
-                    <a:bodyPr/>
-                    <a:lstStyle/>
-                    <a:p>
-                      <a:pPr algn="ctr" rtl="0" fontAlgn="t">
-                        <a:spcBef>
-                          <a:spcPts val="1200"/>
-                        </a:spcBef>
-                        <a:spcAft>
-                          <a:spcPts val="1200"/>
-                        </a:spcAft>
-                      </a:pPr>
-                      <a:r>
-                        <a:rPr lang="en-US" sz="800" b="0" i="0" u="none" strike="noStrike">
-                          <a:solidFill>
-                            <a:srgbClr val="000000"/>
-                          </a:solidFill>
-                          <a:effectLst/>
-                          <a:latin typeface="Arial" panose="020B0604020202020204" pitchFamily="34" charset="0"/>
-                        </a:rPr>
-                        <a:t>Release 2</a:t>
-                      </a:r>
-                      <a:endParaRPr lang="en-US" sz="800">
-                        <a:effectLst/>
-                      </a:endParaRPr>
-                    </a:p>
-                  </a:txBody>
-                  <a:tcPr marL="29617" marR="29617" marT="18543" marB="18543">
-                    <a:lnL w="9525" cap="flat" cmpd="sng" algn="ctr">
-                      <a:solidFill>
-                        <a:srgbClr val="000000"/>
-                      </a:solidFill>
-                      <a:prstDash val="solid"/>
-                      <a:round/>
-                      <a:headEnd type="none" w="med" len="med"/>
-                      <a:tailEnd type="none" w="med" len="med"/>
-                    </a:lnL>
-                    <a:lnR w="9525" cap="flat" cmpd="sng" algn="ctr">
-                      <a:solidFill>
-                        <a:srgbClr val="000000"/>
-                      </a:solidFill>
-                      <a:prstDash val="solid"/>
-                      <a:round/>
-                      <a:headEnd type="none" w="med" len="med"/>
-                      <a:tailEnd type="none" w="med" len="med"/>
-                    </a:lnR>
-                    <a:lnT w="9525" cap="flat" cmpd="sng" algn="ctr">
-                      <a:solidFill>
-                        <a:srgbClr val="000000"/>
-                      </a:solidFill>
-                      <a:prstDash val="solid"/>
-                      <a:round/>
-                      <a:headEnd type="none" w="med" len="med"/>
-                      <a:tailEnd type="none" w="med" len="med"/>
-                    </a:lnT>
-                    <a:lnB w="9525" cap="flat" cmpd="sng" algn="ctr">
-                      <a:solidFill>
-                        <a:srgbClr val="000000"/>
-                      </a:solidFill>
-                      <a:prstDash val="solid"/>
-                      <a:round/>
-                      <a:headEnd type="none" w="med" len="med"/>
-                      <a:tailEnd type="none" w="med" len="med"/>
-                    </a:lnB>
-                  </a:tcPr>
-                </a:tc>
-                <a:extLst>
-                  <a:ext uri="{0D108BD9-81ED-4DB2-BD59-A6C34878D82A}">
-                    <a16:rowId xmlns:a16="http://schemas.microsoft.com/office/drawing/2014/main" val="2799087356"/>
-                  </a:ext>
-                </a:extLst>
-              </a:tr>
-              <a:tr h="160703">
-                <a:tc>
-                  <a:txBody>
-                    <a:bodyPr/>
-                    <a:lstStyle/>
-                    <a:p>
-                      <a:pPr algn="ctr" rtl="0" fontAlgn="t">
-                        <a:spcBef>
-                          <a:spcPts val="0"/>
-                        </a:spcBef>
-                        <a:spcAft>
-                          <a:spcPts val="600"/>
-                        </a:spcAft>
-                      </a:pPr>
-                      <a:r>
-                        <a:rPr lang="en-US" sz="800" b="0" i="0" u="none" strike="noStrike">
-                          <a:solidFill>
-                            <a:srgbClr val="000000"/>
-                          </a:solidFill>
-                          <a:effectLst/>
-                          <a:latin typeface="Arial" panose="020B0604020202020204" pitchFamily="34" charset="0"/>
-                        </a:rPr>
-                        <a:t>DM </a:t>
-                      </a:r>
-                      <a:endParaRPr lang="en-US" sz="800">
-                        <a:effectLst/>
-                      </a:endParaRPr>
-                    </a:p>
-                  </a:txBody>
-                  <a:tcPr marL="29617" marR="29617" marT="18543" marB="18543">
-                    <a:lnL w="9525" cap="flat" cmpd="sng" algn="ctr">
-                      <a:solidFill>
-                        <a:srgbClr val="000000"/>
-                      </a:solidFill>
-                      <a:prstDash val="solid"/>
-                      <a:round/>
-                      <a:headEnd type="none" w="med" len="med"/>
-                      <a:tailEnd type="none" w="med" len="med"/>
-                    </a:lnL>
-                    <a:lnR w="9525" cap="flat" cmpd="sng" algn="ctr">
-                      <a:solidFill>
-                        <a:srgbClr val="000000"/>
-                      </a:solidFill>
-                      <a:prstDash val="solid"/>
-                      <a:round/>
-                      <a:headEnd type="none" w="med" len="med"/>
-                      <a:tailEnd type="none" w="med" len="med"/>
-                    </a:lnR>
-                    <a:lnT w="9525" cap="flat" cmpd="sng" algn="ctr">
-                      <a:solidFill>
-                        <a:srgbClr val="000000"/>
-                      </a:solidFill>
-                      <a:prstDash val="solid"/>
-                      <a:round/>
-                      <a:headEnd type="none" w="med" len="med"/>
-                      <a:tailEnd type="none" w="med" len="med"/>
-                    </a:lnT>
-                    <a:lnB w="9525" cap="flat" cmpd="sng" algn="ctr">
-                      <a:solidFill>
-                        <a:srgbClr val="000000"/>
-                      </a:solidFill>
-                      <a:prstDash val="solid"/>
-                      <a:round/>
-                      <a:headEnd type="none" w="med" len="med"/>
-                      <a:tailEnd type="none" w="med" len="med"/>
-                    </a:lnB>
-                  </a:tcPr>
-                </a:tc>
-                <a:tc>
-                  <a:txBody>
-                    <a:bodyPr/>
-                    <a:lstStyle/>
-                    <a:p>
-                      <a:pPr algn="ctr" rtl="0" fontAlgn="t">
-                        <a:spcBef>
-                          <a:spcPts val="0"/>
-                        </a:spcBef>
-                        <a:spcAft>
-                          <a:spcPts val="600"/>
-                        </a:spcAft>
-                      </a:pPr>
-                      <a:r>
-                        <a:rPr lang="en-US" sz="800" b="0" i="0" u="none" strike="noStrike">
-                          <a:solidFill>
-                            <a:srgbClr val="000000"/>
-                          </a:solidFill>
-                          <a:effectLst/>
-                          <a:latin typeface="Arial" panose="020B0604020202020204" pitchFamily="34" charset="0"/>
-                        </a:rPr>
-                        <a:t>Low</a:t>
-                      </a:r>
-                      <a:endParaRPr lang="en-US" sz="800">
-                        <a:effectLst/>
-                      </a:endParaRPr>
-                    </a:p>
-                  </a:txBody>
-                  <a:tcPr marL="29617" marR="29617" marT="18543" marB="18543">
-                    <a:lnL w="9525" cap="flat" cmpd="sng" algn="ctr">
-                      <a:solidFill>
-                        <a:srgbClr val="000000"/>
-                      </a:solidFill>
-                      <a:prstDash val="solid"/>
-                      <a:round/>
-                      <a:headEnd type="none" w="med" len="med"/>
-                      <a:tailEnd type="none" w="med" len="med"/>
-                    </a:lnL>
-                    <a:lnR w="9525" cap="flat" cmpd="sng" algn="ctr">
-                      <a:solidFill>
-                        <a:srgbClr val="000000"/>
-                      </a:solidFill>
-                      <a:prstDash val="solid"/>
-                      <a:round/>
-                      <a:headEnd type="none" w="med" len="med"/>
-                      <a:tailEnd type="none" w="med" len="med"/>
-                    </a:lnR>
-                    <a:lnT w="9525" cap="flat" cmpd="sng" algn="ctr">
-                      <a:solidFill>
-                        <a:srgbClr val="000000"/>
-                      </a:solidFill>
-                      <a:prstDash val="solid"/>
-                      <a:round/>
-                      <a:headEnd type="none" w="med" len="med"/>
-                      <a:tailEnd type="none" w="med" len="med"/>
-                    </a:lnT>
-                    <a:lnB w="9525" cap="flat" cmpd="sng" algn="ctr">
-                      <a:solidFill>
-                        <a:srgbClr val="000000"/>
-                      </a:solidFill>
-                      <a:prstDash val="solid"/>
-                      <a:round/>
-                      <a:headEnd type="none" w="med" len="med"/>
-                      <a:tailEnd type="none" w="med" len="med"/>
-                    </a:lnB>
-                  </a:tcPr>
-                </a:tc>
-                <a:tc>
-                  <a:txBody>
-                    <a:bodyPr/>
-                    <a:lstStyle/>
-                    <a:p>
-                      <a:pPr algn="ctr" rtl="0" fontAlgn="t">
-                        <a:spcBef>
-                          <a:spcPts val="0"/>
-                        </a:spcBef>
-                        <a:spcAft>
-                          <a:spcPts val="600"/>
-                        </a:spcAft>
-                      </a:pPr>
-                      <a:r>
-                        <a:rPr lang="en-US" sz="800" b="0" i="0" u="none" strike="noStrike">
-                          <a:solidFill>
-                            <a:srgbClr val="000000"/>
-                          </a:solidFill>
-                          <a:effectLst/>
-                          <a:latin typeface="Arial" panose="020B0604020202020204" pitchFamily="34" charset="0"/>
-                        </a:rPr>
-                        <a:t>Sending direct messages </a:t>
-                      </a:r>
-                      <a:endParaRPr lang="en-US" sz="800">
-                        <a:effectLst/>
-                      </a:endParaRPr>
-                    </a:p>
-                  </a:txBody>
-                  <a:tcPr marL="29617" marR="29617" marT="18543" marB="18543">
-                    <a:lnL w="9525" cap="flat" cmpd="sng" algn="ctr">
-                      <a:solidFill>
-                        <a:srgbClr val="000000"/>
-                      </a:solidFill>
-                      <a:prstDash val="solid"/>
-                      <a:round/>
-                      <a:headEnd type="none" w="med" len="med"/>
-                      <a:tailEnd type="none" w="med" len="med"/>
-                    </a:lnL>
-                    <a:lnR w="9525" cap="flat" cmpd="sng" algn="ctr">
-                      <a:solidFill>
-                        <a:srgbClr val="000000"/>
-                      </a:solidFill>
-                      <a:prstDash val="solid"/>
-                      <a:round/>
-                      <a:headEnd type="none" w="med" len="med"/>
-                      <a:tailEnd type="none" w="med" len="med"/>
-                    </a:lnR>
-                    <a:lnT w="9525" cap="flat" cmpd="sng" algn="ctr">
-                      <a:solidFill>
-                        <a:srgbClr val="000000"/>
-                      </a:solidFill>
-                      <a:prstDash val="solid"/>
-                      <a:round/>
-                      <a:headEnd type="none" w="med" len="med"/>
-                      <a:tailEnd type="none" w="med" len="med"/>
-                    </a:lnT>
-                    <a:lnB w="9525" cap="flat" cmpd="sng" algn="ctr">
-                      <a:solidFill>
-                        <a:srgbClr val="000000"/>
-                      </a:solidFill>
-                      <a:prstDash val="solid"/>
-                      <a:round/>
-                      <a:headEnd type="none" w="med" len="med"/>
-                      <a:tailEnd type="none" w="med" len="med"/>
-                    </a:lnB>
-                  </a:tcPr>
-                </a:tc>
-                <a:tc>
-                  <a:txBody>
-                    <a:bodyPr/>
-                    <a:lstStyle/>
-                    <a:p>
-                      <a:pPr algn="ctr" rtl="0" fontAlgn="t">
-                        <a:spcBef>
-                          <a:spcPts val="1200"/>
-                        </a:spcBef>
-                        <a:spcAft>
-                          <a:spcPts val="1200"/>
-                        </a:spcAft>
-                      </a:pPr>
-                      <a:r>
-                        <a:rPr lang="en-US" sz="800" b="0" i="0" u="none" strike="noStrike">
-                          <a:solidFill>
-                            <a:srgbClr val="000000"/>
-                          </a:solidFill>
-                          <a:effectLst/>
-                          <a:latin typeface="Arial" panose="020B0604020202020204" pitchFamily="34" charset="0"/>
-                        </a:rPr>
-                        <a:t>Release 2</a:t>
-                      </a:r>
-                      <a:endParaRPr lang="en-US" sz="800">
-                        <a:effectLst/>
-                      </a:endParaRPr>
-                    </a:p>
-                  </a:txBody>
-                  <a:tcPr marL="29617" marR="29617" marT="18543" marB="18543">
-                    <a:lnL w="9525" cap="flat" cmpd="sng" algn="ctr">
-                      <a:solidFill>
-                        <a:srgbClr val="000000"/>
-                      </a:solidFill>
-                      <a:prstDash val="solid"/>
-                      <a:round/>
-                      <a:headEnd type="none" w="med" len="med"/>
-                      <a:tailEnd type="none" w="med" len="med"/>
-                    </a:lnL>
-                    <a:lnR w="9525" cap="flat" cmpd="sng" algn="ctr">
-                      <a:solidFill>
-                        <a:srgbClr val="000000"/>
-                      </a:solidFill>
-                      <a:prstDash val="solid"/>
-                      <a:round/>
-                      <a:headEnd type="none" w="med" len="med"/>
-                      <a:tailEnd type="none" w="med" len="med"/>
-                    </a:lnR>
-                    <a:lnT w="9525" cap="flat" cmpd="sng" algn="ctr">
-                      <a:solidFill>
-                        <a:srgbClr val="000000"/>
-                      </a:solidFill>
-                      <a:prstDash val="solid"/>
-                      <a:round/>
-                      <a:headEnd type="none" w="med" len="med"/>
-                      <a:tailEnd type="none" w="med" len="med"/>
-                    </a:lnT>
-                    <a:lnB w="9525" cap="flat" cmpd="sng" algn="ctr">
-                      <a:solidFill>
-                        <a:srgbClr val="000000"/>
-                      </a:solidFill>
-                      <a:prstDash val="solid"/>
-                      <a:round/>
-                      <a:headEnd type="none" w="med" len="med"/>
-                      <a:tailEnd type="none" w="med" len="med"/>
-                    </a:lnB>
-                  </a:tcPr>
-                </a:tc>
-                <a:extLst>
-                  <a:ext uri="{0D108BD9-81ED-4DB2-BD59-A6C34878D82A}">
-                    <a16:rowId xmlns:a16="http://schemas.microsoft.com/office/drawing/2014/main" val="2155439978"/>
-                  </a:ext>
-                </a:extLst>
-              </a:tr>
-              <a:tr h="222512">
-                <a:tc>
-                  <a:txBody>
-                    <a:bodyPr/>
-                    <a:lstStyle/>
-                    <a:p>
-                      <a:pPr algn="ctr" rtl="0" fontAlgn="t">
-                        <a:spcBef>
-                          <a:spcPts val="0"/>
-                        </a:spcBef>
-                        <a:spcAft>
-                          <a:spcPts val="600"/>
-                        </a:spcAft>
-                      </a:pPr>
-                      <a:r>
-                        <a:rPr lang="en-US" sz="800" b="0" i="0" u="none" strike="noStrike">
-                          <a:solidFill>
-                            <a:srgbClr val="000000"/>
-                          </a:solidFill>
-                          <a:effectLst/>
-                          <a:latin typeface="Arial" panose="020B0604020202020204" pitchFamily="34" charset="0"/>
-                        </a:rPr>
-                        <a:t>Notifications</a:t>
-                      </a:r>
-                      <a:endParaRPr lang="en-US" sz="800">
-                        <a:effectLst/>
-                      </a:endParaRPr>
-                    </a:p>
-                  </a:txBody>
-                  <a:tcPr marL="29617" marR="29617" marT="18543" marB="18543">
-                    <a:lnL w="9525" cap="flat" cmpd="sng" algn="ctr">
-                      <a:solidFill>
-                        <a:srgbClr val="000000"/>
-                      </a:solidFill>
-                      <a:prstDash val="solid"/>
-                      <a:round/>
-                      <a:headEnd type="none" w="med" len="med"/>
-                      <a:tailEnd type="none" w="med" len="med"/>
-                    </a:lnL>
-                    <a:lnR w="9525" cap="flat" cmpd="sng" algn="ctr">
-                      <a:solidFill>
-                        <a:srgbClr val="000000"/>
-                      </a:solidFill>
-                      <a:prstDash val="solid"/>
-                      <a:round/>
-                      <a:headEnd type="none" w="med" len="med"/>
-                      <a:tailEnd type="none" w="med" len="med"/>
-                    </a:lnR>
-                    <a:lnT w="9525" cap="flat" cmpd="sng" algn="ctr">
-                      <a:solidFill>
-                        <a:srgbClr val="000000"/>
-                      </a:solidFill>
-                      <a:prstDash val="solid"/>
-                      <a:round/>
-                      <a:headEnd type="none" w="med" len="med"/>
-                      <a:tailEnd type="none" w="med" len="med"/>
-                    </a:lnT>
-                    <a:lnB w="9525" cap="flat" cmpd="sng" algn="ctr">
-                      <a:solidFill>
-                        <a:srgbClr val="000000"/>
-                      </a:solidFill>
-                      <a:prstDash val="solid"/>
-                      <a:round/>
-                      <a:headEnd type="none" w="med" len="med"/>
-                      <a:tailEnd type="none" w="med" len="med"/>
-                    </a:lnB>
-                  </a:tcPr>
-                </a:tc>
-                <a:tc>
-                  <a:txBody>
-                    <a:bodyPr/>
-                    <a:lstStyle/>
-                    <a:p>
-                      <a:pPr algn="ctr" rtl="0" fontAlgn="t">
-                        <a:spcBef>
-                          <a:spcPts val="0"/>
-                        </a:spcBef>
-                        <a:spcAft>
-                          <a:spcPts val="600"/>
-                        </a:spcAft>
-                      </a:pPr>
-                      <a:r>
-                        <a:rPr lang="en-US" sz="800" b="0" i="0" u="none" strike="noStrike">
-                          <a:solidFill>
-                            <a:srgbClr val="000000"/>
-                          </a:solidFill>
-                          <a:effectLst/>
-                          <a:latin typeface="Arial" panose="020B0604020202020204" pitchFamily="34" charset="0"/>
-                        </a:rPr>
-                        <a:t>Low</a:t>
-                      </a:r>
-                      <a:endParaRPr lang="en-US" sz="800">
-                        <a:effectLst/>
-                      </a:endParaRPr>
-                    </a:p>
-                  </a:txBody>
-                  <a:tcPr marL="29617" marR="29617" marT="18543" marB="18543">
-                    <a:lnL w="9525" cap="flat" cmpd="sng" algn="ctr">
-                      <a:solidFill>
-                        <a:srgbClr val="000000"/>
-                      </a:solidFill>
-                      <a:prstDash val="solid"/>
-                      <a:round/>
-                      <a:headEnd type="none" w="med" len="med"/>
-                      <a:tailEnd type="none" w="med" len="med"/>
-                    </a:lnL>
-                    <a:lnR w="9525" cap="flat" cmpd="sng" algn="ctr">
-                      <a:solidFill>
-                        <a:srgbClr val="000000"/>
-                      </a:solidFill>
-                      <a:prstDash val="solid"/>
-                      <a:round/>
-                      <a:headEnd type="none" w="med" len="med"/>
-                      <a:tailEnd type="none" w="med" len="med"/>
-                    </a:lnR>
-                    <a:lnT w="9525" cap="flat" cmpd="sng" algn="ctr">
-                      <a:solidFill>
-                        <a:srgbClr val="000000"/>
-                      </a:solidFill>
-                      <a:prstDash val="solid"/>
-                      <a:round/>
-                      <a:headEnd type="none" w="med" len="med"/>
-                      <a:tailEnd type="none" w="med" len="med"/>
-                    </a:lnT>
-                    <a:lnB w="9525" cap="flat" cmpd="sng" algn="ctr">
-                      <a:solidFill>
-                        <a:srgbClr val="000000"/>
-                      </a:solidFill>
-                      <a:prstDash val="solid"/>
-                      <a:round/>
-                      <a:headEnd type="none" w="med" len="med"/>
-                      <a:tailEnd type="none" w="med" len="med"/>
-                    </a:lnB>
-                  </a:tcPr>
-                </a:tc>
-                <a:tc>
-                  <a:txBody>
-                    <a:bodyPr/>
-                    <a:lstStyle/>
-                    <a:p>
-                      <a:pPr algn="ctr" rtl="0" fontAlgn="t">
-                        <a:spcBef>
-                          <a:spcPts val="0"/>
-                        </a:spcBef>
-                        <a:spcAft>
-                          <a:spcPts val="600"/>
-                        </a:spcAft>
-                      </a:pPr>
-                      <a:r>
-                        <a:rPr lang="en-US" sz="800" b="0" i="0" u="none" strike="noStrike">
-                          <a:solidFill>
-                            <a:srgbClr val="000000"/>
-                          </a:solidFill>
-                          <a:effectLst/>
-                          <a:latin typeface="Arial" panose="020B0604020202020204" pitchFamily="34" charset="0"/>
-                        </a:rPr>
-                        <a:t>Show customizable Notifications</a:t>
-                      </a:r>
-                      <a:endParaRPr lang="en-US" sz="800">
-                        <a:effectLst/>
-                      </a:endParaRPr>
-                    </a:p>
-                  </a:txBody>
-                  <a:tcPr marL="29617" marR="29617" marT="18543" marB="18543">
-                    <a:lnL w="9525" cap="flat" cmpd="sng" algn="ctr">
-                      <a:solidFill>
-                        <a:srgbClr val="000000"/>
-                      </a:solidFill>
-                      <a:prstDash val="solid"/>
-                      <a:round/>
-                      <a:headEnd type="none" w="med" len="med"/>
-                      <a:tailEnd type="none" w="med" len="med"/>
-                    </a:lnL>
-                    <a:lnR w="9525" cap="flat" cmpd="sng" algn="ctr">
-                      <a:solidFill>
-                        <a:srgbClr val="000000"/>
-                      </a:solidFill>
-                      <a:prstDash val="solid"/>
-                      <a:round/>
-                      <a:headEnd type="none" w="med" len="med"/>
-                      <a:tailEnd type="none" w="med" len="med"/>
-                    </a:lnR>
-                    <a:lnT w="9525" cap="flat" cmpd="sng" algn="ctr">
-                      <a:solidFill>
-                        <a:srgbClr val="000000"/>
-                      </a:solidFill>
-                      <a:prstDash val="solid"/>
-                      <a:round/>
-                      <a:headEnd type="none" w="med" len="med"/>
-                      <a:tailEnd type="none" w="med" len="med"/>
-                    </a:lnT>
-                    <a:lnB w="9525" cap="flat" cmpd="sng" algn="ctr">
-                      <a:solidFill>
-                        <a:srgbClr val="000000"/>
-                      </a:solidFill>
-                      <a:prstDash val="solid"/>
-                      <a:round/>
-                      <a:headEnd type="none" w="med" len="med"/>
-                      <a:tailEnd type="none" w="med" len="med"/>
-                    </a:lnB>
-                  </a:tcPr>
-                </a:tc>
-                <a:tc>
-                  <a:txBody>
-                    <a:bodyPr/>
-                    <a:lstStyle/>
-                    <a:p>
-                      <a:pPr algn="ctr" rtl="0" fontAlgn="t">
-                        <a:spcBef>
-                          <a:spcPts val="1200"/>
-                        </a:spcBef>
-                        <a:spcAft>
-                          <a:spcPts val="1200"/>
-                        </a:spcAft>
-                      </a:pPr>
-                      <a:r>
-                        <a:rPr lang="en-US" sz="800" b="0" i="0" u="none" strike="noStrike">
-                          <a:solidFill>
-                            <a:srgbClr val="000000"/>
-                          </a:solidFill>
-                          <a:effectLst/>
-                          <a:latin typeface="Arial" panose="020B0604020202020204" pitchFamily="34" charset="0"/>
-                        </a:rPr>
-                        <a:t>Release 2</a:t>
-                      </a:r>
-                      <a:endParaRPr lang="en-US" sz="800">
-                        <a:effectLst/>
-                      </a:endParaRPr>
-                    </a:p>
-                  </a:txBody>
-                  <a:tcPr marL="29617" marR="29617" marT="18543" marB="18543">
-                    <a:lnL w="9525" cap="flat" cmpd="sng" algn="ctr">
-                      <a:solidFill>
-                        <a:srgbClr val="000000"/>
-                      </a:solidFill>
-                      <a:prstDash val="solid"/>
-                      <a:round/>
-                      <a:headEnd type="none" w="med" len="med"/>
-                      <a:tailEnd type="none" w="med" len="med"/>
-                    </a:lnL>
-                    <a:lnR w="9525" cap="flat" cmpd="sng" algn="ctr">
-                      <a:solidFill>
-                        <a:srgbClr val="000000"/>
-                      </a:solidFill>
-                      <a:prstDash val="solid"/>
-                      <a:round/>
-                      <a:headEnd type="none" w="med" len="med"/>
-                      <a:tailEnd type="none" w="med" len="med"/>
-                    </a:lnR>
-                    <a:lnT w="9525" cap="flat" cmpd="sng" algn="ctr">
-                      <a:solidFill>
-                        <a:srgbClr val="000000"/>
-                      </a:solidFill>
-                      <a:prstDash val="solid"/>
-                      <a:round/>
-                      <a:headEnd type="none" w="med" len="med"/>
-                      <a:tailEnd type="none" w="med" len="med"/>
-                    </a:lnT>
-                    <a:lnB w="9525" cap="flat" cmpd="sng" algn="ctr">
-                      <a:solidFill>
-                        <a:srgbClr val="000000"/>
-                      </a:solidFill>
-                      <a:prstDash val="solid"/>
-                      <a:round/>
-                      <a:headEnd type="none" w="med" len="med"/>
-                      <a:tailEnd type="none" w="med" len="med"/>
-                    </a:lnB>
-                  </a:tcPr>
-                </a:tc>
-                <a:extLst>
-                  <a:ext uri="{0D108BD9-81ED-4DB2-BD59-A6C34878D82A}">
-                    <a16:rowId xmlns:a16="http://schemas.microsoft.com/office/drawing/2014/main" val="3450116213"/>
-                  </a:ext>
-                </a:extLst>
-              </a:tr>
-              <a:tr h="469747">
-                <a:tc>
-                  <a:txBody>
-                    <a:bodyPr/>
-                    <a:lstStyle/>
-                    <a:p>
-                      <a:pPr algn="ctr" rtl="0" fontAlgn="t">
-                        <a:spcBef>
-                          <a:spcPts val="0"/>
-                        </a:spcBef>
-                        <a:spcAft>
-                          <a:spcPts val="600"/>
-                        </a:spcAft>
-                      </a:pPr>
-                      <a:r>
-                        <a:rPr lang="en-US" sz="800" b="0" i="0" u="none" strike="noStrike">
-                          <a:solidFill>
-                            <a:srgbClr val="000000"/>
-                          </a:solidFill>
-                          <a:effectLst/>
-                          <a:latin typeface="Arial" panose="020B0604020202020204" pitchFamily="34" charset="0"/>
-                        </a:rPr>
-                        <a:t>Bonus System</a:t>
-                      </a:r>
-                      <a:endParaRPr lang="en-US" sz="800">
-                        <a:effectLst/>
-                      </a:endParaRPr>
-                    </a:p>
-                  </a:txBody>
-                  <a:tcPr marL="29617" marR="29617" marT="18543" marB="18543">
-                    <a:lnL w="9525" cap="flat" cmpd="sng" algn="ctr">
-                      <a:solidFill>
-                        <a:srgbClr val="000000"/>
-                      </a:solidFill>
-                      <a:prstDash val="solid"/>
-                      <a:round/>
-                      <a:headEnd type="none" w="med" len="med"/>
-                      <a:tailEnd type="none" w="med" len="med"/>
-                    </a:lnL>
-                    <a:lnR w="9525" cap="flat" cmpd="sng" algn="ctr">
-                      <a:solidFill>
-                        <a:srgbClr val="000000"/>
-                      </a:solidFill>
-                      <a:prstDash val="solid"/>
-                      <a:round/>
-                      <a:headEnd type="none" w="med" len="med"/>
-                      <a:tailEnd type="none" w="med" len="med"/>
-                    </a:lnR>
-                    <a:lnT w="9525" cap="flat" cmpd="sng" algn="ctr">
-                      <a:solidFill>
-                        <a:srgbClr val="000000"/>
-                      </a:solidFill>
-                      <a:prstDash val="solid"/>
-                      <a:round/>
-                      <a:headEnd type="none" w="med" len="med"/>
-                      <a:tailEnd type="none" w="med" len="med"/>
-                    </a:lnT>
-                    <a:lnB w="9525" cap="flat" cmpd="sng" algn="ctr">
-                      <a:solidFill>
-                        <a:srgbClr val="000000"/>
-                      </a:solidFill>
-                      <a:prstDash val="solid"/>
-                      <a:round/>
-                      <a:headEnd type="none" w="med" len="med"/>
-                      <a:tailEnd type="none" w="med" len="med"/>
-                    </a:lnB>
-                  </a:tcPr>
-                </a:tc>
-                <a:tc>
-                  <a:txBody>
-                    <a:bodyPr/>
-                    <a:lstStyle/>
-                    <a:p>
-                      <a:pPr algn="ctr" rtl="0" fontAlgn="t">
-                        <a:spcBef>
-                          <a:spcPts val="0"/>
-                        </a:spcBef>
-                        <a:spcAft>
-                          <a:spcPts val="600"/>
-                        </a:spcAft>
-                      </a:pPr>
-                      <a:r>
-                        <a:rPr lang="en-US" sz="800" b="0" i="0" u="none" strike="noStrike">
-                          <a:solidFill>
-                            <a:srgbClr val="000000"/>
-                          </a:solidFill>
-                          <a:effectLst/>
-                          <a:latin typeface="Arial" panose="020B0604020202020204" pitchFamily="34" charset="0"/>
-                        </a:rPr>
-                        <a:t>Low</a:t>
-                      </a:r>
-                      <a:endParaRPr lang="en-US" sz="800">
-                        <a:effectLst/>
-                      </a:endParaRPr>
-                    </a:p>
-                  </a:txBody>
-                  <a:tcPr marL="29617" marR="29617" marT="18543" marB="18543">
-                    <a:lnL w="9525" cap="flat" cmpd="sng" algn="ctr">
-                      <a:solidFill>
-                        <a:srgbClr val="000000"/>
-                      </a:solidFill>
-                      <a:prstDash val="solid"/>
-                      <a:round/>
-                      <a:headEnd type="none" w="med" len="med"/>
-                      <a:tailEnd type="none" w="med" len="med"/>
-                    </a:lnL>
-                    <a:lnR w="9525" cap="flat" cmpd="sng" algn="ctr">
-                      <a:solidFill>
-                        <a:srgbClr val="000000"/>
-                      </a:solidFill>
-                      <a:prstDash val="solid"/>
-                      <a:round/>
-                      <a:headEnd type="none" w="med" len="med"/>
-                      <a:tailEnd type="none" w="med" len="med"/>
-                    </a:lnR>
-                    <a:lnT w="9525" cap="flat" cmpd="sng" algn="ctr">
-                      <a:solidFill>
-                        <a:srgbClr val="000000"/>
-                      </a:solidFill>
-                      <a:prstDash val="solid"/>
-                      <a:round/>
-                      <a:headEnd type="none" w="med" len="med"/>
-                      <a:tailEnd type="none" w="med" len="med"/>
-                    </a:lnT>
-                    <a:lnB w="9525" cap="flat" cmpd="sng" algn="ctr">
-                      <a:solidFill>
-                        <a:srgbClr val="000000"/>
-                      </a:solidFill>
-                      <a:prstDash val="solid"/>
-                      <a:round/>
-                      <a:headEnd type="none" w="med" len="med"/>
-                      <a:tailEnd type="none" w="med" len="med"/>
-                    </a:lnB>
-                  </a:tcPr>
-                </a:tc>
-                <a:tc>
-                  <a:txBody>
-                    <a:bodyPr/>
-                    <a:lstStyle/>
-                    <a:p>
-                      <a:pPr algn="ctr" rtl="0" fontAlgn="t">
-                        <a:spcBef>
-                          <a:spcPts val="0"/>
-                        </a:spcBef>
-                        <a:spcAft>
-                          <a:spcPts val="600"/>
-                        </a:spcAft>
-                      </a:pPr>
-                      <a:r>
-                        <a:rPr lang="en-US" sz="800" b="0" i="0" u="none" strike="noStrike">
-                          <a:solidFill>
-                            <a:srgbClr val="000000"/>
-                          </a:solidFill>
-                          <a:effectLst/>
-                          <a:latin typeface="Arial" panose="020B0604020202020204" pitchFamily="34" charset="0"/>
-                        </a:rPr>
-                        <a:t>Give out a specific amount of money to influencers based on certain criteria</a:t>
-                      </a:r>
-                      <a:endParaRPr lang="en-US" sz="800">
-                        <a:effectLst/>
-                      </a:endParaRPr>
-                    </a:p>
-                  </a:txBody>
-                  <a:tcPr marL="29617" marR="29617" marT="18543" marB="18543">
-                    <a:lnL w="9525" cap="flat" cmpd="sng" algn="ctr">
-                      <a:solidFill>
-                        <a:srgbClr val="000000"/>
-                      </a:solidFill>
-                      <a:prstDash val="solid"/>
-                      <a:round/>
-                      <a:headEnd type="none" w="med" len="med"/>
-                      <a:tailEnd type="none" w="med" len="med"/>
-                    </a:lnL>
-                    <a:lnR w="9525" cap="flat" cmpd="sng" algn="ctr">
-                      <a:solidFill>
-                        <a:srgbClr val="000000"/>
-                      </a:solidFill>
-                      <a:prstDash val="solid"/>
-                      <a:round/>
-                      <a:headEnd type="none" w="med" len="med"/>
-                      <a:tailEnd type="none" w="med" len="med"/>
-                    </a:lnR>
-                    <a:lnT w="9525" cap="flat" cmpd="sng" algn="ctr">
-                      <a:solidFill>
-                        <a:srgbClr val="000000"/>
-                      </a:solidFill>
-                      <a:prstDash val="solid"/>
-                      <a:round/>
-                      <a:headEnd type="none" w="med" len="med"/>
-                      <a:tailEnd type="none" w="med" len="med"/>
-                    </a:lnT>
-                    <a:lnB w="9525" cap="flat" cmpd="sng" algn="ctr">
-                      <a:solidFill>
-                        <a:srgbClr val="000000"/>
-                      </a:solidFill>
-                      <a:prstDash val="solid"/>
-                      <a:round/>
-                      <a:headEnd type="none" w="med" len="med"/>
-                      <a:tailEnd type="none" w="med" len="med"/>
-                    </a:lnB>
-                  </a:tcPr>
-                </a:tc>
-                <a:tc>
-                  <a:txBody>
-                    <a:bodyPr/>
-                    <a:lstStyle/>
-                    <a:p>
-                      <a:pPr algn="ctr" rtl="0" fontAlgn="t">
-                        <a:spcBef>
-                          <a:spcPts val="1200"/>
-                        </a:spcBef>
-                        <a:spcAft>
-                          <a:spcPts val="1200"/>
-                        </a:spcAft>
-                      </a:pPr>
-                      <a:r>
-                        <a:rPr lang="en-US" sz="800" b="0" i="0" u="none" strike="noStrike">
-                          <a:solidFill>
-                            <a:srgbClr val="000000"/>
-                          </a:solidFill>
-                          <a:effectLst/>
-                          <a:latin typeface="Arial" panose="020B0604020202020204" pitchFamily="34" charset="0"/>
-                        </a:rPr>
-                        <a:t>Release 2</a:t>
-                      </a:r>
-                      <a:endParaRPr lang="en-US" sz="800">
-                        <a:effectLst/>
-                      </a:endParaRPr>
-                    </a:p>
-                  </a:txBody>
-                  <a:tcPr marL="29617" marR="29617" marT="18543" marB="18543">
-                    <a:lnL w="9525" cap="flat" cmpd="sng" algn="ctr">
-                      <a:solidFill>
-                        <a:srgbClr val="000000"/>
-                      </a:solidFill>
-                      <a:prstDash val="solid"/>
-                      <a:round/>
-                      <a:headEnd type="none" w="med" len="med"/>
-                      <a:tailEnd type="none" w="med" len="med"/>
-                    </a:lnL>
-                    <a:lnR w="9525" cap="flat" cmpd="sng" algn="ctr">
-                      <a:solidFill>
-                        <a:srgbClr val="000000"/>
-                      </a:solidFill>
-                      <a:prstDash val="solid"/>
-                      <a:round/>
-                      <a:headEnd type="none" w="med" len="med"/>
-                      <a:tailEnd type="none" w="med" len="med"/>
-                    </a:lnR>
-                    <a:lnT w="9525" cap="flat" cmpd="sng" algn="ctr">
-                      <a:solidFill>
-                        <a:srgbClr val="000000"/>
-                      </a:solidFill>
-                      <a:prstDash val="solid"/>
-                      <a:round/>
-                      <a:headEnd type="none" w="med" len="med"/>
-                      <a:tailEnd type="none" w="med" len="med"/>
-                    </a:lnT>
-                    <a:lnB w="9525" cap="flat" cmpd="sng" algn="ctr">
-                      <a:solidFill>
-                        <a:srgbClr val="000000"/>
-                      </a:solidFill>
-                      <a:prstDash val="solid"/>
-                      <a:round/>
-                      <a:headEnd type="none" w="med" len="med"/>
-                      <a:tailEnd type="none" w="med" len="med"/>
-                    </a:lnB>
-                  </a:tcPr>
-                </a:tc>
-                <a:extLst>
-                  <a:ext uri="{0D108BD9-81ED-4DB2-BD59-A6C34878D82A}">
-                    <a16:rowId xmlns:a16="http://schemas.microsoft.com/office/drawing/2014/main" val="3676886734"/>
-                  </a:ext>
-                </a:extLst>
-              </a:tr>
-              <a:tr h="315225">
-                <a:tc>
-                  <a:txBody>
-                    <a:bodyPr/>
-                    <a:lstStyle/>
-                    <a:p>
-                      <a:pPr algn="ctr" rtl="0" fontAlgn="t">
-                        <a:spcBef>
-                          <a:spcPts val="0"/>
-                        </a:spcBef>
-                        <a:spcAft>
-                          <a:spcPts val="600"/>
-                        </a:spcAft>
-                      </a:pPr>
-                      <a:r>
-                        <a:rPr lang="en-US" sz="800" b="0" i="0" u="none" strike="noStrike">
-                          <a:solidFill>
-                            <a:srgbClr val="000000"/>
-                          </a:solidFill>
-                          <a:effectLst/>
-                          <a:latin typeface="Arial" panose="020B0604020202020204" pitchFamily="34" charset="0"/>
-                        </a:rPr>
-                        <a:t>Report misuse </a:t>
-                      </a:r>
-                      <a:endParaRPr lang="en-US" sz="800">
-                        <a:effectLst/>
-                      </a:endParaRPr>
-                    </a:p>
-                  </a:txBody>
-                  <a:tcPr marL="29617" marR="29617" marT="18543" marB="18543">
-                    <a:lnL w="9525" cap="flat" cmpd="sng" algn="ctr">
-                      <a:solidFill>
-                        <a:srgbClr val="000000"/>
-                      </a:solidFill>
-                      <a:prstDash val="solid"/>
-                      <a:round/>
-                      <a:headEnd type="none" w="med" len="med"/>
-                      <a:tailEnd type="none" w="med" len="med"/>
-                    </a:lnL>
-                    <a:lnR w="9525" cap="flat" cmpd="sng" algn="ctr">
-                      <a:solidFill>
-                        <a:srgbClr val="000000"/>
-                      </a:solidFill>
-                      <a:prstDash val="solid"/>
-                      <a:round/>
-                      <a:headEnd type="none" w="med" len="med"/>
-                      <a:tailEnd type="none" w="med" len="med"/>
-                    </a:lnR>
-                    <a:lnT w="9525" cap="flat" cmpd="sng" algn="ctr">
-                      <a:solidFill>
-                        <a:srgbClr val="000000"/>
-                      </a:solidFill>
-                      <a:prstDash val="solid"/>
-                      <a:round/>
-                      <a:headEnd type="none" w="med" len="med"/>
-                      <a:tailEnd type="none" w="med" len="med"/>
-                    </a:lnT>
-                    <a:lnB w="9525" cap="flat" cmpd="sng" algn="ctr">
-                      <a:solidFill>
-                        <a:srgbClr val="000000"/>
-                      </a:solidFill>
-                      <a:prstDash val="solid"/>
-                      <a:round/>
-                      <a:headEnd type="none" w="med" len="med"/>
-                      <a:tailEnd type="none" w="med" len="med"/>
-                    </a:lnB>
-                  </a:tcPr>
-                </a:tc>
-                <a:tc>
-                  <a:txBody>
-                    <a:bodyPr/>
-                    <a:lstStyle/>
-                    <a:p>
-                      <a:pPr algn="ctr" rtl="0" fontAlgn="t">
-                        <a:spcBef>
-                          <a:spcPts val="0"/>
-                        </a:spcBef>
-                        <a:spcAft>
-                          <a:spcPts val="600"/>
-                        </a:spcAft>
-                      </a:pPr>
-                      <a:r>
-                        <a:rPr lang="en-US" sz="800" b="0" i="0" u="none" strike="noStrike">
-                          <a:solidFill>
-                            <a:srgbClr val="000000"/>
-                          </a:solidFill>
-                          <a:effectLst/>
-                          <a:latin typeface="Arial" panose="020B0604020202020204" pitchFamily="34" charset="0"/>
-                        </a:rPr>
-                        <a:t>Medium</a:t>
-                      </a:r>
-                      <a:endParaRPr lang="en-US" sz="800">
-                        <a:effectLst/>
-                      </a:endParaRPr>
-                    </a:p>
-                  </a:txBody>
-                  <a:tcPr marL="29617" marR="29617" marT="18543" marB="18543">
-                    <a:lnL w="9525" cap="flat" cmpd="sng" algn="ctr">
-                      <a:solidFill>
-                        <a:srgbClr val="000000"/>
-                      </a:solidFill>
-                      <a:prstDash val="solid"/>
-                      <a:round/>
-                      <a:headEnd type="none" w="med" len="med"/>
-                      <a:tailEnd type="none" w="med" len="med"/>
-                    </a:lnL>
-                    <a:lnR w="9525" cap="flat" cmpd="sng" algn="ctr">
-                      <a:solidFill>
-                        <a:srgbClr val="000000"/>
-                      </a:solidFill>
-                      <a:prstDash val="solid"/>
-                      <a:round/>
-                      <a:headEnd type="none" w="med" len="med"/>
-                      <a:tailEnd type="none" w="med" len="med"/>
-                    </a:lnR>
-                    <a:lnT w="9525" cap="flat" cmpd="sng" algn="ctr">
-                      <a:solidFill>
-                        <a:srgbClr val="000000"/>
-                      </a:solidFill>
-                      <a:prstDash val="solid"/>
-                      <a:round/>
-                      <a:headEnd type="none" w="med" len="med"/>
-                      <a:tailEnd type="none" w="med" len="med"/>
-                    </a:lnT>
-                    <a:lnB w="9525" cap="flat" cmpd="sng" algn="ctr">
-                      <a:solidFill>
-                        <a:srgbClr val="000000"/>
-                      </a:solidFill>
-                      <a:prstDash val="solid"/>
-                      <a:round/>
-                      <a:headEnd type="none" w="med" len="med"/>
-                      <a:tailEnd type="none" w="med" len="med"/>
-                    </a:lnB>
-                  </a:tcPr>
-                </a:tc>
-                <a:tc>
-                  <a:txBody>
-                    <a:bodyPr/>
-                    <a:lstStyle/>
-                    <a:p>
-                      <a:pPr algn="ctr" rtl="0" fontAlgn="t">
-                        <a:spcBef>
-                          <a:spcPts val="0"/>
-                        </a:spcBef>
-                        <a:spcAft>
-                          <a:spcPts val="600"/>
-                        </a:spcAft>
-                      </a:pPr>
-                      <a:r>
-                        <a:rPr lang="en-US" sz="800" b="0" i="0" u="none" strike="noStrike">
-                          <a:solidFill>
-                            <a:srgbClr val="000000"/>
-                          </a:solidFill>
-                          <a:effectLst/>
-                          <a:latin typeface="Arial" panose="020B0604020202020204" pitchFamily="34" charset="0"/>
-                        </a:rPr>
-                        <a:t>User Reports misuse </a:t>
-                      </a:r>
-                      <a:endParaRPr lang="en-US" sz="800">
-                        <a:effectLst/>
-                      </a:endParaRPr>
-                    </a:p>
-                    <a:p>
-                      <a:pPr algn="ctr" rtl="0" fontAlgn="t">
-                        <a:spcBef>
-                          <a:spcPts val="0"/>
-                        </a:spcBef>
-                        <a:spcAft>
-                          <a:spcPts val="600"/>
-                        </a:spcAft>
-                      </a:pPr>
-                      <a:r>
-                        <a:rPr lang="en-US" sz="800" b="0" i="0" u="none" strike="noStrike">
-                          <a:solidFill>
-                            <a:srgbClr val="000000"/>
-                          </a:solidFill>
-                          <a:effectLst/>
-                          <a:latin typeface="Arial" panose="020B0604020202020204" pitchFamily="34" charset="0"/>
-                        </a:rPr>
-                        <a:t>Admin Replies complaints</a:t>
-                      </a:r>
-                      <a:endParaRPr lang="en-US" sz="800">
-                        <a:effectLst/>
-                      </a:endParaRPr>
-                    </a:p>
-                  </a:txBody>
-                  <a:tcPr marL="29617" marR="29617" marT="18543" marB="18543">
-                    <a:lnL w="9525" cap="flat" cmpd="sng" algn="ctr">
-                      <a:solidFill>
-                        <a:srgbClr val="000000"/>
-                      </a:solidFill>
-                      <a:prstDash val="solid"/>
-                      <a:round/>
-                      <a:headEnd type="none" w="med" len="med"/>
-                      <a:tailEnd type="none" w="med" len="med"/>
-                    </a:lnL>
-                    <a:lnR w="9525" cap="flat" cmpd="sng" algn="ctr">
-                      <a:solidFill>
-                        <a:srgbClr val="000000"/>
-                      </a:solidFill>
-                      <a:prstDash val="solid"/>
-                      <a:round/>
-                      <a:headEnd type="none" w="med" len="med"/>
-                      <a:tailEnd type="none" w="med" len="med"/>
-                    </a:lnR>
-                    <a:lnT w="9525" cap="flat" cmpd="sng" algn="ctr">
-                      <a:solidFill>
-                        <a:srgbClr val="000000"/>
-                      </a:solidFill>
-                      <a:prstDash val="solid"/>
-                      <a:round/>
-                      <a:headEnd type="none" w="med" len="med"/>
-                      <a:tailEnd type="none" w="med" len="med"/>
-                    </a:lnT>
-                    <a:lnB w="9525" cap="flat" cmpd="sng" algn="ctr">
-                      <a:solidFill>
-                        <a:srgbClr val="000000"/>
-                      </a:solidFill>
-                      <a:prstDash val="solid"/>
-                      <a:round/>
-                      <a:headEnd type="none" w="med" len="med"/>
-                      <a:tailEnd type="none" w="med" len="med"/>
-                    </a:lnB>
-                  </a:tcPr>
-                </a:tc>
-                <a:tc>
-                  <a:txBody>
-                    <a:bodyPr/>
-                    <a:lstStyle/>
-                    <a:p>
-                      <a:pPr algn="ctr" rtl="0" fontAlgn="t">
-                        <a:spcBef>
-                          <a:spcPts val="1200"/>
-                        </a:spcBef>
-                        <a:spcAft>
-                          <a:spcPts val="1200"/>
-                        </a:spcAft>
-                      </a:pPr>
-                      <a:r>
-                        <a:rPr lang="en-US" sz="800" b="0" i="0" u="none" strike="noStrike" dirty="0">
-                          <a:solidFill>
-                            <a:srgbClr val="000000"/>
-                          </a:solidFill>
-                          <a:effectLst/>
-                          <a:latin typeface="Arial" panose="020B0604020202020204" pitchFamily="34" charset="0"/>
-                        </a:rPr>
-                        <a:t>Release 2</a:t>
-                      </a:r>
-                      <a:endParaRPr lang="en-US" sz="800" dirty="0">
-                        <a:effectLst/>
-                      </a:endParaRPr>
-                    </a:p>
-                  </a:txBody>
-                  <a:tcPr marL="29617" marR="29617" marT="18543" marB="18543">
-                    <a:lnL w="9525" cap="flat" cmpd="sng" algn="ctr">
-                      <a:solidFill>
-                        <a:srgbClr val="000000"/>
-                      </a:solidFill>
-                      <a:prstDash val="solid"/>
-                      <a:round/>
-                      <a:headEnd type="none" w="med" len="med"/>
-                      <a:tailEnd type="none" w="med" len="med"/>
-                    </a:lnL>
-                    <a:lnR w="9525" cap="flat" cmpd="sng" algn="ctr">
-                      <a:solidFill>
-                        <a:srgbClr val="000000"/>
-                      </a:solidFill>
-                      <a:prstDash val="solid"/>
-                      <a:round/>
-                      <a:headEnd type="none" w="med" len="med"/>
-                      <a:tailEnd type="none" w="med" len="med"/>
-                    </a:lnR>
-                    <a:lnT w="9525" cap="flat" cmpd="sng" algn="ctr">
-                      <a:solidFill>
-                        <a:srgbClr val="000000"/>
-                      </a:solidFill>
-                      <a:prstDash val="solid"/>
-                      <a:round/>
-                      <a:headEnd type="none" w="med" len="med"/>
-                      <a:tailEnd type="none" w="med" len="med"/>
-                    </a:lnT>
-                    <a:lnB w="9525" cap="flat" cmpd="sng" algn="ctr">
-                      <a:solidFill>
-                        <a:srgbClr val="000000"/>
-                      </a:solidFill>
-                      <a:prstDash val="solid"/>
-                      <a:round/>
-                      <a:headEnd type="none" w="med" len="med"/>
-                      <a:tailEnd type="none" w="med" len="med"/>
-                    </a:lnB>
-                  </a:tcPr>
-                </a:tc>
-                <a:extLst>
-                  <a:ext uri="{0D108BD9-81ED-4DB2-BD59-A6C34878D82A}">
-                    <a16:rowId xmlns:a16="http://schemas.microsoft.com/office/drawing/2014/main" val="3241186923"/>
-                  </a:ext>
-                </a:extLst>
-              </a:tr>
-            </a:tbl>
-          </a:graphicData>
-        </a:graphic>
-      </p:graphicFrame>
-      <p:sp>
-        <p:nvSpPr>
-          <p:cNvPr id="5" name="Rectangle 1">
-            <a:extLst>
-              <a:ext uri="{FF2B5EF4-FFF2-40B4-BE49-F238E27FC236}">
-                <a16:creationId xmlns:a16="http://schemas.microsoft.com/office/drawing/2014/main" id="{51074299-C942-4CE4-8E12-50A8E96E5940}"/>
-              </a:ext>
-            </a:extLst>
-          </p:cNvPr>
-          <p:cNvSpPr>
-            <a:spLocks noChangeArrowheads="1"/>
-          </p:cNvSpPr>
-          <p:nvPr/>
-        </p:nvSpPr>
-        <p:spPr bwMode="auto">
-          <a:xfrm>
-            <a:off x="-22064861" y="0"/>
-            <a:ext cx="57601760" cy="457200"/>
-          </a:xfrm>
-          <a:prstGeom prst="rect">
-            <a:avLst/>
-          </a:prstGeom>
-          <a:noFill/>
-          <a:ln>
-            <a:noFill/>
-          </a:ln>
-          <a:effectLst/>
-          <a:extLst>
-            <a:ext uri="{909E8E84-426E-40DD-AFC4-6F175D3DCCD1}">
-              <a14:hiddenFill xmlns:a14="http://schemas.microsoft.com/office/drawing/2010/main">
-                <a:solidFill>
-                  <a:schemeClr val="accent1"/>
-                </a:solidFill>
-              </a14:hiddenFill>
-            </a:ext>
-            <a:ext uri="{91240B29-F687-4F45-9708-019B960494DF}">
-              <a14:hiddenLine xmlns:a14="http://schemas.microsoft.com/office/drawing/2010/main" w="9525">
-                <a:solidFill>
-                  <a:schemeClr val="tx1"/>
-                </a:solidFill>
-                <a:miter lim="800000"/>
-                <a:headEnd/>
-                <a:tailEnd/>
-              </a14:hiddenLine>
-            </a:ext>
-            <a:ext uri="{AF507438-7753-43E0-B8FC-AC1667EBCBE1}">
-              <a14:hiddenEffects xmlns:a14="http://schemas.microsoft.com/office/drawing/2010/main">
-                <a:effectLst>
-                  <a:outerShdw dist="35921" dir="2700000" algn="ctr" rotWithShape="0">
-                    <a:schemeClr val="bg2"/>
-                  </a:outerShdw>
-                </a:effectLst>
-              </a14:hiddenEffects>
-            </a:ext>
-          </a:extLst>
-        </p:spPr>
-        <p:txBody>
-          <a:bodyPr vert="horz" wrap="square" lIns="91440" tIns="45720" rIns="91440" bIns="45720" numCol="1" anchor="ctr" anchorCtr="0" compatLnSpc="1">
-            <a:prstTxWarp prst="textNoShape">
-              <a:avLst/>
-            </a:prstTxWarp>
-            <a:spAutoFit/>
-          </a:bodyPr>
-          <a:lstStyle/>
-          <a:p>
-            <a:endParaRPr lang="en-US"/>
-          </a:p>
-        </p:txBody>
-      </p:sp>
-    </p:spTree>
-    <p:extLst>
-      <p:ext uri="{BB962C8B-B14F-4D97-AF65-F5344CB8AC3E}">
-        <p14:creationId xmlns:p14="http://schemas.microsoft.com/office/powerpoint/2010/main" val="4031019837"/>
       </p:ext>
     </p:extLst>
   </p:cSld>
